--- a/STUDY/jang/components.pptx
+++ b/STUDY/jang/components.pptx
@@ -12,12 +12,24 @@
     <p:sldId id="261" r:id="rId6"/>
     <p:sldId id="259" r:id="rId7"/>
     <p:sldId id="266" r:id="rId8"/>
-    <p:sldId id="262" r:id="rId9"/>
-    <p:sldId id="263" r:id="rId10"/>
-    <p:sldId id="264" r:id="rId11"/>
-    <p:sldId id="265" r:id="rId12"/>
-    <p:sldId id="268" r:id="rId13"/>
+    <p:sldId id="263" r:id="rId9"/>
+    <p:sldId id="264" r:id="rId10"/>
+    <p:sldId id="265" r:id="rId11"/>
+    <p:sldId id="268" r:id="rId12"/>
+    <p:sldId id="262" r:id="rId13"/>
     <p:sldId id="267" r:id="rId14"/>
+    <p:sldId id="269" r:id="rId15"/>
+    <p:sldId id="270" r:id="rId16"/>
+    <p:sldId id="271" r:id="rId17"/>
+    <p:sldId id="272" r:id="rId18"/>
+    <p:sldId id="273" r:id="rId19"/>
+    <p:sldId id="274" r:id="rId20"/>
+    <p:sldId id="275" r:id="rId21"/>
+    <p:sldId id="279" r:id="rId22"/>
+    <p:sldId id="276" r:id="rId23"/>
+    <p:sldId id="277" r:id="rId24"/>
+    <p:sldId id="278" r:id="rId25"/>
+    <p:sldId id="280" r:id="rId26"/>
   </p:sldIdLst>
   <p:sldSz cx="12192000" cy="6858000"/>
   <p:notesSz cx="6858000" cy="9144000"/>
@@ -271,7 +283,7 @@
           <a:p>
             <a:fld id="{63905F5C-4782-4EC8-A580-C09CBCADB297}" type="datetimeFigureOut">
               <a:rPr lang="ko-KR" altLang="en-US" smtClean="0"/>
-              <a:t>2022-07-15</a:t>
+              <a:t>2022-07-18</a:t>
             </a:fld>
             <a:endParaRPr lang="ko-KR" altLang="en-US"/>
           </a:p>
@@ -469,7 +481,7 @@
           <a:p>
             <a:fld id="{63905F5C-4782-4EC8-A580-C09CBCADB297}" type="datetimeFigureOut">
               <a:rPr lang="ko-KR" altLang="en-US" smtClean="0"/>
-              <a:t>2022-07-15</a:t>
+              <a:t>2022-07-18</a:t>
             </a:fld>
             <a:endParaRPr lang="ko-KR" altLang="en-US"/>
           </a:p>
@@ -677,7 +689,7 @@
           <a:p>
             <a:fld id="{63905F5C-4782-4EC8-A580-C09CBCADB297}" type="datetimeFigureOut">
               <a:rPr lang="ko-KR" altLang="en-US" smtClean="0"/>
-              <a:t>2022-07-15</a:t>
+              <a:t>2022-07-18</a:t>
             </a:fld>
             <a:endParaRPr lang="ko-KR" altLang="en-US"/>
           </a:p>
@@ -875,7 +887,7 @@
           <a:p>
             <a:fld id="{63905F5C-4782-4EC8-A580-C09CBCADB297}" type="datetimeFigureOut">
               <a:rPr lang="ko-KR" altLang="en-US" smtClean="0"/>
-              <a:t>2022-07-15</a:t>
+              <a:t>2022-07-18</a:t>
             </a:fld>
             <a:endParaRPr lang="ko-KR" altLang="en-US"/>
           </a:p>
@@ -1150,7 +1162,7 @@
           <a:p>
             <a:fld id="{63905F5C-4782-4EC8-A580-C09CBCADB297}" type="datetimeFigureOut">
               <a:rPr lang="ko-KR" altLang="en-US" smtClean="0"/>
-              <a:t>2022-07-15</a:t>
+              <a:t>2022-07-18</a:t>
             </a:fld>
             <a:endParaRPr lang="ko-KR" altLang="en-US"/>
           </a:p>
@@ -1415,7 +1427,7 @@
           <a:p>
             <a:fld id="{63905F5C-4782-4EC8-A580-C09CBCADB297}" type="datetimeFigureOut">
               <a:rPr lang="ko-KR" altLang="en-US" smtClean="0"/>
-              <a:t>2022-07-15</a:t>
+              <a:t>2022-07-18</a:t>
             </a:fld>
             <a:endParaRPr lang="ko-KR" altLang="en-US"/>
           </a:p>
@@ -1827,7 +1839,7 @@
           <a:p>
             <a:fld id="{63905F5C-4782-4EC8-A580-C09CBCADB297}" type="datetimeFigureOut">
               <a:rPr lang="ko-KR" altLang="en-US" smtClean="0"/>
-              <a:t>2022-07-15</a:t>
+              <a:t>2022-07-18</a:t>
             </a:fld>
             <a:endParaRPr lang="ko-KR" altLang="en-US"/>
           </a:p>
@@ -1968,7 +1980,7 @@
           <a:p>
             <a:fld id="{63905F5C-4782-4EC8-A580-C09CBCADB297}" type="datetimeFigureOut">
               <a:rPr lang="ko-KR" altLang="en-US" smtClean="0"/>
-              <a:t>2022-07-15</a:t>
+              <a:t>2022-07-18</a:t>
             </a:fld>
             <a:endParaRPr lang="ko-KR" altLang="en-US"/>
           </a:p>
@@ -2081,7 +2093,7 @@
           <a:p>
             <a:fld id="{63905F5C-4782-4EC8-A580-C09CBCADB297}" type="datetimeFigureOut">
               <a:rPr lang="ko-KR" altLang="en-US" smtClean="0"/>
-              <a:t>2022-07-15</a:t>
+              <a:t>2022-07-18</a:t>
             </a:fld>
             <a:endParaRPr lang="ko-KR" altLang="en-US"/>
           </a:p>
@@ -2392,7 +2404,7 @@
           <a:p>
             <a:fld id="{63905F5C-4782-4EC8-A580-C09CBCADB297}" type="datetimeFigureOut">
               <a:rPr lang="ko-KR" altLang="en-US" smtClean="0"/>
-              <a:t>2022-07-15</a:t>
+              <a:t>2022-07-18</a:t>
             </a:fld>
             <a:endParaRPr lang="ko-KR" altLang="en-US"/>
           </a:p>
@@ -2680,7 +2692,7 @@
           <a:p>
             <a:fld id="{63905F5C-4782-4EC8-A580-C09CBCADB297}" type="datetimeFigureOut">
               <a:rPr lang="ko-KR" altLang="en-US" smtClean="0"/>
-              <a:t>2022-07-15</a:t>
+              <a:t>2022-07-18</a:t>
             </a:fld>
             <a:endParaRPr lang="ko-KR" altLang="en-US"/>
           </a:p>
@@ -2921,7 +2933,7 @@
           <a:p>
             <a:fld id="{63905F5C-4782-4EC8-A580-C09CBCADB297}" type="datetimeFigureOut">
               <a:rPr lang="ko-KR" altLang="en-US" smtClean="0"/>
-              <a:t>2022-07-15</a:t>
+              <a:t>2022-07-18</a:t>
             </a:fld>
             <a:endParaRPr lang="ko-KR" altLang="en-US"/>
           </a:p>
@@ -4152,7 +4164,7 @@
         </p:nvSpPr>
         <p:spPr>
           <a:xfrm>
-            <a:off x="2074522" y="3956803"/>
+            <a:off x="2303608" y="3930994"/>
             <a:ext cx="1663120" cy="402672"/>
           </a:xfrm>
           <a:prstGeom prst="rect">
@@ -4365,9 +4377,9 @@
           <p:nvPr/>
         </p:nvCxnSpPr>
         <p:spPr>
-          <a:xfrm flipV="1">
+          <a:xfrm flipH="1" flipV="1">
             <a:off x="2906082" y="3749176"/>
-            <a:ext cx="0" cy="207627"/>
+            <a:ext cx="229086" cy="181818"/>
           </a:xfrm>
           <a:prstGeom prst="line">
             <a:avLst/>
@@ -4470,46 +4482,6 @@
       </p:cxnSp>
       <p:cxnSp>
         <p:nvCxnSpPr>
-          <p:cNvPr id="30" name="직선 연결선 29">
-            <a:extLst>
-              <a:ext uri="{FF2B5EF4-FFF2-40B4-BE49-F238E27FC236}">
-                <a16:creationId xmlns:a16="http://schemas.microsoft.com/office/drawing/2014/main" id="{FDC12DCC-4075-AF91-E48B-6909B72E9980}"/>
-              </a:ext>
-            </a:extLst>
-          </p:cNvPr>
-          <p:cNvCxnSpPr>
-            <a:cxnSpLocks/>
-            <a:stCxn id="12" idx="0"/>
-            <a:endCxn id="8" idx="2"/>
-          </p:cNvCxnSpPr>
-          <p:nvPr/>
-        </p:nvCxnSpPr>
-        <p:spPr>
-          <a:xfrm flipV="1">
-            <a:off x="9475365" y="2953452"/>
-            <a:ext cx="1" cy="513996"/>
-          </a:xfrm>
-          <a:prstGeom prst="line">
-            <a:avLst/>
-          </a:prstGeom>
-        </p:spPr>
-        <p:style>
-          <a:lnRef idx="1">
-            <a:schemeClr val="accent1"/>
-          </a:lnRef>
-          <a:fillRef idx="0">
-            <a:schemeClr val="accent1"/>
-          </a:fillRef>
-          <a:effectRef idx="0">
-            <a:schemeClr val="accent1"/>
-          </a:effectRef>
-          <a:fontRef idx="minor">
-            <a:schemeClr val="tx1"/>
-          </a:fontRef>
-        </p:style>
-      </p:cxnSp>
-      <p:cxnSp>
-        <p:nvCxnSpPr>
           <p:cNvPr id="57" name="연결선: 꺾임 56">
             <a:extLst>
               <a:ext uri="{FF2B5EF4-FFF2-40B4-BE49-F238E27FC236}">
@@ -4586,249 +4558,210 @@
           </a:fontRef>
         </p:style>
       </p:cxnSp>
-      <p:cxnSp>
-        <p:nvCxnSpPr>
-          <p:cNvPr id="62" name="연결선: 꺾임 61">
-            <a:extLst>
-              <a:ext uri="{FF2B5EF4-FFF2-40B4-BE49-F238E27FC236}">
-                <a16:creationId xmlns:a16="http://schemas.microsoft.com/office/drawing/2014/main" id="{96BC8B70-3BF4-E523-CFFA-B361F0688390}"/>
-              </a:ext>
-            </a:extLst>
-          </p:cNvPr>
-          <p:cNvCxnSpPr>
-            <a:cxnSpLocks/>
-            <a:stCxn id="12" idx="2"/>
-            <a:endCxn id="6" idx="0"/>
-          </p:cNvCxnSpPr>
-          <p:nvPr/>
-        </p:nvCxnSpPr>
-        <p:spPr>
-          <a:xfrm rot="16200000" flipH="1">
-            <a:off x="9689982" y="3655502"/>
-            <a:ext cx="409665" cy="838899"/>
-          </a:xfrm>
-          <a:prstGeom prst="bentConnector3">
-            <a:avLst>
-              <a:gd name="adj1" fmla="val 50000"/>
-            </a:avLst>
-          </a:prstGeom>
-        </p:spPr>
-        <p:style>
-          <a:lnRef idx="1">
-            <a:schemeClr val="accent1"/>
-          </a:lnRef>
-          <a:fillRef idx="0">
-            <a:schemeClr val="accent1"/>
-          </a:fillRef>
-          <a:effectRef idx="0">
-            <a:schemeClr val="accent1"/>
-          </a:effectRef>
-          <a:fontRef idx="minor">
-            <a:schemeClr val="tx1"/>
-          </a:fontRef>
-        </p:style>
-      </p:cxnSp>
-      <p:cxnSp>
-        <p:nvCxnSpPr>
-          <p:cNvPr id="65" name="연결선: 꺾임 64">
-            <a:extLst>
-              <a:ext uri="{FF2B5EF4-FFF2-40B4-BE49-F238E27FC236}">
-                <a16:creationId xmlns:a16="http://schemas.microsoft.com/office/drawing/2014/main" id="{3167470E-2B90-F7CD-B38F-ED4124A0FED7}"/>
-              </a:ext>
-            </a:extLst>
-          </p:cNvPr>
-          <p:cNvCxnSpPr>
-            <a:cxnSpLocks/>
-            <a:endCxn id="5" idx="0"/>
-          </p:cNvCxnSpPr>
-          <p:nvPr/>
-        </p:nvCxnSpPr>
-        <p:spPr>
-          <a:xfrm rot="10800000" flipV="1">
-            <a:off x="8684002" y="4074951"/>
-            <a:ext cx="791363" cy="204834"/>
-          </a:xfrm>
-          <a:prstGeom prst="bentConnector2">
-            <a:avLst/>
-          </a:prstGeom>
-        </p:spPr>
-        <p:style>
-          <a:lnRef idx="1">
-            <a:schemeClr val="accent1"/>
-          </a:lnRef>
-          <a:fillRef idx="0">
-            <a:schemeClr val="accent1"/>
-          </a:fillRef>
-          <a:effectRef idx="0">
-            <a:schemeClr val="accent1"/>
-          </a:effectRef>
-          <a:fontRef idx="minor">
-            <a:schemeClr val="tx1"/>
-          </a:fontRef>
-        </p:style>
-      </p:cxnSp>
-      <p:cxnSp>
-        <p:nvCxnSpPr>
-          <p:cNvPr id="71" name="연결선: 꺾임 70">
-            <a:extLst>
-              <a:ext uri="{FF2B5EF4-FFF2-40B4-BE49-F238E27FC236}">
-                <a16:creationId xmlns:a16="http://schemas.microsoft.com/office/drawing/2014/main" id="{35B140AA-75AB-A6D0-199C-753242C3B18E}"/>
-              </a:ext>
-            </a:extLst>
-          </p:cNvPr>
-          <p:cNvCxnSpPr>
-            <a:cxnSpLocks/>
-            <a:stCxn id="10" idx="2"/>
-            <a:endCxn id="13" idx="0"/>
-          </p:cNvCxnSpPr>
-          <p:nvPr/>
-        </p:nvCxnSpPr>
-        <p:spPr>
-          <a:xfrm rot="16200000" flipH="1">
-            <a:off x="6001539" y="2773871"/>
-            <a:ext cx="393052" cy="752214"/>
-          </a:xfrm>
-          <a:prstGeom prst="bentConnector3">
-            <a:avLst>
-              <a:gd name="adj1" fmla="val 50000"/>
-            </a:avLst>
-          </a:prstGeom>
-        </p:spPr>
-        <p:style>
-          <a:lnRef idx="1">
-            <a:schemeClr val="accent1"/>
-          </a:lnRef>
-          <a:fillRef idx="0">
-            <a:schemeClr val="accent1"/>
-          </a:fillRef>
-          <a:effectRef idx="0">
-            <a:schemeClr val="accent1"/>
-          </a:effectRef>
-          <a:fontRef idx="minor">
-            <a:schemeClr val="tx1"/>
-          </a:fontRef>
-        </p:style>
-      </p:cxnSp>
-      <p:cxnSp>
-        <p:nvCxnSpPr>
-          <p:cNvPr id="74" name="연결선: 꺾임 73">
-            <a:extLst>
-              <a:ext uri="{FF2B5EF4-FFF2-40B4-BE49-F238E27FC236}">
-                <a16:creationId xmlns:a16="http://schemas.microsoft.com/office/drawing/2014/main" id="{D58C5FD5-7E07-0840-BDA9-6D64D2D32D62}"/>
-              </a:ext>
-            </a:extLst>
-          </p:cNvPr>
-          <p:cNvCxnSpPr>
-            <a:cxnSpLocks/>
-            <a:endCxn id="14" idx="0"/>
-          </p:cNvCxnSpPr>
-          <p:nvPr/>
-        </p:nvCxnSpPr>
-        <p:spPr>
-          <a:xfrm rot="10800000" flipV="1">
-            <a:off x="5025006" y="3149977"/>
-            <a:ext cx="796950" cy="198624"/>
-          </a:xfrm>
-          <a:prstGeom prst="bentConnector2">
-            <a:avLst/>
-          </a:prstGeom>
-        </p:spPr>
-        <p:style>
-          <a:lnRef idx="1">
-            <a:schemeClr val="accent1"/>
-          </a:lnRef>
-          <a:fillRef idx="0">
-            <a:schemeClr val="accent1"/>
-          </a:fillRef>
-          <a:effectRef idx="0">
-            <a:schemeClr val="accent1"/>
-          </a:effectRef>
-          <a:fontRef idx="minor">
-            <a:schemeClr val="tx1"/>
-          </a:fontRef>
-        </p:style>
-      </p:cxnSp>
-      <p:cxnSp>
-        <p:nvCxnSpPr>
-          <p:cNvPr id="77" name="연결선: 꺾임 76">
-            <a:extLst>
-              <a:ext uri="{FF2B5EF4-FFF2-40B4-BE49-F238E27FC236}">
-                <a16:creationId xmlns:a16="http://schemas.microsoft.com/office/drawing/2014/main" id="{35E326B5-AB0C-13FD-3657-3AD01AB82ACB}"/>
-              </a:ext>
-            </a:extLst>
-          </p:cNvPr>
-          <p:cNvCxnSpPr>
-            <a:cxnSpLocks/>
-            <a:stCxn id="11" idx="2"/>
-            <a:endCxn id="19" idx="0"/>
-          </p:cNvCxnSpPr>
-          <p:nvPr/>
-        </p:nvCxnSpPr>
-        <p:spPr>
-          <a:xfrm rot="16200000" flipH="1">
-            <a:off x="2340790" y="2781212"/>
-            <a:ext cx="393052" cy="737532"/>
-          </a:xfrm>
-          <a:prstGeom prst="bentConnector3">
-            <a:avLst>
-              <a:gd name="adj1" fmla="val 50000"/>
-            </a:avLst>
-          </a:prstGeom>
-        </p:spPr>
-        <p:style>
-          <a:lnRef idx="1">
-            <a:schemeClr val="accent1"/>
-          </a:lnRef>
-          <a:fillRef idx="0">
-            <a:schemeClr val="accent1"/>
-          </a:fillRef>
-          <a:effectRef idx="0">
-            <a:schemeClr val="accent1"/>
-          </a:effectRef>
-          <a:fontRef idx="minor">
-            <a:schemeClr val="tx1"/>
-          </a:fontRef>
-        </p:style>
-      </p:cxnSp>
-      <p:cxnSp>
-        <p:nvCxnSpPr>
-          <p:cNvPr id="80" name="연결선: 꺾임 79">
-            <a:extLst>
-              <a:ext uri="{FF2B5EF4-FFF2-40B4-BE49-F238E27FC236}">
-                <a16:creationId xmlns:a16="http://schemas.microsoft.com/office/drawing/2014/main" id="{2DFC1E43-7819-0F3C-B4AE-234DA975A071}"/>
-              </a:ext>
-            </a:extLst>
-          </p:cNvPr>
-          <p:cNvCxnSpPr>
-            <a:cxnSpLocks/>
-            <a:endCxn id="18" idx="0"/>
-          </p:cNvCxnSpPr>
-          <p:nvPr/>
-        </p:nvCxnSpPr>
-        <p:spPr>
-          <a:xfrm rot="10800000" flipV="1">
-            <a:off x="1455486" y="3149976"/>
-            <a:ext cx="713062" cy="196527"/>
-          </a:xfrm>
-          <a:prstGeom prst="bentConnector2">
-            <a:avLst/>
-          </a:prstGeom>
-        </p:spPr>
-        <p:style>
-          <a:lnRef idx="1">
-            <a:schemeClr val="accent1"/>
-          </a:lnRef>
-          <a:fillRef idx="0">
-            <a:schemeClr val="accent1"/>
-          </a:fillRef>
-          <a:effectRef idx="0">
-            <a:schemeClr val="accent1"/>
-          </a:effectRef>
-          <a:fontRef idx="minor">
-            <a:schemeClr val="tx1"/>
-          </a:fontRef>
-        </p:style>
-      </p:cxnSp>
+      <p:sp>
+        <p:nvSpPr>
+          <p:cNvPr id="35" name="직사각형 34">
+            <a:extLst>
+              <a:ext uri="{FF2B5EF4-FFF2-40B4-BE49-F238E27FC236}">
+                <a16:creationId xmlns:a16="http://schemas.microsoft.com/office/drawing/2014/main" id="{537BF406-810E-2D97-A011-7E62E87D85C2}"/>
+              </a:ext>
+            </a:extLst>
+          </p:cNvPr>
+          <p:cNvSpPr/>
+          <p:nvPr/>
+        </p:nvSpPr>
+        <p:spPr>
+          <a:xfrm>
+            <a:off x="8096771" y="4979315"/>
+            <a:ext cx="1174459" cy="402672"/>
+          </a:xfrm>
+          <a:prstGeom prst="rect">
+            <a:avLst/>
+          </a:prstGeom>
+        </p:spPr>
+        <p:style>
+          <a:lnRef idx="2">
+            <a:schemeClr val="accent1">
+              <a:shade val="50000"/>
+            </a:schemeClr>
+          </a:lnRef>
+          <a:fillRef idx="1">
+            <a:schemeClr val="accent1"/>
+          </a:fillRef>
+          <a:effectRef idx="0">
+            <a:schemeClr val="accent1"/>
+          </a:effectRef>
+          <a:fontRef idx="minor">
+            <a:schemeClr val="lt1"/>
+          </a:fontRef>
+        </p:style>
+        <p:txBody>
+          <a:bodyPr rtlCol="0" anchor="ctr"/>
+          <a:lstStyle/>
+          <a:p>
+            <a:pPr algn="ctr"/>
+            <a:r>
+              <a:rPr lang="en-US" altLang="ko-KR" sz="1100" dirty="0" err="1"/>
+              <a:t>P</a:t>
+            </a:r>
+            <a:r>
+              <a:rPr lang="en-US" altLang="ko-KR" sz="1100" dirty="0" err="1" smtClean="0"/>
+              <a:t>articipantList.vue</a:t>
+            </a:r>
+            <a:endParaRPr lang="ko-KR" altLang="en-US" sz="1100" dirty="0"/>
+          </a:p>
+        </p:txBody>
+      </p:sp>
+      <p:sp>
+        <p:nvSpPr>
+          <p:cNvPr id="38" name="직사각형 37">
+            <a:extLst>
+              <a:ext uri="{FF2B5EF4-FFF2-40B4-BE49-F238E27FC236}">
+                <a16:creationId xmlns:a16="http://schemas.microsoft.com/office/drawing/2014/main" id="{12D73712-E257-AA3B-AA8F-67EBF4746A89}"/>
+              </a:ext>
+            </a:extLst>
+          </p:cNvPr>
+          <p:cNvSpPr/>
+          <p:nvPr/>
+        </p:nvSpPr>
+        <p:spPr>
+          <a:xfrm>
+            <a:off x="892724" y="5290399"/>
+            <a:ext cx="1174459" cy="402672"/>
+          </a:xfrm>
+          <a:prstGeom prst="rect">
+            <a:avLst/>
+          </a:prstGeom>
+        </p:spPr>
+        <p:style>
+          <a:lnRef idx="2">
+            <a:schemeClr val="accent1">
+              <a:shade val="50000"/>
+            </a:schemeClr>
+          </a:lnRef>
+          <a:fillRef idx="1">
+            <a:schemeClr val="accent1"/>
+          </a:fillRef>
+          <a:effectRef idx="0">
+            <a:schemeClr val="accent1"/>
+          </a:effectRef>
+          <a:fontRef idx="minor">
+            <a:schemeClr val="lt1"/>
+          </a:fontRef>
+        </p:style>
+        <p:txBody>
+          <a:bodyPr rtlCol="0" anchor="ctr"/>
+          <a:lstStyle/>
+          <a:p>
+            <a:pPr algn="ctr"/>
+            <a:r>
+              <a:rPr lang="en-US" altLang="ko-KR" sz="1100" dirty="0"/>
+              <a:t>sidebar</a:t>
+            </a:r>
+            <a:endParaRPr lang="ko-KR" altLang="en-US" sz="1100" dirty="0"/>
+          </a:p>
+        </p:txBody>
+      </p:sp>
+      <p:sp>
+        <p:nvSpPr>
+          <p:cNvPr id="39" name="직사각형 38">
+            <a:extLst>
+              <a:ext uri="{FF2B5EF4-FFF2-40B4-BE49-F238E27FC236}">
+                <a16:creationId xmlns:a16="http://schemas.microsoft.com/office/drawing/2014/main" id="{A56EFF45-8A7E-106E-285A-33B87956D9CC}"/>
+              </a:ext>
+            </a:extLst>
+          </p:cNvPr>
+          <p:cNvSpPr/>
+          <p:nvPr/>
+        </p:nvSpPr>
+        <p:spPr>
+          <a:xfrm>
+            <a:off x="877480" y="4636492"/>
+            <a:ext cx="1174459" cy="402672"/>
+          </a:xfrm>
+          <a:prstGeom prst="rect">
+            <a:avLst/>
+          </a:prstGeom>
+        </p:spPr>
+        <p:style>
+          <a:lnRef idx="2">
+            <a:schemeClr val="accent1">
+              <a:shade val="50000"/>
+            </a:schemeClr>
+          </a:lnRef>
+          <a:fillRef idx="1">
+            <a:schemeClr val="accent1"/>
+          </a:fillRef>
+          <a:effectRef idx="0">
+            <a:schemeClr val="accent1"/>
+          </a:effectRef>
+          <a:fontRef idx="minor">
+            <a:schemeClr val="lt1"/>
+          </a:fontRef>
+        </p:style>
+        <p:txBody>
+          <a:bodyPr rtlCol="0" anchor="ctr"/>
+          <a:lstStyle/>
+          <a:p>
+            <a:pPr algn="ctr"/>
+            <a:r>
+              <a:rPr lang="en-US" altLang="ko-KR" sz="1100" dirty="0"/>
+              <a:t>header</a:t>
+            </a:r>
+            <a:endParaRPr lang="ko-KR" altLang="en-US" sz="1100" dirty="0"/>
+          </a:p>
+        </p:txBody>
+      </p:sp>
+      <p:sp>
+        <p:nvSpPr>
+          <p:cNvPr id="40" name="직사각형 39">
+            <a:extLst>
+              <a:ext uri="{FF2B5EF4-FFF2-40B4-BE49-F238E27FC236}">
+                <a16:creationId xmlns:a16="http://schemas.microsoft.com/office/drawing/2014/main" id="{9C4CF727-72A1-2566-883F-95D7C207DE93}"/>
+              </a:ext>
+            </a:extLst>
+          </p:cNvPr>
+          <p:cNvSpPr/>
+          <p:nvPr/>
+        </p:nvSpPr>
+        <p:spPr>
+          <a:xfrm>
+            <a:off x="884818" y="3920908"/>
+            <a:ext cx="1174459" cy="402672"/>
+          </a:xfrm>
+          <a:prstGeom prst="rect">
+            <a:avLst/>
+          </a:prstGeom>
+        </p:spPr>
+        <p:style>
+          <a:lnRef idx="2">
+            <a:schemeClr val="accent1">
+              <a:shade val="50000"/>
+            </a:schemeClr>
+          </a:lnRef>
+          <a:fillRef idx="1">
+            <a:schemeClr val="accent1"/>
+          </a:fillRef>
+          <a:effectRef idx="0">
+            <a:schemeClr val="accent1"/>
+          </a:effectRef>
+          <a:fontRef idx="minor">
+            <a:schemeClr val="lt1"/>
+          </a:fontRef>
+        </p:style>
+        <p:txBody>
+          <a:bodyPr rtlCol="0" anchor="ctr"/>
+          <a:lstStyle/>
+          <a:p>
+            <a:pPr algn="ctr"/>
+            <a:r>
+              <a:rPr lang="en-US" altLang="ko-KR" sz="1100" dirty="0"/>
+              <a:t>footer</a:t>
+            </a:r>
+            <a:endParaRPr lang="ko-KR" altLang="en-US" sz="1100" dirty="0"/>
+          </a:p>
+        </p:txBody>
+      </p:sp>
     </p:spTree>
     <p:extLst>
       <p:ext uri="{BB962C8B-B14F-4D97-AF65-F5344CB8AC3E}">
@@ -4861,10 +4794,10 @@
       </p:grpSpPr>
       <p:sp>
         <p:nvSpPr>
-          <p:cNvPr id="5" name="직사각형 4">
-            <a:extLst>
-              <a:ext uri="{FF2B5EF4-FFF2-40B4-BE49-F238E27FC236}">
-                <a16:creationId xmlns:a16="http://schemas.microsoft.com/office/drawing/2014/main" id="{4057526F-B745-4EA2-9097-A81CAE4B219F}"/>
+          <p:cNvPr id="4" name="직사각형 3">
+            <a:extLst>
+              <a:ext uri="{FF2B5EF4-FFF2-40B4-BE49-F238E27FC236}">
+                <a16:creationId xmlns:a16="http://schemas.microsoft.com/office/drawing/2014/main" id="{79957536-6ADC-4293-5A6A-120A0477FA4D}"/>
               </a:ext>
             </a:extLst>
           </p:cNvPr>
@@ -4873,8 +4806,8 @@
         </p:nvSpPr>
         <p:spPr>
           <a:xfrm>
-            <a:off x="370510" y="267056"/>
-            <a:ext cx="1174459" cy="402672"/>
+            <a:off x="177563" y="74109"/>
+            <a:ext cx="1315677" cy="697678"/>
           </a:xfrm>
           <a:prstGeom prst="rect">
             <a:avLst/>
@@ -4903,7 +4836,30 @@
             <a:pPr algn="ctr"/>
             <a:r>
               <a:rPr lang="en-US" altLang="ko-KR" sz="1100" dirty="0"/>
-              <a:t>Conference -1</a:t>
+              <a:t>Conference -2</a:t>
+            </a:r>
+          </a:p>
+          <a:p>
+            <a:pPr algn="ctr"/>
+            <a:r>
+              <a:rPr lang="en-US" altLang="ko-KR" sz="1100" dirty="0"/>
+              <a:t>(</a:t>
+            </a:r>
+            <a:r>
+              <a:rPr lang="ko-KR" altLang="en-US" sz="1100" dirty="0" err="1"/>
+              <a:t>화면공유및</a:t>
+            </a:r>
+            <a:endParaRPr lang="en-US" altLang="ko-KR" sz="1100" dirty="0"/>
+          </a:p>
+          <a:p>
+            <a:pPr algn="ctr"/>
+            <a:r>
+              <a:rPr lang="ko-KR" altLang="en-US" sz="1100" dirty="0" err="1"/>
+              <a:t>드로일기능사용시</a:t>
+            </a:r>
+            <a:r>
+              <a:rPr lang="en-US" altLang="ko-KR" sz="1100" dirty="0"/>
+              <a:t>)</a:t>
             </a:r>
             <a:endParaRPr lang="ko-KR" altLang="en-US" sz="1100" dirty="0"/>
           </a:p>
@@ -4911,10 +4867,10 @@
       </p:sp>
       <p:sp>
         <p:nvSpPr>
-          <p:cNvPr id="6" name="직사각형 5">
-            <a:extLst>
-              <a:ext uri="{FF2B5EF4-FFF2-40B4-BE49-F238E27FC236}">
-                <a16:creationId xmlns:a16="http://schemas.microsoft.com/office/drawing/2014/main" id="{D94992E7-CD9B-B699-3FEA-BFAEE66D476B}"/>
+          <p:cNvPr id="5" name="직사각형 4">
+            <a:extLst>
+              <a:ext uri="{FF2B5EF4-FFF2-40B4-BE49-F238E27FC236}">
+                <a16:creationId xmlns:a16="http://schemas.microsoft.com/office/drawing/2014/main" id="{3D8F08D2-6CC6-C04B-8030-42CC9A063951}"/>
               </a:ext>
             </a:extLst>
           </p:cNvPr>
@@ -4923,8 +4879,8 @@
         </p:nvSpPr>
         <p:spPr>
           <a:xfrm>
-            <a:off x="1898704" y="545291"/>
-            <a:ext cx="2488738" cy="1314269"/>
+            <a:off x="590019" y="1317292"/>
+            <a:ext cx="911608" cy="827002"/>
           </a:xfrm>
           <a:prstGeom prst="rect">
             <a:avLst/>
@@ -4961,10 +4917,10 @@
       </p:sp>
       <p:sp>
         <p:nvSpPr>
-          <p:cNvPr id="7" name="직사각형 6">
-            <a:extLst>
-              <a:ext uri="{FF2B5EF4-FFF2-40B4-BE49-F238E27FC236}">
-                <a16:creationId xmlns:a16="http://schemas.microsoft.com/office/drawing/2014/main" id="{1C363D53-3178-6B73-1393-3B201D47475F}"/>
+          <p:cNvPr id="6" name="직사각형 5">
+            <a:extLst>
+              <a:ext uri="{FF2B5EF4-FFF2-40B4-BE49-F238E27FC236}">
+                <a16:creationId xmlns:a16="http://schemas.microsoft.com/office/drawing/2014/main" id="{134F131E-8817-627C-6C69-EBDAB0F0676B}"/>
               </a:ext>
             </a:extLst>
           </p:cNvPr>
@@ -4973,8 +4929,8 @@
         </p:nvSpPr>
         <p:spPr>
           <a:xfrm>
-            <a:off x="4851631" y="545291"/>
-            <a:ext cx="2488738" cy="1314269"/>
+            <a:off x="1652620" y="1317292"/>
+            <a:ext cx="911608" cy="827003"/>
           </a:xfrm>
           <a:prstGeom prst="rect">
             <a:avLst/>
@@ -5011,10 +4967,10 @@
       </p:sp>
       <p:sp>
         <p:nvSpPr>
-          <p:cNvPr id="8" name="직사각형 7">
-            <a:extLst>
-              <a:ext uri="{FF2B5EF4-FFF2-40B4-BE49-F238E27FC236}">
-                <a16:creationId xmlns:a16="http://schemas.microsoft.com/office/drawing/2014/main" id="{A0E856F0-37E7-CF3E-C967-34F6987462D7}"/>
+          <p:cNvPr id="7" name="직사각형 6">
+            <a:extLst>
+              <a:ext uri="{FF2B5EF4-FFF2-40B4-BE49-F238E27FC236}">
+                <a16:creationId xmlns:a16="http://schemas.microsoft.com/office/drawing/2014/main" id="{F8522E83-AEAB-B0EF-FC4E-1B6B227D4E9E}"/>
               </a:ext>
             </a:extLst>
           </p:cNvPr>
@@ -5023,8 +4979,8 @@
         </p:nvSpPr>
         <p:spPr>
           <a:xfrm>
-            <a:off x="1898704" y="2158216"/>
-            <a:ext cx="2488738" cy="1314269"/>
+            <a:off x="2715221" y="1317292"/>
+            <a:ext cx="911608" cy="827002"/>
           </a:xfrm>
           <a:prstGeom prst="rect">
             <a:avLst/>
@@ -5061,10 +5017,10 @@
       </p:sp>
       <p:sp>
         <p:nvSpPr>
-          <p:cNvPr id="9" name="직사각형 8">
-            <a:extLst>
-              <a:ext uri="{FF2B5EF4-FFF2-40B4-BE49-F238E27FC236}">
-                <a16:creationId xmlns:a16="http://schemas.microsoft.com/office/drawing/2014/main" id="{002E3D11-C1B7-3345-F90D-7203DEC8DE94}"/>
+          <p:cNvPr id="8" name="직사각형 7">
+            <a:extLst>
+              <a:ext uri="{FF2B5EF4-FFF2-40B4-BE49-F238E27FC236}">
+                <a16:creationId xmlns:a16="http://schemas.microsoft.com/office/drawing/2014/main" id="{7419EDAB-782C-2269-F91B-D44450C1951E}"/>
               </a:ext>
             </a:extLst>
           </p:cNvPr>
@@ -5073,8 +5029,8 @@
         </p:nvSpPr>
         <p:spPr>
           <a:xfrm>
-            <a:off x="4851631" y="2158216"/>
-            <a:ext cx="2488738" cy="1314269"/>
+            <a:off x="3777822" y="1326677"/>
+            <a:ext cx="911608" cy="814665"/>
           </a:xfrm>
           <a:prstGeom prst="rect">
             <a:avLst/>
@@ -5110,10 +5066,10 @@
       </p:sp>
       <p:sp>
         <p:nvSpPr>
-          <p:cNvPr id="10" name="직사각형 9">
-            <a:extLst>
-              <a:ext uri="{FF2B5EF4-FFF2-40B4-BE49-F238E27FC236}">
-                <a16:creationId xmlns:a16="http://schemas.microsoft.com/office/drawing/2014/main" id="{EF7662B6-DF16-E97F-8D89-EDE88D743D53}"/>
+          <p:cNvPr id="9" name="직사각형 8">
+            <a:extLst>
+              <a:ext uri="{FF2B5EF4-FFF2-40B4-BE49-F238E27FC236}">
+                <a16:creationId xmlns:a16="http://schemas.microsoft.com/office/drawing/2014/main" id="{997A9993-FF98-74AD-3390-28AF87C5A727}"/>
               </a:ext>
             </a:extLst>
           </p:cNvPr>
@@ -5122,8 +5078,8 @@
         </p:nvSpPr>
         <p:spPr>
           <a:xfrm>
-            <a:off x="1898704" y="3771141"/>
-            <a:ext cx="2488738" cy="1314269"/>
+            <a:off x="590019" y="2304175"/>
+            <a:ext cx="6168695" cy="3438369"/>
           </a:xfrm>
           <a:prstGeom prst="rect">
             <a:avLst/>
@@ -5151,10 +5107,17 @@
           <a:p>
             <a:pPr algn="ctr"/>
             <a:r>
-              <a:rPr lang="ko-KR" altLang="en-US" sz="1100"/>
-              <a:t>카메라</a:t>
-            </a:r>
-            <a:endParaRPr lang="ko-KR" altLang="en-US" sz="1100" dirty="0"/>
+              <a:rPr lang="ko-KR" altLang="en-US" sz="1100" dirty="0"/>
+              <a:t>화면공유 </a:t>
+            </a:r>
+            <a:r>
+              <a:rPr lang="en-US" altLang="ko-KR" sz="1100" dirty="0"/>
+              <a:t>or</a:t>
+            </a:r>
+            <a:r>
+              <a:rPr lang="ko-KR" altLang="en-US" sz="1100" dirty="0"/>
+              <a:t> 드로잉시스템</a:t>
+            </a:r>
           </a:p>
         </p:txBody>
       </p:sp>
@@ -5163,7 +5126,7 @@
           <p:cNvPr id="11" name="직사각형 10">
             <a:extLst>
               <a:ext uri="{FF2B5EF4-FFF2-40B4-BE49-F238E27FC236}">
-                <a16:creationId xmlns:a16="http://schemas.microsoft.com/office/drawing/2014/main" id="{5F3CD4EF-C4B2-4CFE-5719-D8858E23B18D}"/>
+                <a16:creationId xmlns:a16="http://schemas.microsoft.com/office/drawing/2014/main" id="{3767F789-20DE-CFA7-6E3B-EBCDA22CBF43}"/>
               </a:ext>
             </a:extLst>
           </p:cNvPr>
@@ -5172,8 +5135,8 @@
         </p:nvSpPr>
         <p:spPr>
           <a:xfrm>
-            <a:off x="4851631" y="3771141"/>
-            <a:ext cx="2488738" cy="1314269"/>
+            <a:off x="7010404" y="2815350"/>
+            <a:ext cx="2116816" cy="2927194"/>
           </a:xfrm>
           <a:prstGeom prst="rect">
             <a:avLst/>
@@ -5201,9 +5164,10 @@
           <a:p>
             <a:pPr algn="ctr"/>
             <a:r>
-              <a:rPr lang="ko-KR" altLang="en-US" sz="1100" dirty="0"/>
-              <a:t>카메라</a:t>
-            </a:r>
+              <a:rPr lang="ko-KR" altLang="en-US" sz="1100"/>
+              <a:t>채팅창</a:t>
+            </a:r>
+            <a:endParaRPr lang="ko-KR" altLang="en-US" sz="1100" dirty="0"/>
           </a:p>
         </p:txBody>
       </p:sp>
@@ -5212,7 +5176,7 @@
           <p:cNvPr id="12" name="직사각형 11">
             <a:extLst>
               <a:ext uri="{FF2B5EF4-FFF2-40B4-BE49-F238E27FC236}">
-                <a16:creationId xmlns:a16="http://schemas.microsoft.com/office/drawing/2014/main" id="{A7337D00-D31D-ACA9-81A5-ACCEAECEAD1D}"/>
+                <a16:creationId xmlns:a16="http://schemas.microsoft.com/office/drawing/2014/main" id="{F52C3F2A-3A5A-5E98-506D-930B78A29473}"/>
               </a:ext>
             </a:extLst>
           </p:cNvPr>
@@ -5221,8 +5185,8 @@
         </p:nvSpPr>
         <p:spPr>
           <a:xfrm>
-            <a:off x="7947166" y="2158216"/>
-            <a:ext cx="2488738" cy="2927194"/>
+            <a:off x="7010405" y="1317292"/>
+            <a:ext cx="2116815" cy="1397167"/>
           </a:xfrm>
           <a:prstGeom prst="rect">
             <a:avLst/>
@@ -5250,8 +5214,28 @@
           <a:p>
             <a:pPr algn="ctr"/>
             <a:r>
-              <a:rPr lang="ko-KR" altLang="en-US" sz="1100"/>
-              <a:t>채팅창</a:t>
+              <a:rPr lang="ko-KR" altLang="en-US" sz="1100" dirty="0"/>
+              <a:t>참가자 명단</a:t>
+            </a:r>
+            <a:endParaRPr lang="en-US" altLang="ko-KR" sz="1100" dirty="0"/>
+          </a:p>
+          <a:p>
+            <a:pPr algn="ctr"/>
+            <a:r>
+              <a:rPr lang="en-US" altLang="ko-KR" sz="1100" dirty="0"/>
+              <a:t>(</a:t>
+            </a:r>
+            <a:r>
+              <a:rPr lang="ko-KR" altLang="en-US" sz="1100" dirty="0" err="1"/>
+              <a:t>웹엑스처럼</a:t>
+            </a:r>
+            <a:r>
+              <a:rPr lang="ko-KR" altLang="en-US" sz="1100" dirty="0"/>
+              <a:t> 구성</a:t>
+            </a:r>
+            <a:r>
+              <a:rPr lang="en-US" altLang="ko-KR" sz="1100" dirty="0"/>
+              <a:t>)</a:t>
             </a:r>
             <a:endParaRPr lang="ko-KR" altLang="en-US" sz="1100" dirty="0"/>
           </a:p>
@@ -5262,7 +5246,7 @@
           <p:cNvPr id="13" name="직사각형 12">
             <a:extLst>
               <a:ext uri="{FF2B5EF4-FFF2-40B4-BE49-F238E27FC236}">
-                <a16:creationId xmlns:a16="http://schemas.microsoft.com/office/drawing/2014/main" id="{0F6F399C-FDD1-AC46-194A-92E5246EA0A8}"/>
+                <a16:creationId xmlns:a16="http://schemas.microsoft.com/office/drawing/2014/main" id="{CF4D435A-6681-525E-DDD5-1CE4D5E8BAE3}"/>
               </a:ext>
             </a:extLst>
           </p:cNvPr>
@@ -5271,8 +5255,8 @@
         </p:nvSpPr>
         <p:spPr>
           <a:xfrm>
-            <a:off x="7947166" y="545289"/>
-            <a:ext cx="2488738" cy="1314269"/>
+            <a:off x="590020" y="6077817"/>
+            <a:ext cx="8537200" cy="410361"/>
           </a:xfrm>
           <a:prstGeom prst="rect">
             <a:avLst/>
@@ -5300,24 +5284,72 @@
           <a:p>
             <a:pPr algn="ctr"/>
             <a:r>
+              <a:rPr lang="ko-KR" altLang="en-US" sz="1100" dirty="0" err="1"/>
+              <a:t>음소거</a:t>
+            </a:r>
+            <a:r>
+              <a:rPr lang="en-US" altLang="ko-KR" sz="1100" dirty="0"/>
+              <a:t>, </a:t>
+            </a:r>
+            <a:r>
               <a:rPr lang="ko-KR" altLang="en-US" sz="1100" dirty="0"/>
-              <a:t>참가자 명단</a:t>
-            </a:r>
-            <a:endParaRPr lang="en-US" altLang="ko-KR" sz="1100" dirty="0"/>
-          </a:p>
-          <a:p>
-            <a:pPr algn="ctr"/>
+              <a:t>비디오중지</a:t>
+            </a:r>
             <a:r>
               <a:rPr lang="en-US" altLang="ko-KR" sz="1100" dirty="0"/>
-              <a:t>(</a:t>
+              <a:t>, </a:t>
             </a:r>
             <a:r>
               <a:rPr lang="ko-KR" altLang="en-US" sz="1100" dirty="0" err="1"/>
-              <a:t>웹엑스처럼</a:t>
+              <a:t>채팅창</a:t>
+            </a:r>
+            <a:r>
+              <a:rPr lang="en-US" altLang="ko-KR" sz="1100" dirty="0"/>
+              <a:t>, </a:t>
             </a:r>
             <a:r>
               <a:rPr lang="ko-KR" altLang="en-US" sz="1100" dirty="0"/>
-              <a:t> 구성</a:t>
+              <a:t>참가자명단</a:t>
+            </a:r>
+            <a:r>
+              <a:rPr lang="en-US" altLang="ko-KR" sz="1100" dirty="0"/>
+              <a:t>, </a:t>
+            </a:r>
+            <a:r>
+              <a:rPr lang="ko-KR" altLang="en-US" sz="1100" dirty="0"/>
+              <a:t>화면공유</a:t>
+            </a:r>
+            <a:r>
+              <a:rPr lang="en-US" altLang="ko-KR" sz="1100" dirty="0"/>
+              <a:t>, </a:t>
+            </a:r>
+            <a:r>
+              <a:rPr lang="ko-KR" altLang="en-US" sz="1100" dirty="0"/>
+              <a:t>나가기</a:t>
+            </a:r>
+            <a:r>
+              <a:rPr lang="en-US" altLang="ko-KR" sz="1100" dirty="0"/>
+              <a:t>, </a:t>
+            </a:r>
+            <a:r>
+              <a:rPr lang="ko-KR" altLang="en-US" sz="1100" dirty="0"/>
+              <a:t>초대코드</a:t>
+            </a:r>
+            <a:r>
+              <a:rPr lang="en-US" altLang="ko-KR" sz="1100" dirty="0"/>
+              <a:t> (</a:t>
+            </a:r>
+            <a:r>
+              <a:rPr lang="ko-KR" altLang="en-US" sz="1100" dirty="0"/>
+              <a:t>임시중단</a:t>
+            </a:r>
+            <a:r>
+              <a:rPr lang="en-US" altLang="ko-KR" sz="1100" dirty="0"/>
+              <a:t>, </a:t>
+            </a:r>
+            <a:r>
+              <a:rPr lang="ko-KR" altLang="en-US" sz="1100" dirty="0"/>
+              <a:t>종료</a:t>
             </a:r>
             <a:r>
               <a:rPr lang="en-US" altLang="ko-KR" sz="1100" dirty="0"/>
@@ -5332,7 +5364,7 @@
           <p:cNvPr id="14" name="직사각형 13">
             <a:extLst>
               <a:ext uri="{FF2B5EF4-FFF2-40B4-BE49-F238E27FC236}">
-                <a16:creationId xmlns:a16="http://schemas.microsoft.com/office/drawing/2014/main" id="{56CF5369-EE09-EF89-3CE7-06C926D13F4D}"/>
+                <a16:creationId xmlns:a16="http://schemas.microsoft.com/office/drawing/2014/main" id="{D86DD72C-8C0B-BCC6-A8A5-C2001FFC860D}"/>
               </a:ext>
             </a:extLst>
           </p:cNvPr>
@@ -5341,8 +5373,8 @@
         </p:nvSpPr>
         <p:spPr>
           <a:xfrm>
-            <a:off x="1898705" y="5620980"/>
-            <a:ext cx="8537200" cy="410361"/>
+            <a:off x="4784505" y="1317292"/>
+            <a:ext cx="911608" cy="827002"/>
           </a:xfrm>
           <a:prstGeom prst="rect">
             <a:avLst/>
@@ -5370,77 +5402,194 @@
           <a:p>
             <a:pPr algn="ctr"/>
             <a:r>
-              <a:rPr lang="ko-KR" altLang="en-US" sz="1100" dirty="0" err="1"/>
-              <a:t>음소거</a:t>
-            </a:r>
-            <a:r>
-              <a:rPr lang="en-US" altLang="ko-KR" sz="1100" dirty="0"/>
-              <a:t>, </a:t>
-            </a:r>
+              <a:rPr lang="ko-KR" altLang="en-US" sz="1100"/>
+              <a:t>카메라</a:t>
+            </a:r>
+            <a:endParaRPr lang="ko-KR" altLang="en-US" sz="1100" dirty="0"/>
+          </a:p>
+        </p:txBody>
+      </p:sp>
+      <p:sp>
+        <p:nvSpPr>
+          <p:cNvPr id="15" name="직사각형 14">
+            <a:extLst>
+              <a:ext uri="{FF2B5EF4-FFF2-40B4-BE49-F238E27FC236}">
+                <a16:creationId xmlns:a16="http://schemas.microsoft.com/office/drawing/2014/main" id="{DF28BD58-82B8-A50B-63BB-FBEFCB5DA4DC}"/>
+              </a:ext>
+            </a:extLst>
+          </p:cNvPr>
+          <p:cNvSpPr/>
+          <p:nvPr/>
+        </p:nvSpPr>
+        <p:spPr>
+          <a:xfrm>
+            <a:off x="5847106" y="1326677"/>
+            <a:ext cx="911608" cy="814665"/>
+          </a:xfrm>
+          <a:prstGeom prst="rect">
+            <a:avLst/>
+          </a:prstGeom>
+        </p:spPr>
+        <p:style>
+          <a:lnRef idx="2">
+            <a:schemeClr val="accent1">
+              <a:shade val="50000"/>
+            </a:schemeClr>
+          </a:lnRef>
+          <a:fillRef idx="1">
+            <a:schemeClr val="accent1"/>
+          </a:fillRef>
+          <a:effectRef idx="0">
+            <a:schemeClr val="accent1"/>
+          </a:effectRef>
+          <a:fontRef idx="minor">
+            <a:schemeClr val="lt1"/>
+          </a:fontRef>
+        </p:style>
+        <p:txBody>
+          <a:bodyPr rtlCol="0" anchor="ctr"/>
+          <a:lstStyle/>
+          <a:p>
+            <a:pPr algn="ctr"/>
             <a:r>
               <a:rPr lang="ko-KR" altLang="en-US" sz="1100" dirty="0"/>
-              <a:t>비디오중지</a:t>
-            </a:r>
-            <a:r>
-              <a:rPr lang="en-US" altLang="ko-KR" sz="1100" dirty="0"/>
-              <a:t>, </a:t>
-            </a:r>
-            <a:r>
-              <a:rPr lang="ko-KR" altLang="en-US" sz="1100" dirty="0" err="1"/>
-              <a:t>채팅창</a:t>
-            </a:r>
-            <a:r>
-              <a:rPr lang="en-US" altLang="ko-KR" sz="1100" dirty="0"/>
-              <a:t>, </a:t>
-            </a:r>
-            <a:r>
-              <a:rPr lang="ko-KR" altLang="en-US" sz="1100" dirty="0"/>
-              <a:t>참가자명단</a:t>
-            </a:r>
-            <a:r>
-              <a:rPr lang="en-US" altLang="ko-KR" sz="1100" dirty="0"/>
-              <a:t>, </a:t>
-            </a:r>
-            <a:r>
-              <a:rPr lang="ko-KR" altLang="en-US" sz="1100" dirty="0"/>
-              <a:t>화면공유</a:t>
-            </a:r>
-            <a:r>
-              <a:rPr lang="en-US" altLang="ko-KR" sz="1100" dirty="0"/>
-              <a:t>, </a:t>
-            </a:r>
-            <a:r>
-              <a:rPr lang="ko-KR" altLang="en-US" sz="1100" dirty="0"/>
-              <a:t>나가기 </a:t>
-            </a:r>
-            <a:r>
-              <a:rPr lang="en-US" altLang="ko-KR" sz="1100" dirty="0"/>
+              <a:t>카메라</a:t>
+            </a:r>
+          </a:p>
+        </p:txBody>
+      </p:sp>
+      <p:sp>
+        <p:nvSpPr>
+          <p:cNvPr id="16" name="TextBox 15">
+            <a:extLst>
+              <a:ext uri="{FF2B5EF4-FFF2-40B4-BE49-F238E27FC236}">
+                <a16:creationId xmlns:a16="http://schemas.microsoft.com/office/drawing/2014/main" id="{B4BF7898-E2DD-C1B7-0208-695E5833868B}"/>
+              </a:ext>
+            </a:extLst>
+          </p:cNvPr>
+          <p:cNvSpPr txBox="1"/>
+          <p:nvPr/>
+        </p:nvSpPr>
+        <p:spPr>
+          <a:xfrm>
+            <a:off x="9320169" y="343949"/>
+            <a:ext cx="2776756" cy="3693319"/>
+          </a:xfrm>
+          <a:prstGeom prst="rect">
+            <a:avLst/>
+          </a:prstGeom>
+          <a:noFill/>
+        </p:spPr>
+        <p:txBody>
+          <a:bodyPr wrap="square" rtlCol="0">
+            <a:spAutoFit/>
+          </a:bodyPr>
+          <a:lstStyle/>
+          <a:p>
+            <a:pPr marL="342900" indent="-342900">
+              <a:buAutoNum type="arabicPeriod"/>
+            </a:pPr>
+            <a:r>
+              <a:rPr lang="ko-KR" altLang="en-US" dirty="0" err="1"/>
+              <a:t>캐러셀을</a:t>
+            </a:r>
+            <a:r>
+              <a:rPr lang="ko-KR" altLang="en-US" dirty="0"/>
+              <a:t> 이용하여 </a:t>
+            </a:r>
+            <a:r>
+              <a:rPr lang="ko-KR" altLang="en-US" dirty="0" err="1"/>
+              <a:t>다른사용자의</a:t>
+            </a:r>
+            <a:r>
+              <a:rPr lang="ko-KR" altLang="en-US" dirty="0"/>
+              <a:t> 카메라도 </a:t>
+            </a:r>
+            <a:r>
+              <a:rPr lang="ko-KR" altLang="en-US" dirty="0" err="1"/>
+              <a:t>볼수</a:t>
+            </a:r>
+            <a:r>
+              <a:rPr lang="ko-KR" altLang="en-US" dirty="0"/>
+              <a:t> 있게 한다</a:t>
+            </a:r>
+            <a:r>
+              <a:rPr lang="en-US" altLang="ko-KR" dirty="0"/>
+              <a:t>.</a:t>
+            </a:r>
+          </a:p>
+          <a:p>
+            <a:pPr marL="342900" indent="-342900">
+              <a:buAutoNum type="arabicPeriod"/>
+            </a:pPr>
+            <a:r>
+              <a:rPr lang="ko-KR" altLang="en-US" dirty="0"/>
+              <a:t>드로잉 기능을 먼저 선점한 사람만 사용 가능</a:t>
+            </a:r>
+            <a:endParaRPr lang="en-US" altLang="ko-KR" dirty="0"/>
+          </a:p>
+          <a:p>
+            <a:pPr marL="342900" indent="-342900">
+              <a:buAutoNum type="arabicPeriod"/>
+            </a:pPr>
+            <a:endParaRPr lang="en-US" altLang="ko-KR" dirty="0"/>
+          </a:p>
+          <a:p>
+            <a:r>
+              <a:rPr lang="en-US" altLang="ko-KR" dirty="0"/>
+              <a:t>-</a:t>
+            </a:r>
+            <a:r>
+              <a:rPr lang="ko-KR" altLang="en-US" dirty="0"/>
+              <a:t>추가</a:t>
+            </a:r>
+            <a:endParaRPr lang="en-US" altLang="ko-KR" dirty="0"/>
+          </a:p>
+          <a:p>
+            <a:pPr marL="342900" indent="-342900">
+              <a:buAutoNum type="arabicPeriod"/>
+            </a:pPr>
+            <a:r>
+              <a:rPr lang="ko-KR" altLang="en-US" dirty="0"/>
+              <a:t>호스트에게 </a:t>
+            </a:r>
+            <a:r>
+              <a:rPr lang="ko-KR" altLang="en-US" dirty="0" err="1"/>
+              <a:t>드로잉및</a:t>
+            </a:r>
+            <a:r>
+              <a:rPr lang="ko-KR" altLang="en-US" dirty="0"/>
+              <a:t> 화면공유 권한</a:t>
+            </a:r>
+            <a:r>
+              <a:rPr lang="en-US" altLang="ko-KR" dirty="0"/>
               <a:t>(</a:t>
             </a:r>
             <a:r>
-              <a:rPr lang="ko-KR" altLang="en-US" sz="1100" dirty="0"/>
-              <a:t>임시중단</a:t>
-            </a:r>
-            <a:r>
-              <a:rPr lang="en-US" altLang="ko-KR" sz="1100" dirty="0"/>
-              <a:t>, </a:t>
-            </a:r>
-            <a:r>
-              <a:rPr lang="ko-KR" altLang="en-US" sz="1100" dirty="0"/>
-              <a:t>종료</a:t>
-            </a:r>
-            <a:r>
-              <a:rPr lang="en-US" altLang="ko-KR" sz="1100" dirty="0"/>
+              <a:rPr lang="ko-KR" altLang="en-US" dirty="0" err="1"/>
+              <a:t>디폴트값</a:t>
+            </a:r>
+            <a:r>
+              <a:rPr lang="en-US" altLang="ko-KR" dirty="0"/>
               <a:t>)</a:t>
             </a:r>
-            <a:endParaRPr lang="ko-KR" altLang="en-US" sz="1100" dirty="0"/>
+          </a:p>
+          <a:p>
+            <a:pPr marL="342900" indent="-342900">
+              <a:buAutoNum type="arabicPeriod"/>
+            </a:pPr>
+            <a:r>
+              <a:rPr lang="ko-KR" altLang="en-US" dirty="0"/>
+              <a:t>호스트가 참가자한테 권한 부여 가능</a:t>
+            </a:r>
+            <a:endParaRPr lang="en-US" altLang="ko-KR" dirty="0"/>
           </a:p>
         </p:txBody>
       </p:sp>
     </p:spTree>
     <p:extLst>
       <p:ext uri="{BB962C8B-B14F-4D97-AF65-F5344CB8AC3E}">
-        <p14:creationId xmlns:p14="http://schemas.microsoft.com/office/powerpoint/2010/main" val="4139823638"/>
+        <p14:creationId xmlns:p14="http://schemas.microsoft.com/office/powerpoint/2010/main" val="429704415"/>
       </p:ext>
     </p:extLst>
   </p:cSld>
@@ -5472,7 +5621,7 @@
           <p:cNvPr id="4" name="직사각형 3">
             <a:extLst>
               <a:ext uri="{FF2B5EF4-FFF2-40B4-BE49-F238E27FC236}">
-                <a16:creationId xmlns:a16="http://schemas.microsoft.com/office/drawing/2014/main" id="{79957536-6ADC-4293-5A6A-120A0477FA4D}"/>
+                <a16:creationId xmlns:a16="http://schemas.microsoft.com/office/drawing/2014/main" id="{72CF6266-67D2-3BF6-CC8C-8D850D29E435}"/>
               </a:ext>
             </a:extLst>
           </p:cNvPr>
@@ -5481,8 +5630,8 @@
         </p:nvSpPr>
         <p:spPr>
           <a:xfrm>
-            <a:off x="177563" y="74109"/>
-            <a:ext cx="1315677" cy="697678"/>
+            <a:off x="370510" y="267056"/>
+            <a:ext cx="1399567" cy="647344"/>
           </a:xfrm>
           <a:prstGeom prst="rect">
             <a:avLst/>
@@ -5510,31 +5659,20 @@
           <a:p>
             <a:pPr algn="ctr"/>
             <a:r>
-              <a:rPr lang="en-US" altLang="ko-KR" sz="1100" dirty="0"/>
-              <a:t>Conference -2</a:t>
-            </a:r>
-          </a:p>
-          <a:p>
-            <a:pPr algn="ctr"/>
-            <a:r>
-              <a:rPr lang="en-US" altLang="ko-KR" sz="1100" dirty="0"/>
-              <a:t>(</a:t>
+              <a:rPr lang="ko-KR" altLang="en-US" sz="1100" dirty="0"/>
+              <a:t>비회원이 초대코드를 통해 </a:t>
             </a:r>
             <a:r>
               <a:rPr lang="ko-KR" altLang="en-US" sz="1100" dirty="0" err="1"/>
-              <a:t>화면공유및</a:t>
-            </a:r>
-            <a:endParaRPr lang="en-US" altLang="ko-KR" sz="1100" dirty="0"/>
-          </a:p>
-          <a:p>
-            <a:pPr algn="ctr"/>
+              <a:t>미팅룸</a:t>
+            </a:r>
+            <a:r>
+              <a:rPr lang="ko-KR" altLang="en-US" sz="1100" dirty="0"/>
+              <a:t> </a:t>
+            </a:r>
             <a:r>
               <a:rPr lang="ko-KR" altLang="en-US" sz="1100" dirty="0" err="1"/>
-              <a:t>드로일기능사용시</a:t>
-            </a:r>
-            <a:r>
-              <a:rPr lang="en-US" altLang="ko-KR" sz="1100" dirty="0"/>
-              <a:t>)</a:t>
+              <a:t>입장할때</a:t>
             </a:r>
             <a:endParaRPr lang="ko-KR" altLang="en-US" sz="1100" dirty="0"/>
           </a:p>
@@ -5545,7 +5683,7 @@
           <p:cNvPr id="5" name="직사각형 4">
             <a:extLst>
               <a:ext uri="{FF2B5EF4-FFF2-40B4-BE49-F238E27FC236}">
-                <a16:creationId xmlns:a16="http://schemas.microsoft.com/office/drawing/2014/main" id="{3D8F08D2-6CC6-C04B-8030-42CC9A063951}"/>
+                <a16:creationId xmlns:a16="http://schemas.microsoft.com/office/drawing/2014/main" id="{69ED9F63-F463-3ACB-EE79-A357B5684D3B}"/>
               </a:ext>
             </a:extLst>
           </p:cNvPr>
@@ -5554,8 +5692,8 @@
         </p:nvSpPr>
         <p:spPr>
           <a:xfrm>
-            <a:off x="590019" y="1317292"/>
-            <a:ext cx="911608" cy="827002"/>
+            <a:off x="3482129" y="4079846"/>
+            <a:ext cx="5227742" cy="402672"/>
           </a:xfrm>
           <a:prstGeom prst="rect">
             <a:avLst/>
@@ -5584,7 +5722,7 @@
             <a:pPr algn="ctr"/>
             <a:r>
               <a:rPr lang="ko-KR" altLang="en-US" sz="1100"/>
-              <a:t>카메라</a:t>
+              <a:t>이메일</a:t>
             </a:r>
             <a:endParaRPr lang="ko-KR" altLang="en-US" sz="1100" dirty="0"/>
           </a:p>
@@ -5595,7 +5733,7 @@
           <p:cNvPr id="6" name="직사각형 5">
             <a:extLst>
               <a:ext uri="{FF2B5EF4-FFF2-40B4-BE49-F238E27FC236}">
-                <a16:creationId xmlns:a16="http://schemas.microsoft.com/office/drawing/2014/main" id="{134F131E-8817-627C-6C69-EBDAB0F0676B}"/>
+                <a16:creationId xmlns:a16="http://schemas.microsoft.com/office/drawing/2014/main" id="{C6019E37-AF41-8E7E-C114-8D67142ADCA1}"/>
               </a:ext>
             </a:extLst>
           </p:cNvPr>
@@ -5604,8 +5742,8 @@
         </p:nvSpPr>
         <p:spPr>
           <a:xfrm>
-            <a:off x="1652620" y="1317292"/>
-            <a:ext cx="911608" cy="827003"/>
+            <a:off x="3482129" y="4734888"/>
+            <a:ext cx="5227742" cy="402672"/>
           </a:xfrm>
           <a:prstGeom prst="rect">
             <a:avLst/>
@@ -5633,10 +5771,9 @@
           <a:p>
             <a:pPr algn="ctr"/>
             <a:r>
-              <a:rPr lang="ko-KR" altLang="en-US" sz="1100"/>
-              <a:t>카메라</a:t>
-            </a:r>
-            <a:endParaRPr lang="ko-KR" altLang="en-US" sz="1100" dirty="0"/>
+              <a:rPr lang="ko-KR" altLang="en-US" sz="1100" dirty="0"/>
+              <a:t>닉네임</a:t>
+            </a:r>
           </a:p>
         </p:txBody>
       </p:sp>
@@ -5645,7 +5782,7 @@
           <p:cNvPr id="7" name="직사각형 6">
             <a:extLst>
               <a:ext uri="{FF2B5EF4-FFF2-40B4-BE49-F238E27FC236}">
-                <a16:creationId xmlns:a16="http://schemas.microsoft.com/office/drawing/2014/main" id="{F8522E83-AEAB-B0EF-FC4E-1B6B227D4E9E}"/>
+                <a16:creationId xmlns:a16="http://schemas.microsoft.com/office/drawing/2014/main" id="{957640D2-1BDD-2A56-BF38-EFA531308B43}"/>
               </a:ext>
             </a:extLst>
           </p:cNvPr>
@@ -5654,8 +5791,8 @@
         </p:nvSpPr>
         <p:spPr>
           <a:xfrm>
-            <a:off x="2715221" y="1317292"/>
-            <a:ext cx="911608" cy="827002"/>
+            <a:off x="3482129" y="704675"/>
+            <a:ext cx="5227742" cy="2921465"/>
           </a:xfrm>
           <a:prstGeom prst="rect">
             <a:avLst/>
@@ -5683,10 +5820,9 @@
           <a:p>
             <a:pPr algn="ctr"/>
             <a:r>
-              <a:rPr lang="ko-KR" altLang="en-US" sz="1100"/>
+              <a:rPr lang="ko-KR" altLang="en-US" sz="6000" dirty="0"/>
               <a:t>카메라</a:t>
             </a:r>
-            <a:endParaRPr lang="ko-KR" altLang="en-US" sz="1100" dirty="0"/>
           </a:p>
         </p:txBody>
       </p:sp>
@@ -5695,7 +5831,7 @@
           <p:cNvPr id="8" name="직사각형 7">
             <a:extLst>
               <a:ext uri="{FF2B5EF4-FFF2-40B4-BE49-F238E27FC236}">
-                <a16:creationId xmlns:a16="http://schemas.microsoft.com/office/drawing/2014/main" id="{7419EDAB-782C-2269-F91B-D44450C1951E}"/>
+                <a16:creationId xmlns:a16="http://schemas.microsoft.com/office/drawing/2014/main" id="{09DC3D33-9E96-1AE3-6AB6-5030F78FF104}"/>
               </a:ext>
             </a:extLst>
           </p:cNvPr>
@@ -5704,8 +5840,8 @@
         </p:nvSpPr>
         <p:spPr>
           <a:xfrm>
-            <a:off x="3777822" y="1326677"/>
-            <a:ext cx="911608" cy="814665"/>
+            <a:off x="6228477" y="5491999"/>
+            <a:ext cx="1174459" cy="402672"/>
           </a:xfrm>
           <a:prstGeom prst="rect">
             <a:avLst/>
@@ -5734,7 +5870,7 @@
             <a:pPr algn="ctr"/>
             <a:r>
               <a:rPr lang="ko-KR" altLang="en-US" sz="1100" dirty="0"/>
-              <a:t>카메라</a:t>
+              <a:t>입장하기</a:t>
             </a:r>
           </a:p>
         </p:txBody>
@@ -5744,7 +5880,7 @@
           <p:cNvPr id="9" name="직사각형 8">
             <a:extLst>
               <a:ext uri="{FF2B5EF4-FFF2-40B4-BE49-F238E27FC236}">
-                <a16:creationId xmlns:a16="http://schemas.microsoft.com/office/drawing/2014/main" id="{997A9993-FF98-74AD-3390-28AF87C5A727}"/>
+                <a16:creationId xmlns:a16="http://schemas.microsoft.com/office/drawing/2014/main" id="{5BE3FDD4-048E-EEE8-CA4F-F7DDC9D847AD}"/>
               </a:ext>
             </a:extLst>
           </p:cNvPr>
@@ -5753,8 +5889,8 @@
         </p:nvSpPr>
         <p:spPr>
           <a:xfrm>
-            <a:off x="590019" y="2304175"/>
-            <a:ext cx="6168695" cy="3438369"/>
+            <a:off x="7535412" y="5491999"/>
+            <a:ext cx="1174459" cy="402672"/>
           </a:xfrm>
           <a:prstGeom prst="rect">
             <a:avLst/>
@@ -5783,15 +5919,7 @@
             <a:pPr algn="ctr"/>
             <a:r>
               <a:rPr lang="ko-KR" altLang="en-US" sz="1100" dirty="0"/>
-              <a:t>화면공유 </a:t>
-            </a:r>
-            <a:r>
-              <a:rPr lang="en-US" altLang="ko-KR" sz="1100" dirty="0"/>
-              <a:t>or</a:t>
-            </a:r>
-            <a:r>
-              <a:rPr lang="ko-KR" altLang="en-US" sz="1100" dirty="0"/>
-              <a:t> 드로잉시스템</a:t>
+              <a:t>나가기</a:t>
             </a:r>
           </a:p>
         </p:txBody>
@@ -5801,7 +5929,7 @@
           <p:cNvPr id="11" name="직사각형 10">
             <a:extLst>
               <a:ext uri="{FF2B5EF4-FFF2-40B4-BE49-F238E27FC236}">
-                <a16:creationId xmlns:a16="http://schemas.microsoft.com/office/drawing/2014/main" id="{3767F789-20DE-CFA7-6E3B-EBCDA22CBF43}"/>
+                <a16:creationId xmlns:a16="http://schemas.microsoft.com/office/drawing/2014/main" id="{D2DE0678-0AF7-9595-F2C3-A11BFAE0AE83}"/>
               </a:ext>
             </a:extLst>
           </p:cNvPr>
@@ -5810,8 +5938,8 @@
         </p:nvSpPr>
         <p:spPr>
           <a:xfrm>
-            <a:off x="7010404" y="2815350"/>
-            <a:ext cx="2116816" cy="2927194"/>
+            <a:off x="3482129" y="5491999"/>
+            <a:ext cx="1174459" cy="402672"/>
           </a:xfrm>
           <a:prstGeom prst="rect">
             <a:avLst/>
@@ -5839,8 +5967,8 @@
           <a:p>
             <a:pPr algn="ctr"/>
             <a:r>
-              <a:rPr lang="ko-KR" altLang="en-US" sz="1100"/>
-              <a:t>채팅창</a:t>
+              <a:rPr lang="ko-KR" altLang="en-US" sz="1100" dirty="0" err="1"/>
+              <a:t>음소거</a:t>
             </a:r>
             <a:endParaRPr lang="ko-KR" altLang="en-US" sz="1100" dirty="0"/>
           </a:p>
@@ -5851,7 +5979,7 @@
           <p:cNvPr id="12" name="직사각형 11">
             <a:extLst>
               <a:ext uri="{FF2B5EF4-FFF2-40B4-BE49-F238E27FC236}">
-                <a16:creationId xmlns:a16="http://schemas.microsoft.com/office/drawing/2014/main" id="{F52C3F2A-3A5A-5E98-506D-930B78A29473}"/>
+                <a16:creationId xmlns:a16="http://schemas.microsoft.com/office/drawing/2014/main" id="{8052A667-744F-8140-F1C1-0F7E675F6B62}"/>
               </a:ext>
             </a:extLst>
           </p:cNvPr>
@@ -5860,8 +5988,8 @@
         </p:nvSpPr>
         <p:spPr>
           <a:xfrm>
-            <a:off x="7010405" y="1317292"/>
-            <a:ext cx="2116815" cy="1397167"/>
+            <a:off x="4789064" y="5491999"/>
+            <a:ext cx="1174459" cy="402672"/>
           </a:xfrm>
           <a:prstGeom prst="rect">
             <a:avLst/>
@@ -5890,360 +6018,15 @@
             <a:pPr algn="ctr"/>
             <a:r>
               <a:rPr lang="ko-KR" altLang="en-US" sz="1100" dirty="0"/>
-              <a:t>참가자 명단</a:t>
-            </a:r>
-            <a:endParaRPr lang="en-US" altLang="ko-KR" sz="1100" dirty="0"/>
-          </a:p>
-          <a:p>
-            <a:pPr algn="ctr"/>
-            <a:r>
-              <a:rPr lang="en-US" altLang="ko-KR" sz="1100" dirty="0"/>
-              <a:t>(</a:t>
-            </a:r>
-            <a:r>
-              <a:rPr lang="ko-KR" altLang="en-US" sz="1100" dirty="0" err="1"/>
-              <a:t>웹엑스처럼</a:t>
-            </a:r>
-            <a:r>
-              <a:rPr lang="ko-KR" altLang="en-US" sz="1100" dirty="0"/>
-              <a:t> 구성</a:t>
-            </a:r>
-            <a:r>
-              <a:rPr lang="en-US" altLang="ko-KR" sz="1100" dirty="0"/>
-              <a:t>)</a:t>
-            </a:r>
-            <a:endParaRPr lang="ko-KR" altLang="en-US" sz="1100" dirty="0"/>
-          </a:p>
-        </p:txBody>
-      </p:sp>
-      <p:sp>
-        <p:nvSpPr>
-          <p:cNvPr id="13" name="직사각형 12">
-            <a:extLst>
-              <a:ext uri="{FF2B5EF4-FFF2-40B4-BE49-F238E27FC236}">
-                <a16:creationId xmlns:a16="http://schemas.microsoft.com/office/drawing/2014/main" id="{CF4D435A-6681-525E-DDD5-1CE4D5E8BAE3}"/>
-              </a:ext>
-            </a:extLst>
-          </p:cNvPr>
-          <p:cNvSpPr/>
-          <p:nvPr/>
-        </p:nvSpPr>
-        <p:spPr>
-          <a:xfrm>
-            <a:off x="590020" y="6077817"/>
-            <a:ext cx="8537200" cy="410361"/>
-          </a:xfrm>
-          <a:prstGeom prst="rect">
-            <a:avLst/>
-          </a:prstGeom>
-        </p:spPr>
-        <p:style>
-          <a:lnRef idx="2">
-            <a:schemeClr val="accent1">
-              <a:shade val="50000"/>
-            </a:schemeClr>
-          </a:lnRef>
-          <a:fillRef idx="1">
-            <a:schemeClr val="accent1"/>
-          </a:fillRef>
-          <a:effectRef idx="0">
-            <a:schemeClr val="accent1"/>
-          </a:effectRef>
-          <a:fontRef idx="minor">
-            <a:schemeClr val="lt1"/>
-          </a:fontRef>
-        </p:style>
-        <p:txBody>
-          <a:bodyPr rtlCol="0" anchor="ctr"/>
-          <a:lstStyle/>
-          <a:p>
-            <a:pPr algn="ctr"/>
-            <a:r>
-              <a:rPr lang="ko-KR" altLang="en-US" sz="1100" dirty="0" err="1"/>
-              <a:t>음소거</a:t>
-            </a:r>
-            <a:r>
-              <a:rPr lang="en-US" altLang="ko-KR" sz="1100" dirty="0"/>
-              <a:t>, </a:t>
-            </a:r>
-            <a:r>
-              <a:rPr lang="ko-KR" altLang="en-US" sz="1100" dirty="0"/>
-              <a:t>비디오중지</a:t>
-            </a:r>
-            <a:r>
-              <a:rPr lang="en-US" altLang="ko-KR" sz="1100" dirty="0"/>
-              <a:t>, </a:t>
-            </a:r>
-            <a:r>
-              <a:rPr lang="ko-KR" altLang="en-US" sz="1100" dirty="0" err="1"/>
-              <a:t>채팅창</a:t>
-            </a:r>
-            <a:r>
-              <a:rPr lang="en-US" altLang="ko-KR" sz="1100" dirty="0"/>
-              <a:t>, </a:t>
-            </a:r>
-            <a:r>
-              <a:rPr lang="ko-KR" altLang="en-US" sz="1100" dirty="0"/>
-              <a:t>참가자명단</a:t>
-            </a:r>
-            <a:r>
-              <a:rPr lang="en-US" altLang="ko-KR" sz="1100" dirty="0"/>
-              <a:t>, </a:t>
-            </a:r>
-            <a:r>
-              <a:rPr lang="ko-KR" altLang="en-US" sz="1100" dirty="0"/>
-              <a:t>화면공유</a:t>
-            </a:r>
-            <a:r>
-              <a:rPr lang="en-US" altLang="ko-KR" sz="1100" dirty="0"/>
-              <a:t>, </a:t>
-            </a:r>
-            <a:r>
-              <a:rPr lang="ko-KR" altLang="en-US" sz="1100" dirty="0"/>
-              <a:t>나가기</a:t>
-            </a:r>
-            <a:r>
-              <a:rPr lang="en-US" altLang="ko-KR" sz="1100" dirty="0"/>
-              <a:t>, </a:t>
-            </a:r>
-            <a:r>
-              <a:rPr lang="ko-KR" altLang="en-US" sz="1100" dirty="0"/>
-              <a:t>초대코드</a:t>
-            </a:r>
-          </a:p>
-        </p:txBody>
-      </p:sp>
-      <p:sp>
-        <p:nvSpPr>
-          <p:cNvPr id="14" name="직사각형 13">
-            <a:extLst>
-              <a:ext uri="{FF2B5EF4-FFF2-40B4-BE49-F238E27FC236}">
-                <a16:creationId xmlns:a16="http://schemas.microsoft.com/office/drawing/2014/main" id="{D86DD72C-8C0B-BCC6-A8A5-C2001FFC860D}"/>
-              </a:ext>
-            </a:extLst>
-          </p:cNvPr>
-          <p:cNvSpPr/>
-          <p:nvPr/>
-        </p:nvSpPr>
-        <p:spPr>
-          <a:xfrm>
-            <a:off x="4784505" y="1317292"/>
-            <a:ext cx="911608" cy="827002"/>
-          </a:xfrm>
-          <a:prstGeom prst="rect">
-            <a:avLst/>
-          </a:prstGeom>
-        </p:spPr>
-        <p:style>
-          <a:lnRef idx="2">
-            <a:schemeClr val="accent1">
-              <a:shade val="50000"/>
-            </a:schemeClr>
-          </a:lnRef>
-          <a:fillRef idx="1">
-            <a:schemeClr val="accent1"/>
-          </a:fillRef>
-          <a:effectRef idx="0">
-            <a:schemeClr val="accent1"/>
-          </a:effectRef>
-          <a:fontRef idx="minor">
-            <a:schemeClr val="lt1"/>
-          </a:fontRef>
-        </p:style>
-        <p:txBody>
-          <a:bodyPr rtlCol="0" anchor="ctr"/>
-          <a:lstStyle/>
-          <a:p>
-            <a:pPr algn="ctr"/>
-            <a:r>
-              <a:rPr lang="ko-KR" altLang="en-US" sz="1100"/>
-              <a:t>카메라</a:t>
-            </a:r>
-            <a:endParaRPr lang="ko-KR" altLang="en-US" sz="1100" dirty="0"/>
-          </a:p>
-        </p:txBody>
-      </p:sp>
-      <p:sp>
-        <p:nvSpPr>
-          <p:cNvPr id="15" name="직사각형 14">
-            <a:extLst>
-              <a:ext uri="{FF2B5EF4-FFF2-40B4-BE49-F238E27FC236}">
-                <a16:creationId xmlns:a16="http://schemas.microsoft.com/office/drawing/2014/main" id="{DF28BD58-82B8-A50B-63BB-FBEFCB5DA4DC}"/>
-              </a:ext>
-            </a:extLst>
-          </p:cNvPr>
-          <p:cNvSpPr/>
-          <p:nvPr/>
-        </p:nvSpPr>
-        <p:spPr>
-          <a:xfrm>
-            <a:off x="5847106" y="1326677"/>
-            <a:ext cx="911608" cy="814665"/>
-          </a:xfrm>
-          <a:prstGeom prst="rect">
-            <a:avLst/>
-          </a:prstGeom>
-        </p:spPr>
-        <p:style>
-          <a:lnRef idx="2">
-            <a:schemeClr val="accent1">
-              <a:shade val="50000"/>
-            </a:schemeClr>
-          </a:lnRef>
-          <a:fillRef idx="1">
-            <a:schemeClr val="accent1"/>
-          </a:fillRef>
-          <a:effectRef idx="0">
-            <a:schemeClr val="accent1"/>
-          </a:effectRef>
-          <a:fontRef idx="minor">
-            <a:schemeClr val="lt1"/>
-          </a:fontRef>
-        </p:style>
-        <p:txBody>
-          <a:bodyPr rtlCol="0" anchor="ctr"/>
-          <a:lstStyle/>
-          <a:p>
-            <a:pPr algn="ctr"/>
-            <a:r>
-              <a:rPr lang="ko-KR" altLang="en-US" sz="1100" dirty="0"/>
-              <a:t>카메라</a:t>
-            </a:r>
-          </a:p>
-        </p:txBody>
-      </p:sp>
-      <p:sp>
-        <p:nvSpPr>
-          <p:cNvPr id="16" name="TextBox 15">
-            <a:extLst>
-              <a:ext uri="{FF2B5EF4-FFF2-40B4-BE49-F238E27FC236}">
-                <a16:creationId xmlns:a16="http://schemas.microsoft.com/office/drawing/2014/main" id="{B4BF7898-E2DD-C1B7-0208-695E5833868B}"/>
-              </a:ext>
-            </a:extLst>
-          </p:cNvPr>
-          <p:cNvSpPr txBox="1"/>
-          <p:nvPr/>
-        </p:nvSpPr>
-        <p:spPr>
-          <a:xfrm>
-            <a:off x="9320169" y="343949"/>
-            <a:ext cx="2776756" cy="3693319"/>
-          </a:xfrm>
-          <a:prstGeom prst="rect">
-            <a:avLst/>
-          </a:prstGeom>
-          <a:noFill/>
-        </p:spPr>
-        <p:txBody>
-          <a:bodyPr wrap="square" rtlCol="0">
-            <a:spAutoFit/>
-          </a:bodyPr>
-          <a:lstStyle/>
-          <a:p>
-            <a:pPr marL="342900" indent="-342900">
-              <a:buAutoNum type="arabicPeriod"/>
-            </a:pPr>
-            <a:r>
-              <a:rPr lang="ko-KR" altLang="en-US" dirty="0" err="1"/>
-              <a:t>캐러셀을</a:t>
-            </a:r>
-            <a:r>
-              <a:rPr lang="ko-KR" altLang="en-US" dirty="0"/>
-              <a:t> 이용하여 </a:t>
-            </a:r>
-            <a:r>
-              <a:rPr lang="ko-KR" altLang="en-US" dirty="0" err="1"/>
-              <a:t>다른사용자의</a:t>
-            </a:r>
-            <a:r>
-              <a:rPr lang="ko-KR" altLang="en-US" dirty="0"/>
-              <a:t> 카메라도 </a:t>
-            </a:r>
-            <a:r>
-              <a:rPr lang="ko-KR" altLang="en-US" dirty="0" err="1"/>
-              <a:t>볼수</a:t>
-            </a:r>
-            <a:r>
-              <a:rPr lang="ko-KR" altLang="en-US" dirty="0"/>
-              <a:t> 있게 한다</a:t>
-            </a:r>
-            <a:r>
-              <a:rPr lang="en-US" altLang="ko-KR" dirty="0"/>
-              <a:t>.</a:t>
-            </a:r>
-          </a:p>
-          <a:p>
-            <a:pPr marL="342900" indent="-342900">
-              <a:buAutoNum type="arabicPeriod"/>
-            </a:pPr>
-            <a:r>
-              <a:rPr lang="ko-KR" altLang="en-US" dirty="0"/>
-              <a:t>드로잉 기능을 먼저 선점한 사람만 사용 가능</a:t>
-            </a:r>
-            <a:endParaRPr lang="en-US" altLang="ko-KR" dirty="0"/>
-          </a:p>
-          <a:p>
-            <a:pPr marL="342900" indent="-342900">
-              <a:buAutoNum type="arabicPeriod"/>
-            </a:pPr>
-            <a:endParaRPr lang="en-US" altLang="ko-KR" dirty="0"/>
-          </a:p>
-          <a:p>
-            <a:r>
-              <a:rPr lang="en-US" altLang="ko-KR" dirty="0"/>
-              <a:t>-</a:t>
-            </a:r>
-            <a:r>
-              <a:rPr lang="ko-KR" altLang="en-US" dirty="0"/>
-              <a:t>추가</a:t>
-            </a:r>
-            <a:endParaRPr lang="en-US" altLang="ko-KR" dirty="0"/>
-          </a:p>
-          <a:p>
-            <a:pPr marL="342900" indent="-342900">
-              <a:buAutoNum type="arabicPeriod"/>
-            </a:pPr>
-            <a:r>
-              <a:rPr lang="ko-KR" altLang="en-US" dirty="0"/>
-              <a:t>호스트에게 </a:t>
-            </a:r>
-            <a:r>
-              <a:rPr lang="ko-KR" altLang="en-US" dirty="0" err="1"/>
-              <a:t>드로잉및</a:t>
-            </a:r>
-            <a:r>
-              <a:rPr lang="ko-KR" altLang="en-US" dirty="0"/>
-              <a:t> 화면공유 권한</a:t>
-            </a:r>
-            <a:r>
-              <a:rPr lang="en-US" altLang="ko-KR" dirty="0"/>
-              <a:t>(</a:t>
-            </a:r>
-            <a:r>
-              <a:rPr lang="ko-KR" altLang="en-US" dirty="0" err="1"/>
-              <a:t>디폴트값</a:t>
-            </a:r>
-            <a:r>
-              <a:rPr lang="en-US" altLang="ko-KR" dirty="0"/>
-              <a:t>)</a:t>
-            </a:r>
-          </a:p>
-          <a:p>
-            <a:pPr marL="342900" indent="-342900">
-              <a:buAutoNum type="arabicPeriod"/>
-            </a:pPr>
-            <a:r>
-              <a:rPr lang="ko-KR" altLang="en-US" dirty="0"/>
-              <a:t>호스트가 참가자한테 권한 부여 가능</a:t>
-            </a:r>
-            <a:endParaRPr lang="en-US" altLang="ko-KR" dirty="0"/>
+              <a:t>비디오 중지</a:t>
+            </a:r>
           </a:p>
         </p:txBody>
       </p:sp>
     </p:spTree>
     <p:extLst>
       <p:ext uri="{BB962C8B-B14F-4D97-AF65-F5344CB8AC3E}">
-        <p14:creationId xmlns:p14="http://schemas.microsoft.com/office/powerpoint/2010/main" val="429704415"/>
+        <p14:creationId xmlns:p14="http://schemas.microsoft.com/office/powerpoint/2010/main" val="4184814490"/>
       </p:ext>
     </p:extLst>
   </p:cSld>
@@ -6275,7 +6058,7 @@
           <p:cNvPr id="4" name="직사각형 3">
             <a:extLst>
               <a:ext uri="{FF2B5EF4-FFF2-40B4-BE49-F238E27FC236}">
-                <a16:creationId xmlns:a16="http://schemas.microsoft.com/office/drawing/2014/main" id="{72CF6266-67D2-3BF6-CC8C-8D850D29E435}"/>
+                <a16:creationId xmlns:a16="http://schemas.microsoft.com/office/drawing/2014/main" id="{DA68E424-8355-0F7D-37FD-B74B6A4273D4}"/>
               </a:ext>
             </a:extLst>
           </p:cNvPr>
@@ -6284,8 +6067,8 @@
         </p:nvSpPr>
         <p:spPr>
           <a:xfrm>
-            <a:off x="370510" y="267056"/>
-            <a:ext cx="1399567" cy="647344"/>
+            <a:off x="682301" y="171994"/>
+            <a:ext cx="1174459" cy="402672"/>
           </a:xfrm>
           <a:prstGeom prst="rect">
             <a:avLst/>
@@ -6313,20 +6096,16 @@
           <a:p>
             <a:pPr algn="ctr"/>
             <a:r>
-              <a:rPr lang="ko-KR" altLang="en-US" sz="1100" dirty="0"/>
-              <a:t>비회원이 초대코드를 통해 </a:t>
-            </a:r>
-            <a:r>
-              <a:rPr lang="ko-KR" altLang="en-US" sz="1100" dirty="0" err="1"/>
-              <a:t>미팅룸</a:t>
+              <a:rPr lang="en-US" altLang="ko-KR" sz="1100" dirty="0"/>
+              <a:t>Create</a:t>
             </a:r>
             <a:r>
               <a:rPr lang="ko-KR" altLang="en-US" sz="1100" dirty="0"/>
               <a:t> </a:t>
             </a:r>
             <a:r>
-              <a:rPr lang="ko-KR" altLang="en-US" sz="1100" dirty="0" err="1"/>
-              <a:t>입장할때</a:t>
+              <a:rPr lang="en-US" altLang="ko-KR" sz="1100" dirty="0"/>
+              <a:t>from</a:t>
             </a:r>
             <a:endParaRPr lang="ko-KR" altLang="en-US" sz="1100" dirty="0"/>
           </a:p>
@@ -6334,10 +6113,10 @@
       </p:sp>
       <p:sp>
         <p:nvSpPr>
-          <p:cNvPr id="5" name="직사각형 4">
-            <a:extLst>
-              <a:ext uri="{FF2B5EF4-FFF2-40B4-BE49-F238E27FC236}">
-                <a16:creationId xmlns:a16="http://schemas.microsoft.com/office/drawing/2014/main" id="{69ED9F63-F463-3ACB-EE79-A357B5684D3B}"/>
+          <p:cNvPr id="6" name="직사각형 5">
+            <a:extLst>
+              <a:ext uri="{FF2B5EF4-FFF2-40B4-BE49-F238E27FC236}">
+                <a16:creationId xmlns:a16="http://schemas.microsoft.com/office/drawing/2014/main" id="{27C4D141-9C58-8F4B-8829-06E17FDCE989}"/>
               </a:ext>
             </a:extLst>
           </p:cNvPr>
@@ -6346,7 +6125,7 @@
         </p:nvSpPr>
         <p:spPr>
           <a:xfrm>
-            <a:off x="3482129" y="4079846"/>
+            <a:off x="3182225" y="2531151"/>
             <a:ext cx="5227742" cy="402672"/>
           </a:xfrm>
           <a:prstGeom prst="rect">
@@ -6375,8 +6154,20 @@
           <a:p>
             <a:pPr algn="ctr"/>
             <a:r>
-              <a:rPr lang="ko-KR" altLang="en-US" sz="1100"/>
-              <a:t>이메일</a:t>
+              <a:rPr lang="ko-KR" altLang="en-US" sz="1100" dirty="0" err="1"/>
+              <a:t>검색창</a:t>
+            </a:r>
+            <a:r>
+              <a:rPr lang="en-US" altLang="ko-KR" sz="1100" dirty="0"/>
+              <a:t>(</a:t>
+            </a:r>
+            <a:r>
+              <a:rPr lang="ko-KR" altLang="en-US" sz="1100" dirty="0"/>
+              <a:t>유저검색</a:t>
+            </a:r>
+            <a:r>
+              <a:rPr lang="en-US" altLang="ko-KR" sz="1100" dirty="0"/>
+              <a:t>)</a:t>
             </a:r>
             <a:endParaRPr lang="ko-KR" altLang="en-US" sz="1100" dirty="0"/>
           </a:p>
@@ -6384,10 +6175,10 @@
       </p:sp>
       <p:sp>
         <p:nvSpPr>
-          <p:cNvPr id="6" name="직사각형 5">
-            <a:extLst>
-              <a:ext uri="{FF2B5EF4-FFF2-40B4-BE49-F238E27FC236}">
-                <a16:creationId xmlns:a16="http://schemas.microsoft.com/office/drawing/2014/main" id="{C6019E37-AF41-8E7E-C114-8D67142ADCA1}"/>
+          <p:cNvPr id="7" name="직사각형 6">
+            <a:extLst>
+              <a:ext uri="{FF2B5EF4-FFF2-40B4-BE49-F238E27FC236}">
+                <a16:creationId xmlns:a16="http://schemas.microsoft.com/office/drawing/2014/main" id="{37707214-BE12-32B6-6A2A-1C730B789B64}"/>
               </a:ext>
             </a:extLst>
           </p:cNvPr>
@@ -6396,7 +6187,7 @@
         </p:nvSpPr>
         <p:spPr>
           <a:xfrm>
-            <a:off x="3482129" y="4734888"/>
+            <a:off x="3182225" y="1412090"/>
             <a:ext cx="5227742" cy="402672"/>
           </a:xfrm>
           <a:prstGeom prst="rect">
@@ -6426,17 +6217,30 @@
             <a:pPr algn="ctr"/>
             <a:r>
               <a:rPr lang="ko-KR" altLang="en-US" sz="1100" dirty="0"/>
-              <a:t>닉네임</a:t>
-            </a:r>
-          </a:p>
-        </p:txBody>
-      </p:sp>
-      <p:sp>
-        <p:nvSpPr>
-          <p:cNvPr id="7" name="직사각형 6">
-            <a:extLst>
-              <a:ext uri="{FF2B5EF4-FFF2-40B4-BE49-F238E27FC236}">
-                <a16:creationId xmlns:a16="http://schemas.microsoft.com/office/drawing/2014/main" id="{957640D2-1BDD-2A56-BF38-EFA531308B43}"/>
+              <a:t>초대코드</a:t>
+            </a:r>
+            <a:r>
+              <a:rPr lang="en-US" altLang="ko-KR" sz="1100" dirty="0"/>
+              <a:t>(</a:t>
+            </a:r>
+            <a:r>
+              <a:rPr lang="ko-KR" altLang="en-US" sz="1100" dirty="0"/>
+              <a:t>복사아이콘</a:t>
+            </a:r>
+            <a:r>
+              <a:rPr lang="en-US" altLang="ko-KR" sz="1100" dirty="0"/>
+              <a:t>)</a:t>
+            </a:r>
+            <a:endParaRPr lang="ko-KR" altLang="en-US" sz="1100" dirty="0"/>
+          </a:p>
+        </p:txBody>
+      </p:sp>
+      <p:sp>
+        <p:nvSpPr>
+          <p:cNvPr id="8" name="직사각형 7">
+            <a:extLst>
+              <a:ext uri="{FF2B5EF4-FFF2-40B4-BE49-F238E27FC236}">
+                <a16:creationId xmlns:a16="http://schemas.microsoft.com/office/drawing/2014/main" id="{4B5359A8-EF6E-0526-934B-68CA043FD0E2}"/>
               </a:ext>
             </a:extLst>
           </p:cNvPr>
@@ -6445,8 +6249,8 @@
         </p:nvSpPr>
         <p:spPr>
           <a:xfrm>
-            <a:off x="3482129" y="704675"/>
-            <a:ext cx="5227742" cy="2921465"/>
+            <a:off x="7057241" y="2014710"/>
+            <a:ext cx="1352726" cy="402672"/>
           </a:xfrm>
           <a:prstGeom prst="rect">
             <a:avLst/>
@@ -6474,18 +6278,19 @@
           <a:p>
             <a:pPr algn="ctr"/>
             <a:r>
-              <a:rPr lang="ko-KR" altLang="en-US" sz="6000" dirty="0"/>
-              <a:t>카메라</a:t>
-            </a:r>
-          </a:p>
-        </p:txBody>
-      </p:sp>
-      <p:sp>
-        <p:nvSpPr>
-          <p:cNvPr id="8" name="직사각형 7">
-            <a:extLst>
-              <a:ext uri="{FF2B5EF4-FFF2-40B4-BE49-F238E27FC236}">
-                <a16:creationId xmlns:a16="http://schemas.microsoft.com/office/drawing/2014/main" id="{09DC3D33-9E96-1AE3-6AB6-5030F78FF104}"/>
+              <a:rPr lang="ko-KR" altLang="en-US" sz="1100"/>
+              <a:t>초대코드 보내기</a:t>
+            </a:r>
+            <a:endParaRPr lang="ko-KR" altLang="en-US" sz="1100" dirty="0"/>
+          </a:p>
+        </p:txBody>
+      </p:sp>
+      <p:sp>
+        <p:nvSpPr>
+          <p:cNvPr id="9" name="직사각형 8">
+            <a:extLst>
+              <a:ext uri="{FF2B5EF4-FFF2-40B4-BE49-F238E27FC236}">
+                <a16:creationId xmlns:a16="http://schemas.microsoft.com/office/drawing/2014/main" id="{7372D4B3-8137-A9DE-FA0B-DA50D5D5F2C1}"/>
               </a:ext>
             </a:extLst>
           </p:cNvPr>
@@ -6494,8 +6299,8 @@
         </p:nvSpPr>
         <p:spPr>
           <a:xfrm>
-            <a:off x="6228477" y="5491999"/>
-            <a:ext cx="1174459" cy="402672"/>
+            <a:off x="3182225" y="3047593"/>
+            <a:ext cx="5227742" cy="854599"/>
           </a:xfrm>
           <a:prstGeom prst="rect">
             <a:avLst/>
@@ -6524,17 +6329,17 @@
             <a:pPr algn="ctr"/>
             <a:r>
               <a:rPr lang="ko-KR" altLang="en-US" sz="1100" dirty="0"/>
-              <a:t>입장하기</a:t>
-            </a:r>
-          </a:p>
-        </p:txBody>
-      </p:sp>
-      <p:sp>
-        <p:nvSpPr>
-          <p:cNvPr id="9" name="직사각형 8">
-            <a:extLst>
-              <a:ext uri="{FF2B5EF4-FFF2-40B4-BE49-F238E27FC236}">
-                <a16:creationId xmlns:a16="http://schemas.microsoft.com/office/drawing/2014/main" id="{5BE3FDD4-048E-EEE8-CA4F-F7DDC9D847AD}"/>
+              <a:t>유저리스트</a:t>
+            </a:r>
+          </a:p>
+        </p:txBody>
+      </p:sp>
+      <p:sp>
+        <p:nvSpPr>
+          <p:cNvPr id="11" name="직사각형 10">
+            <a:extLst>
+              <a:ext uri="{FF2B5EF4-FFF2-40B4-BE49-F238E27FC236}">
+                <a16:creationId xmlns:a16="http://schemas.microsoft.com/office/drawing/2014/main" id="{57331D8C-F963-F3F7-6E22-915777E2BA4B}"/>
               </a:ext>
             </a:extLst>
           </p:cNvPr>
@@ -6543,7 +6348,7 @@
         </p:nvSpPr>
         <p:spPr>
           <a:xfrm>
-            <a:off x="7535412" y="5491999"/>
+            <a:off x="7235508" y="4302088"/>
             <a:ext cx="1174459" cy="402672"/>
           </a:xfrm>
           <a:prstGeom prst="rect">
@@ -6573,17 +6378,17 @@
             <a:pPr algn="ctr"/>
             <a:r>
               <a:rPr lang="ko-KR" altLang="en-US" sz="1100" dirty="0"/>
-              <a:t>나가기</a:t>
-            </a:r>
-          </a:p>
-        </p:txBody>
-      </p:sp>
-      <p:sp>
-        <p:nvSpPr>
-          <p:cNvPr id="11" name="직사각형 10">
-            <a:extLst>
-              <a:ext uri="{FF2B5EF4-FFF2-40B4-BE49-F238E27FC236}">
-                <a16:creationId xmlns:a16="http://schemas.microsoft.com/office/drawing/2014/main" id="{D2DE0678-0AF7-9595-F2C3-A11BFAE0AE83}"/>
+              <a:t>생성</a:t>
+            </a:r>
+          </a:p>
+        </p:txBody>
+      </p:sp>
+      <p:sp>
+        <p:nvSpPr>
+          <p:cNvPr id="12" name="직사각형 11">
+            <a:extLst>
+              <a:ext uri="{FF2B5EF4-FFF2-40B4-BE49-F238E27FC236}">
+                <a16:creationId xmlns:a16="http://schemas.microsoft.com/office/drawing/2014/main" id="{144A6A6D-6BE6-E9DA-D9FB-ECFB34A5429E}"/>
               </a:ext>
             </a:extLst>
           </p:cNvPr>
@@ -6592,7 +6397,7 @@
         </p:nvSpPr>
         <p:spPr>
           <a:xfrm>
-            <a:off x="3482129" y="5491999"/>
+            <a:off x="3182225" y="2014710"/>
             <a:ext cx="1174459" cy="402672"/>
           </a:xfrm>
           <a:prstGeom prst="rect">
@@ -6621,8 +6426,16 @@
           <a:p>
             <a:pPr algn="ctr"/>
             <a:r>
-              <a:rPr lang="ko-KR" altLang="en-US" sz="1100" dirty="0" err="1"/>
-              <a:t>음소거</a:t>
+              <a:rPr lang="ko-KR" altLang="en-US" sz="1100" dirty="0"/>
+              <a:t>최대인구수제한</a:t>
+            </a:r>
+            <a:endParaRPr lang="en-US" altLang="ko-KR" sz="1100" dirty="0"/>
+          </a:p>
+          <a:p>
+            <a:pPr algn="ctr"/>
+            <a:r>
+              <a:rPr lang="en-US" altLang="ko-KR" sz="1100" dirty="0"/>
+              <a:t>(1/6)</a:t>
             </a:r>
             <a:endParaRPr lang="ko-KR" altLang="en-US" sz="1100" dirty="0"/>
           </a:p>
@@ -6630,57 +6443,117 @@
       </p:sp>
       <p:sp>
         <p:nvSpPr>
-          <p:cNvPr id="12" name="직사각형 11">
-            <a:extLst>
-              <a:ext uri="{FF2B5EF4-FFF2-40B4-BE49-F238E27FC236}">
-                <a16:creationId xmlns:a16="http://schemas.microsoft.com/office/drawing/2014/main" id="{8052A667-744F-8140-F1C1-0F7E675F6B62}"/>
-              </a:ext>
-            </a:extLst>
-          </p:cNvPr>
-          <p:cNvSpPr/>
-          <p:nvPr/>
-        </p:nvSpPr>
-        <p:spPr>
-          <a:xfrm>
-            <a:off x="4789064" y="5491999"/>
-            <a:ext cx="1174459" cy="402672"/>
-          </a:xfrm>
-          <a:prstGeom prst="rect">
-            <a:avLst/>
-          </a:prstGeom>
-        </p:spPr>
-        <p:style>
-          <a:lnRef idx="2">
-            <a:schemeClr val="accent1">
-              <a:shade val="50000"/>
-            </a:schemeClr>
-          </a:lnRef>
-          <a:fillRef idx="1">
-            <a:schemeClr val="accent1"/>
-          </a:fillRef>
-          <a:effectRef idx="0">
-            <a:schemeClr val="accent1"/>
-          </a:effectRef>
-          <a:fontRef idx="minor">
-            <a:schemeClr val="lt1"/>
-          </a:fontRef>
-        </p:style>
-        <p:txBody>
-          <a:bodyPr rtlCol="0" anchor="ctr"/>
-          <a:lstStyle/>
-          <a:p>
-            <a:pPr algn="ctr"/>
-            <a:r>
-              <a:rPr lang="ko-KR" altLang="en-US" sz="1100" dirty="0"/>
-              <a:t>비디오 중지</a:t>
-            </a:r>
+          <p:cNvPr id="13" name="TextBox 12">
+            <a:extLst>
+              <a:ext uri="{FF2B5EF4-FFF2-40B4-BE49-F238E27FC236}">
+                <a16:creationId xmlns:a16="http://schemas.microsoft.com/office/drawing/2014/main" id="{47AB57F5-BFFB-DCEB-6F9D-F0C139FD8F72}"/>
+              </a:ext>
+            </a:extLst>
+          </p:cNvPr>
+          <p:cNvSpPr txBox="1"/>
+          <p:nvPr/>
+        </p:nvSpPr>
+        <p:spPr>
+          <a:xfrm>
+            <a:off x="9009776" y="268448"/>
+            <a:ext cx="3085053" cy="3139321"/>
+          </a:xfrm>
+          <a:prstGeom prst="rect">
+            <a:avLst/>
+          </a:prstGeom>
+          <a:noFill/>
+        </p:spPr>
+        <p:txBody>
+          <a:bodyPr wrap="square" rtlCol="0">
+            <a:spAutoFit/>
+          </a:bodyPr>
+          <a:lstStyle/>
+          <a:p>
+            <a:pPr marL="342900" indent="-342900">
+              <a:buAutoNum type="arabicPeriod"/>
+            </a:pPr>
+            <a:r>
+              <a:rPr lang="ko-KR" altLang="en-US" dirty="0"/>
+              <a:t>초대코드 복사</a:t>
+            </a:r>
+            <a:endParaRPr lang="en-US" altLang="ko-KR" dirty="0"/>
+          </a:p>
+          <a:p>
+            <a:pPr marL="342900" indent="-342900">
+              <a:buAutoNum type="arabicPeriod"/>
+            </a:pPr>
+            <a:r>
+              <a:rPr lang="ko-KR" altLang="en-US" dirty="0"/>
+              <a:t>친구 검색기능</a:t>
+            </a:r>
+            <a:endParaRPr lang="en-US" altLang="ko-KR" dirty="0"/>
+          </a:p>
+          <a:p>
+            <a:pPr marL="342900" indent="-342900">
+              <a:buAutoNum type="arabicPeriod"/>
+            </a:pPr>
+            <a:r>
+              <a:rPr lang="ko-KR" altLang="en-US" dirty="0"/>
+              <a:t>초대를 보낼 친구 리스트창</a:t>
+            </a:r>
+            <a:endParaRPr lang="en-US" altLang="ko-KR" dirty="0"/>
+          </a:p>
+          <a:p>
+            <a:pPr marL="342900" indent="-342900">
+              <a:buAutoNum type="arabicPeriod"/>
+            </a:pPr>
+            <a:r>
+              <a:rPr lang="ko-KR" altLang="en-US" dirty="0"/>
+              <a:t>초대코드 보내기 버튼 누르면 추가된 친구들의 이메일로 초대코드 전송</a:t>
+            </a:r>
+            <a:endParaRPr lang="en-US" altLang="ko-KR" dirty="0"/>
+          </a:p>
+          <a:p>
+            <a:pPr marL="342900" indent="-342900">
+              <a:buAutoNum type="arabicPeriod"/>
+            </a:pPr>
+            <a:r>
+              <a:rPr lang="ko-KR" altLang="en-US" dirty="0"/>
+              <a:t>방 생성 버튼 </a:t>
+            </a:r>
+            <a:endParaRPr lang="en-US" altLang="ko-KR" dirty="0"/>
+          </a:p>
+          <a:p>
+            <a:pPr marL="342900" indent="-342900">
+              <a:buAutoNum type="arabicPeriod"/>
+            </a:pPr>
+            <a:r>
+              <a:rPr lang="ko-KR" altLang="en-US" dirty="0"/>
+              <a:t>회의시간 설정 체크박스를 </a:t>
+            </a:r>
+            <a:r>
+              <a:rPr lang="ko-KR" altLang="en-US" dirty="0" err="1"/>
+              <a:t>클릭시</a:t>
+            </a:r>
+            <a:r>
+              <a:rPr lang="ko-KR" altLang="en-US" dirty="0"/>
+              <a:t> 회의시간 설정 </a:t>
+            </a:r>
+            <a:r>
+              <a:rPr lang="en-US" altLang="ko-KR" dirty="0"/>
+              <a:t>from </a:t>
+            </a:r>
+            <a:r>
+              <a:rPr lang="ko-KR" altLang="en-US" dirty="0"/>
+              <a:t>이 </a:t>
+            </a:r>
+            <a:r>
+              <a:rPr lang="ko-KR" altLang="en-US" dirty="0" err="1"/>
+              <a:t>보여짐</a:t>
+            </a:r>
+            <a:endParaRPr lang="ko-KR" altLang="en-US" dirty="0"/>
           </a:p>
         </p:txBody>
       </p:sp>
     </p:spTree>
     <p:extLst>
       <p:ext uri="{BB962C8B-B14F-4D97-AF65-F5344CB8AC3E}">
-        <p14:creationId xmlns:p14="http://schemas.microsoft.com/office/powerpoint/2010/main" val="4184814490"/>
+        <p14:creationId xmlns:p14="http://schemas.microsoft.com/office/powerpoint/2010/main" val="1677553217"/>
       </p:ext>
     </p:extLst>
   </p:cSld>
@@ -6825,6 +6698,1448 @@
 </p:sld>
 </file>
 
+<file path=ppt/slides/slide14.xml><?xml version="1.0" encoding="utf-8"?>
+<p:sld xmlns:a="http://schemas.openxmlformats.org/drawingml/2006/main" xmlns:r="http://schemas.openxmlformats.org/officeDocument/2006/relationships" xmlns:p="http://schemas.openxmlformats.org/presentationml/2006/main">
+  <p:cSld>
+    <p:spTree>
+      <p:nvGrpSpPr>
+        <p:cNvPr id="1" name=""/>
+        <p:cNvGrpSpPr/>
+        <p:nvPr/>
+      </p:nvGrpSpPr>
+      <p:grpSpPr>
+        <a:xfrm>
+          <a:off x="0" y="0"/>
+          <a:ext cx="0" cy="0"/>
+          <a:chOff x="0" y="0"/>
+          <a:chExt cx="0" cy="0"/>
+        </a:xfrm>
+      </p:grpSpPr>
+      <p:pic>
+        <p:nvPicPr>
+          <p:cNvPr id="2" name="그림 1"/>
+          <p:cNvPicPr>
+            <a:picLocks noChangeAspect="1"/>
+          </p:cNvPicPr>
+          <p:nvPr/>
+        </p:nvPicPr>
+        <p:blipFill>
+          <a:blip r:embed="rId2"/>
+          <a:stretch>
+            <a:fillRect/>
+          </a:stretch>
+        </p:blipFill>
+        <p:spPr>
+          <a:xfrm>
+            <a:off x="87923" y="1499088"/>
+            <a:ext cx="8607272" cy="5253404"/>
+          </a:xfrm>
+          <a:prstGeom prst="rect">
+            <a:avLst/>
+          </a:prstGeom>
+        </p:spPr>
+      </p:pic>
+      <p:sp>
+        <p:nvSpPr>
+          <p:cNvPr id="3" name="직사각형 2">
+            <a:extLst>
+              <a:ext uri="{FF2B5EF4-FFF2-40B4-BE49-F238E27FC236}">
+                <a16:creationId xmlns:a16="http://schemas.microsoft.com/office/drawing/2014/main" id="{C046A822-B001-5C62-7DF4-8BBBDE74D359}"/>
+              </a:ext>
+            </a:extLst>
+          </p:cNvPr>
+          <p:cNvSpPr/>
+          <p:nvPr/>
+        </p:nvSpPr>
+        <p:spPr>
+          <a:xfrm>
+            <a:off x="309206" y="220080"/>
+            <a:ext cx="1174459" cy="402672"/>
+          </a:xfrm>
+          <a:prstGeom prst="rect">
+            <a:avLst/>
+          </a:prstGeom>
+        </p:spPr>
+        <p:style>
+          <a:lnRef idx="2">
+            <a:schemeClr val="accent1">
+              <a:shade val="50000"/>
+            </a:schemeClr>
+          </a:lnRef>
+          <a:fillRef idx="1">
+            <a:schemeClr val="accent1"/>
+          </a:fillRef>
+          <a:effectRef idx="0">
+            <a:schemeClr val="accent1"/>
+          </a:effectRef>
+          <a:fontRef idx="minor">
+            <a:schemeClr val="lt1"/>
+          </a:fontRef>
+        </p:style>
+        <p:txBody>
+          <a:bodyPr rtlCol="0" anchor="ctr"/>
+          <a:lstStyle/>
+          <a:p>
+            <a:pPr algn="ctr"/>
+            <a:r>
+              <a:rPr lang="en-US" altLang="ko-KR" sz="1100" dirty="0"/>
+              <a:t>login</a:t>
+            </a:r>
+            <a:endParaRPr lang="ko-KR" altLang="en-US" sz="1100" dirty="0"/>
+          </a:p>
+        </p:txBody>
+      </p:sp>
+      <p:sp>
+        <p:nvSpPr>
+          <p:cNvPr id="4" name="TextBox 3">
+            <a:extLst>
+              <a:ext uri="{FF2B5EF4-FFF2-40B4-BE49-F238E27FC236}">
+                <a16:creationId xmlns:a16="http://schemas.microsoft.com/office/drawing/2014/main" id="{A09F4A1E-B378-4E6C-FC72-EE50D9C6AF4B}"/>
+              </a:ext>
+            </a:extLst>
+          </p:cNvPr>
+          <p:cNvSpPr txBox="1"/>
+          <p:nvPr/>
+        </p:nvSpPr>
+        <p:spPr>
+          <a:xfrm>
+            <a:off x="8695195" y="1392654"/>
+            <a:ext cx="3496804" cy="4247317"/>
+          </a:xfrm>
+          <a:prstGeom prst="rect">
+            <a:avLst/>
+          </a:prstGeom>
+          <a:noFill/>
+        </p:spPr>
+        <p:txBody>
+          <a:bodyPr wrap="square" rtlCol="0">
+            <a:spAutoFit/>
+          </a:bodyPr>
+          <a:lstStyle/>
+          <a:p>
+            <a:r>
+              <a:rPr lang="ko-KR" altLang="en-US" dirty="0"/>
+              <a:t>기본</a:t>
+            </a:r>
+            <a:endParaRPr lang="en-US" altLang="ko-KR" dirty="0"/>
+          </a:p>
+          <a:p>
+            <a:pPr marL="342900" indent="-342900">
+              <a:buAutoNum type="arabicPeriod"/>
+            </a:pPr>
+            <a:r>
+              <a:rPr lang="ko-KR" altLang="en-US" dirty="0" smtClean="0"/>
+              <a:t>이메일과 패스워드를 입력해서 등록된 </a:t>
+            </a:r>
+            <a:r>
+              <a:rPr lang="ko-KR" altLang="en-US" dirty="0" err="1" smtClean="0"/>
+              <a:t>유저면</a:t>
+            </a:r>
+            <a:r>
+              <a:rPr lang="ko-KR" altLang="en-US" dirty="0" smtClean="0"/>
+              <a:t> 로그인 성공</a:t>
+            </a:r>
+            <a:endParaRPr lang="en-US" altLang="ko-KR" dirty="0"/>
+          </a:p>
+          <a:p>
+            <a:pPr marL="342900" indent="-342900">
+              <a:buAutoNum type="arabicPeriod"/>
+            </a:pPr>
+            <a:r>
+              <a:rPr lang="ko-KR" altLang="en-US" dirty="0" smtClean="0"/>
+              <a:t>실패 </a:t>
+            </a:r>
+            <a:r>
+              <a:rPr lang="ko-KR" altLang="en-US" dirty="0" err="1" smtClean="0"/>
+              <a:t>했을경우</a:t>
+            </a:r>
+            <a:r>
+              <a:rPr lang="ko-KR" altLang="en-US" dirty="0" smtClean="0"/>
+              <a:t> </a:t>
+            </a:r>
+            <a:endParaRPr lang="en-US" altLang="ko-KR" dirty="0" smtClean="0"/>
+          </a:p>
+          <a:p>
+            <a:r>
+              <a:rPr lang="en-US" altLang="ko-KR" dirty="0" smtClean="0"/>
+              <a:t>-</a:t>
+            </a:r>
+            <a:r>
+              <a:rPr lang="ko-KR" altLang="en-US" dirty="0" smtClean="0"/>
+              <a:t>등록된 이메일인경우</a:t>
+            </a:r>
+            <a:r>
+              <a:rPr lang="en-US" altLang="ko-KR" dirty="0" smtClean="0"/>
+              <a:t>”</a:t>
+            </a:r>
+            <a:r>
+              <a:rPr lang="ko-KR" altLang="en-US" dirty="0" smtClean="0"/>
+              <a:t>비밀번호가 잘못되었습니다</a:t>
+            </a:r>
+            <a:r>
+              <a:rPr lang="en-US" altLang="ko-KR" dirty="0" smtClean="0"/>
+              <a:t>.”</a:t>
+            </a:r>
+            <a:r>
+              <a:rPr lang="ko-KR" altLang="en-US" dirty="0" smtClean="0"/>
+              <a:t>출력</a:t>
+            </a:r>
+            <a:endParaRPr lang="en-US" altLang="ko-KR" dirty="0" smtClean="0"/>
+          </a:p>
+          <a:p>
+            <a:r>
+              <a:rPr lang="en-US" altLang="ko-KR" dirty="0" smtClean="0"/>
+              <a:t>-</a:t>
+            </a:r>
+            <a:r>
+              <a:rPr lang="ko-KR" altLang="en-US" dirty="0" smtClean="0"/>
+              <a:t>등록된 이메일이 </a:t>
+            </a:r>
+            <a:r>
+              <a:rPr lang="ko-KR" altLang="en-US" dirty="0" err="1" smtClean="0"/>
+              <a:t>아닐경우</a:t>
+            </a:r>
+            <a:r>
+              <a:rPr lang="ko-KR" altLang="en-US" dirty="0" smtClean="0"/>
+              <a:t> </a:t>
+            </a:r>
+            <a:r>
+              <a:rPr lang="en-US" altLang="ko-KR" dirty="0" smtClean="0"/>
+              <a:t>“ </a:t>
+            </a:r>
+            <a:r>
+              <a:rPr lang="ko-KR" altLang="en-US" dirty="0" smtClean="0"/>
+              <a:t>등록된 이메일이 아닙니다</a:t>
+            </a:r>
+            <a:r>
+              <a:rPr lang="en-US" altLang="ko-KR" dirty="0" smtClean="0"/>
+              <a:t>.”</a:t>
+            </a:r>
+            <a:r>
+              <a:rPr lang="ko-KR" altLang="en-US" dirty="0" smtClean="0"/>
+              <a:t>출력</a:t>
+            </a:r>
+            <a:endParaRPr lang="en-US" altLang="ko-KR" dirty="0"/>
+          </a:p>
+          <a:p>
+            <a:r>
+              <a:rPr lang="en-US" altLang="ko-KR" dirty="0" smtClean="0"/>
+              <a:t>3. </a:t>
+            </a:r>
+            <a:r>
+              <a:rPr lang="ko-KR" altLang="en-US" dirty="0" smtClean="0"/>
+              <a:t>로그인</a:t>
+            </a:r>
+            <a:r>
+              <a:rPr lang="en-US" altLang="ko-KR" dirty="0"/>
+              <a:t> </a:t>
+            </a:r>
+            <a:r>
+              <a:rPr lang="ko-KR" altLang="en-US" dirty="0" err="1" smtClean="0"/>
+              <a:t>성공시</a:t>
+            </a:r>
+            <a:r>
+              <a:rPr lang="ko-KR" altLang="en-US" dirty="0" smtClean="0"/>
+              <a:t> </a:t>
+            </a:r>
+            <a:r>
+              <a:rPr lang="en-US" altLang="ko-KR" dirty="0" smtClean="0"/>
+              <a:t>main</a:t>
+            </a:r>
+            <a:r>
+              <a:rPr lang="ko-KR" altLang="en-US" dirty="0" smtClean="0"/>
+              <a:t>페이지로 이동</a:t>
+            </a:r>
+            <a:endParaRPr lang="en-US" altLang="ko-KR" dirty="0" smtClean="0"/>
+          </a:p>
+          <a:p>
+            <a:endParaRPr lang="en-US" altLang="ko-KR" dirty="0"/>
+          </a:p>
+          <a:p>
+            <a:r>
+              <a:rPr lang="ko-KR" altLang="en-US" dirty="0" smtClean="0"/>
+              <a:t>추가</a:t>
+            </a:r>
+            <a:endParaRPr lang="en-US" altLang="ko-KR" dirty="0" smtClean="0"/>
+          </a:p>
+          <a:p>
+            <a:pPr marL="342900" indent="-342900">
+              <a:buAutoNum type="arabicPeriod"/>
+            </a:pPr>
+            <a:r>
+              <a:rPr lang="ko-KR" altLang="en-US" dirty="0" err="1" smtClean="0"/>
+              <a:t>소셜로그인</a:t>
+            </a:r>
+            <a:r>
+              <a:rPr lang="ko-KR" altLang="en-US" dirty="0" smtClean="0"/>
+              <a:t> </a:t>
+            </a:r>
+            <a:r>
+              <a:rPr lang="en-US" altLang="ko-KR" dirty="0" smtClean="0"/>
+              <a:t>– </a:t>
+            </a:r>
+            <a:r>
+              <a:rPr lang="ko-KR" altLang="en-US" dirty="0" err="1" smtClean="0"/>
+              <a:t>깃랩과</a:t>
+            </a:r>
+            <a:r>
+              <a:rPr lang="ko-KR" altLang="en-US" dirty="0" smtClean="0"/>
+              <a:t> </a:t>
+            </a:r>
+            <a:r>
+              <a:rPr lang="ko-KR" altLang="en-US" dirty="0" err="1" smtClean="0"/>
+              <a:t>구글로그인</a:t>
+            </a:r>
+            <a:endParaRPr lang="en-US" altLang="ko-KR" dirty="0" smtClean="0"/>
+          </a:p>
+        </p:txBody>
+      </p:sp>
+    </p:spTree>
+    <p:extLst>
+      <p:ext uri="{BB962C8B-B14F-4D97-AF65-F5344CB8AC3E}">
+        <p14:creationId xmlns:p14="http://schemas.microsoft.com/office/powerpoint/2010/main" val="3757897475"/>
+      </p:ext>
+    </p:extLst>
+  </p:cSld>
+  <p:clrMapOvr>
+    <a:masterClrMapping/>
+  </p:clrMapOvr>
+</p:sld>
+</file>
+
+<file path=ppt/slides/slide15.xml><?xml version="1.0" encoding="utf-8"?>
+<p:sld xmlns:a="http://schemas.openxmlformats.org/drawingml/2006/main" xmlns:r="http://schemas.openxmlformats.org/officeDocument/2006/relationships" xmlns:p="http://schemas.openxmlformats.org/presentationml/2006/main">
+  <p:cSld>
+    <p:spTree>
+      <p:nvGrpSpPr>
+        <p:cNvPr id="1" name=""/>
+        <p:cNvGrpSpPr/>
+        <p:nvPr/>
+      </p:nvGrpSpPr>
+      <p:grpSpPr>
+        <a:xfrm>
+          <a:off x="0" y="0"/>
+          <a:ext cx="0" cy="0"/>
+          <a:chOff x="0" y="0"/>
+          <a:chExt cx="0" cy="0"/>
+        </a:xfrm>
+      </p:grpSpPr>
+      <p:pic>
+        <p:nvPicPr>
+          <p:cNvPr id="4" name="그림 3"/>
+          <p:cNvPicPr>
+            <a:picLocks noChangeAspect="1"/>
+          </p:cNvPicPr>
+          <p:nvPr/>
+        </p:nvPicPr>
+        <p:blipFill>
+          <a:blip r:embed="rId2"/>
+          <a:stretch>
+            <a:fillRect/>
+          </a:stretch>
+        </p:blipFill>
+        <p:spPr>
+          <a:xfrm>
+            <a:off x="120395" y="1397977"/>
+            <a:ext cx="8637313" cy="5244612"/>
+          </a:xfrm>
+          <a:prstGeom prst="rect">
+            <a:avLst/>
+          </a:prstGeom>
+        </p:spPr>
+      </p:pic>
+      <p:sp>
+        <p:nvSpPr>
+          <p:cNvPr id="5" name="직사각형 4">
+            <a:extLst>
+              <a:ext uri="{FF2B5EF4-FFF2-40B4-BE49-F238E27FC236}">
+                <a16:creationId xmlns:a16="http://schemas.microsoft.com/office/drawing/2014/main" id="{6AFFDAC7-8134-F89D-8F84-01EE17FC61A9}"/>
+              </a:ext>
+            </a:extLst>
+          </p:cNvPr>
+          <p:cNvSpPr/>
+          <p:nvPr/>
+        </p:nvSpPr>
+        <p:spPr>
+          <a:xfrm>
+            <a:off x="271614" y="267858"/>
+            <a:ext cx="1174459" cy="402672"/>
+          </a:xfrm>
+          <a:prstGeom prst="rect">
+            <a:avLst/>
+          </a:prstGeom>
+        </p:spPr>
+        <p:style>
+          <a:lnRef idx="2">
+            <a:schemeClr val="accent1">
+              <a:shade val="50000"/>
+            </a:schemeClr>
+          </a:lnRef>
+          <a:fillRef idx="1">
+            <a:schemeClr val="accent1"/>
+          </a:fillRef>
+          <a:effectRef idx="0">
+            <a:schemeClr val="accent1"/>
+          </a:effectRef>
+          <a:fontRef idx="minor">
+            <a:schemeClr val="lt1"/>
+          </a:fontRef>
+        </p:style>
+        <p:txBody>
+          <a:bodyPr rtlCol="0" anchor="ctr"/>
+          <a:lstStyle/>
+          <a:p>
+            <a:pPr algn="ctr"/>
+            <a:r>
+              <a:rPr lang="en-US" altLang="ko-KR" sz="1100" dirty="0"/>
+              <a:t>signup</a:t>
+            </a:r>
+            <a:endParaRPr lang="ko-KR" altLang="en-US" sz="1100" dirty="0"/>
+          </a:p>
+        </p:txBody>
+      </p:sp>
+      <p:sp>
+        <p:nvSpPr>
+          <p:cNvPr id="6" name="TextBox 5">
+            <a:extLst>
+              <a:ext uri="{FF2B5EF4-FFF2-40B4-BE49-F238E27FC236}">
+                <a16:creationId xmlns:a16="http://schemas.microsoft.com/office/drawing/2014/main" id="{A09F4A1E-B378-4E6C-FC72-EE50D9C6AF4B}"/>
+              </a:ext>
+            </a:extLst>
+          </p:cNvPr>
+          <p:cNvSpPr txBox="1"/>
+          <p:nvPr/>
+        </p:nvSpPr>
+        <p:spPr>
+          <a:xfrm>
+            <a:off x="8705525" y="670530"/>
+            <a:ext cx="3486476" cy="3139321"/>
+          </a:xfrm>
+          <a:prstGeom prst="rect">
+            <a:avLst/>
+          </a:prstGeom>
+          <a:noFill/>
+        </p:spPr>
+        <p:txBody>
+          <a:bodyPr wrap="square" rtlCol="0">
+            <a:spAutoFit/>
+          </a:bodyPr>
+          <a:lstStyle/>
+          <a:p>
+            <a:r>
+              <a:rPr lang="ko-KR" altLang="en-US" dirty="0"/>
+              <a:t>기본</a:t>
+            </a:r>
+            <a:endParaRPr lang="en-US" altLang="ko-KR" dirty="0"/>
+          </a:p>
+          <a:p>
+            <a:r>
+              <a:rPr lang="en-US" altLang="ko-KR" dirty="0"/>
+              <a:t>1. </a:t>
+            </a:r>
+            <a:r>
+              <a:rPr lang="ko-KR" altLang="en-US" dirty="0"/>
+              <a:t>회원가입 성공했을 경우 자동 로그인</a:t>
+            </a:r>
+            <a:endParaRPr lang="en-US" altLang="ko-KR" dirty="0"/>
+          </a:p>
+          <a:p>
+            <a:r>
+              <a:rPr lang="en-US" altLang="ko-KR" dirty="0"/>
+              <a:t>2. </a:t>
+            </a:r>
+            <a:r>
+              <a:rPr lang="ko-KR" altLang="en-US" dirty="0"/>
+              <a:t>회원가입 실패했을 경우 에러페이지로 이동</a:t>
+            </a:r>
+            <a:endParaRPr lang="en-US" altLang="ko-KR" dirty="0"/>
+          </a:p>
+          <a:p>
+            <a:r>
+              <a:rPr lang="en-US" altLang="ko-KR" dirty="0"/>
+              <a:t>3. </a:t>
+            </a:r>
+            <a:r>
+              <a:rPr lang="ko-KR" altLang="en-US" dirty="0"/>
+              <a:t>이메일 </a:t>
+            </a:r>
+            <a:r>
+              <a:rPr lang="ko-KR" altLang="en-US" dirty="0" err="1"/>
+              <a:t>중복시</a:t>
+            </a:r>
+            <a:r>
+              <a:rPr lang="ko-KR" altLang="en-US" dirty="0"/>
+              <a:t> </a:t>
+            </a:r>
+            <a:endParaRPr lang="en-US" altLang="ko-KR" dirty="0"/>
+          </a:p>
+          <a:p>
+            <a:r>
+              <a:rPr lang="en-US" altLang="ko-KR" dirty="0"/>
+              <a:t>“</a:t>
+            </a:r>
+            <a:r>
+              <a:rPr lang="ko-KR" altLang="en-US" dirty="0"/>
+              <a:t>중복된 이메일입니다</a:t>
+            </a:r>
+            <a:r>
+              <a:rPr lang="en-US" altLang="ko-KR" dirty="0"/>
+              <a:t>” </a:t>
+            </a:r>
+            <a:r>
+              <a:rPr lang="ko-KR" altLang="en-US" dirty="0"/>
+              <a:t>문구 </a:t>
+            </a:r>
+            <a:r>
+              <a:rPr lang="ko-KR" altLang="en-US" dirty="0" smtClean="0"/>
+              <a:t>출력</a:t>
+            </a:r>
+            <a:r>
+              <a:rPr lang="en-US" altLang="ko-KR" dirty="0" smtClean="0"/>
+              <a:t>,</a:t>
+            </a:r>
+            <a:endParaRPr lang="en-US" altLang="ko-KR" dirty="0"/>
+          </a:p>
+          <a:p>
+            <a:r>
+              <a:rPr lang="ko-KR" altLang="en-US" dirty="0"/>
+              <a:t>이메일 중복이 아닐 때</a:t>
+            </a:r>
+            <a:endParaRPr lang="en-US" altLang="ko-KR" dirty="0"/>
+          </a:p>
+          <a:p>
+            <a:r>
+              <a:rPr lang="en-US" altLang="ko-KR" dirty="0"/>
+              <a:t>“</a:t>
+            </a:r>
+            <a:r>
+              <a:rPr lang="ko-KR" altLang="en-US" dirty="0" err="1"/>
+              <a:t>사용가능한</a:t>
+            </a:r>
+            <a:r>
+              <a:rPr lang="ko-KR" altLang="en-US" dirty="0"/>
+              <a:t> </a:t>
+            </a:r>
+            <a:r>
+              <a:rPr lang="ko-KR" altLang="en-US" dirty="0" smtClean="0"/>
+              <a:t>이메일입니다</a:t>
+            </a:r>
+            <a:r>
+              <a:rPr lang="en-US" altLang="ko-KR" dirty="0" smtClean="0"/>
+              <a:t>“</a:t>
+            </a:r>
+          </a:p>
+          <a:p>
+            <a:endParaRPr lang="ko-KR" altLang="en-US" dirty="0"/>
+          </a:p>
+        </p:txBody>
+      </p:sp>
+    </p:spTree>
+    <p:extLst>
+      <p:ext uri="{BB962C8B-B14F-4D97-AF65-F5344CB8AC3E}">
+        <p14:creationId xmlns:p14="http://schemas.microsoft.com/office/powerpoint/2010/main" val="656398163"/>
+      </p:ext>
+    </p:extLst>
+  </p:cSld>
+  <p:clrMapOvr>
+    <a:masterClrMapping/>
+  </p:clrMapOvr>
+</p:sld>
+</file>
+
+<file path=ppt/slides/slide16.xml><?xml version="1.0" encoding="utf-8"?>
+<p:sld xmlns:a="http://schemas.openxmlformats.org/drawingml/2006/main" xmlns:r="http://schemas.openxmlformats.org/officeDocument/2006/relationships" xmlns:p="http://schemas.openxmlformats.org/presentationml/2006/main">
+  <p:cSld>
+    <p:spTree>
+      <p:nvGrpSpPr>
+        <p:cNvPr id="1" name=""/>
+        <p:cNvGrpSpPr/>
+        <p:nvPr/>
+      </p:nvGrpSpPr>
+      <p:grpSpPr>
+        <a:xfrm>
+          <a:off x="0" y="0"/>
+          <a:ext cx="0" cy="0"/>
+          <a:chOff x="0" y="0"/>
+          <a:chExt cx="0" cy="0"/>
+        </a:xfrm>
+      </p:grpSpPr>
+      <p:pic>
+        <p:nvPicPr>
+          <p:cNvPr id="2" name="그림 1"/>
+          <p:cNvPicPr>
+            <a:picLocks noChangeAspect="1"/>
+          </p:cNvPicPr>
+          <p:nvPr/>
+        </p:nvPicPr>
+        <p:blipFill>
+          <a:blip r:embed="rId2"/>
+          <a:stretch>
+            <a:fillRect/>
+          </a:stretch>
+        </p:blipFill>
+        <p:spPr>
+          <a:xfrm>
+            <a:off x="129321" y="1477108"/>
+            <a:ext cx="8576204" cy="5261097"/>
+          </a:xfrm>
+          <a:prstGeom prst="rect">
+            <a:avLst/>
+          </a:prstGeom>
+        </p:spPr>
+      </p:pic>
+      <p:sp>
+        <p:nvSpPr>
+          <p:cNvPr id="5" name="직사각형 4">
+            <a:extLst>
+              <a:ext uri="{FF2B5EF4-FFF2-40B4-BE49-F238E27FC236}">
+                <a16:creationId xmlns:a16="http://schemas.microsoft.com/office/drawing/2014/main" id="{72CF6266-67D2-3BF6-CC8C-8D850D29E435}"/>
+              </a:ext>
+            </a:extLst>
+          </p:cNvPr>
+          <p:cNvSpPr/>
+          <p:nvPr/>
+        </p:nvSpPr>
+        <p:spPr>
+          <a:xfrm>
+            <a:off x="370510" y="267056"/>
+            <a:ext cx="1399567" cy="647344"/>
+          </a:xfrm>
+          <a:prstGeom prst="rect">
+            <a:avLst/>
+          </a:prstGeom>
+        </p:spPr>
+        <p:style>
+          <a:lnRef idx="2">
+            <a:schemeClr val="accent1">
+              <a:shade val="50000"/>
+            </a:schemeClr>
+          </a:lnRef>
+          <a:fillRef idx="1">
+            <a:schemeClr val="accent1"/>
+          </a:fillRef>
+          <a:effectRef idx="0">
+            <a:schemeClr val="accent1"/>
+          </a:effectRef>
+          <a:fontRef idx="minor">
+            <a:schemeClr val="lt1"/>
+          </a:fontRef>
+        </p:style>
+        <p:txBody>
+          <a:bodyPr rtlCol="0" anchor="ctr"/>
+          <a:lstStyle/>
+          <a:p>
+            <a:pPr algn="ctr"/>
+            <a:r>
+              <a:rPr lang="ko-KR" altLang="en-US" sz="1100" dirty="0"/>
+              <a:t>비회원이 초대코드를 통해 </a:t>
+            </a:r>
+            <a:r>
+              <a:rPr lang="ko-KR" altLang="en-US" sz="1100" dirty="0" err="1"/>
+              <a:t>미팅룸</a:t>
+            </a:r>
+            <a:r>
+              <a:rPr lang="ko-KR" altLang="en-US" sz="1100" dirty="0"/>
+              <a:t> </a:t>
+            </a:r>
+            <a:r>
+              <a:rPr lang="ko-KR" altLang="en-US" sz="1100" dirty="0" err="1"/>
+              <a:t>입장할때</a:t>
+            </a:r>
+            <a:endParaRPr lang="ko-KR" altLang="en-US" sz="1100" dirty="0"/>
+          </a:p>
+        </p:txBody>
+      </p:sp>
+      <p:sp>
+        <p:nvSpPr>
+          <p:cNvPr id="6" name="TextBox 5">
+            <a:extLst>
+              <a:ext uri="{FF2B5EF4-FFF2-40B4-BE49-F238E27FC236}">
+                <a16:creationId xmlns:a16="http://schemas.microsoft.com/office/drawing/2014/main" id="{A09F4A1E-B378-4E6C-FC72-EE50D9C6AF4B}"/>
+              </a:ext>
+            </a:extLst>
+          </p:cNvPr>
+          <p:cNvSpPr txBox="1"/>
+          <p:nvPr/>
+        </p:nvSpPr>
+        <p:spPr>
+          <a:xfrm>
+            <a:off x="8705525" y="1646476"/>
+            <a:ext cx="3486476" cy="1754326"/>
+          </a:xfrm>
+          <a:prstGeom prst="rect">
+            <a:avLst/>
+          </a:prstGeom>
+          <a:noFill/>
+        </p:spPr>
+        <p:txBody>
+          <a:bodyPr wrap="square" rtlCol="0">
+            <a:spAutoFit/>
+          </a:bodyPr>
+          <a:lstStyle/>
+          <a:p>
+            <a:r>
+              <a:rPr lang="ko-KR" altLang="en-US" dirty="0"/>
+              <a:t>기본</a:t>
+            </a:r>
+            <a:endParaRPr lang="en-US" altLang="ko-KR" dirty="0"/>
+          </a:p>
+          <a:p>
+            <a:pPr marL="342900" indent="-342900">
+              <a:buAutoNum type="arabicPeriod"/>
+            </a:pPr>
+            <a:r>
+              <a:rPr lang="ko-KR" altLang="en-US" dirty="0" smtClean="0"/>
+              <a:t>초대받은 유저인 경우 이메일과 닉네임을 입력해야 초대된 방에 </a:t>
+            </a:r>
+            <a:r>
+              <a:rPr lang="ko-KR" altLang="en-US" dirty="0" err="1" smtClean="0"/>
+              <a:t>입장가능</a:t>
+            </a:r>
+            <a:endParaRPr lang="en-US" altLang="ko-KR" dirty="0" smtClean="0"/>
+          </a:p>
+          <a:p>
+            <a:pPr marL="342900" indent="-342900">
+              <a:buAutoNum type="arabicPeriod"/>
+            </a:pPr>
+            <a:r>
+              <a:rPr lang="ko-KR" altLang="en-US" dirty="0" err="1" smtClean="0"/>
+              <a:t>입장전</a:t>
+            </a:r>
+            <a:r>
+              <a:rPr lang="ko-KR" altLang="en-US" dirty="0" smtClean="0"/>
+              <a:t> 카메라 화면 체크 가능</a:t>
+            </a:r>
+            <a:endParaRPr lang="ko-KR" altLang="en-US" dirty="0"/>
+          </a:p>
+        </p:txBody>
+      </p:sp>
+    </p:spTree>
+    <p:extLst>
+      <p:ext uri="{BB962C8B-B14F-4D97-AF65-F5344CB8AC3E}">
+        <p14:creationId xmlns:p14="http://schemas.microsoft.com/office/powerpoint/2010/main" val="1221180384"/>
+      </p:ext>
+    </p:extLst>
+  </p:cSld>
+  <p:clrMapOvr>
+    <a:masterClrMapping/>
+  </p:clrMapOvr>
+</p:sld>
+</file>
+
+<file path=ppt/slides/slide17.xml><?xml version="1.0" encoding="utf-8"?>
+<p:sld xmlns:a="http://schemas.openxmlformats.org/drawingml/2006/main" xmlns:r="http://schemas.openxmlformats.org/officeDocument/2006/relationships" xmlns:p="http://schemas.openxmlformats.org/presentationml/2006/main">
+  <p:cSld>
+    <p:spTree>
+      <p:nvGrpSpPr>
+        <p:cNvPr id="1" name=""/>
+        <p:cNvGrpSpPr/>
+        <p:nvPr/>
+      </p:nvGrpSpPr>
+      <p:grpSpPr>
+        <a:xfrm>
+          <a:off x="0" y="0"/>
+          <a:ext cx="0" cy="0"/>
+          <a:chOff x="0" y="0"/>
+          <a:chExt cx="0" cy="0"/>
+        </a:xfrm>
+      </p:grpSpPr>
+      <p:sp>
+        <p:nvSpPr>
+          <p:cNvPr id="3" name="직사각형 2">
+            <a:extLst>
+              <a:ext uri="{FF2B5EF4-FFF2-40B4-BE49-F238E27FC236}">
+                <a16:creationId xmlns:a16="http://schemas.microsoft.com/office/drawing/2014/main" id="{4057526F-B745-4EA2-9097-A81CAE4B219F}"/>
+              </a:ext>
+            </a:extLst>
+          </p:cNvPr>
+          <p:cNvSpPr/>
+          <p:nvPr/>
+        </p:nvSpPr>
+        <p:spPr>
+          <a:xfrm>
+            <a:off x="229833" y="231887"/>
+            <a:ext cx="1174459" cy="402672"/>
+          </a:xfrm>
+          <a:prstGeom prst="rect">
+            <a:avLst/>
+          </a:prstGeom>
+        </p:spPr>
+        <p:style>
+          <a:lnRef idx="2">
+            <a:schemeClr val="accent1">
+              <a:shade val="50000"/>
+            </a:schemeClr>
+          </a:lnRef>
+          <a:fillRef idx="1">
+            <a:schemeClr val="accent1"/>
+          </a:fillRef>
+          <a:effectRef idx="0">
+            <a:schemeClr val="accent1"/>
+          </a:effectRef>
+          <a:fontRef idx="minor">
+            <a:schemeClr val="lt1"/>
+          </a:fontRef>
+        </p:style>
+        <p:txBody>
+          <a:bodyPr rtlCol="0" anchor="ctr"/>
+          <a:lstStyle/>
+          <a:p>
+            <a:pPr algn="ctr"/>
+            <a:r>
+              <a:rPr lang="en-US" altLang="ko-KR" sz="1100" dirty="0"/>
+              <a:t>Conference -1</a:t>
+            </a:r>
+            <a:endParaRPr lang="ko-KR" altLang="en-US" sz="1100" dirty="0"/>
+          </a:p>
+        </p:txBody>
+      </p:sp>
+      <p:sp>
+        <p:nvSpPr>
+          <p:cNvPr id="4" name="TextBox 3">
+            <a:extLst>
+              <a:ext uri="{FF2B5EF4-FFF2-40B4-BE49-F238E27FC236}">
+                <a16:creationId xmlns:a16="http://schemas.microsoft.com/office/drawing/2014/main" id="{A09F4A1E-B378-4E6C-FC72-EE50D9C6AF4B}"/>
+              </a:ext>
+            </a:extLst>
+          </p:cNvPr>
+          <p:cNvSpPr txBox="1"/>
+          <p:nvPr/>
+        </p:nvSpPr>
+        <p:spPr>
+          <a:xfrm>
+            <a:off x="8353833" y="1116623"/>
+            <a:ext cx="3486476" cy="4247317"/>
+          </a:xfrm>
+          <a:prstGeom prst="rect">
+            <a:avLst/>
+          </a:prstGeom>
+          <a:noFill/>
+        </p:spPr>
+        <p:txBody>
+          <a:bodyPr wrap="square" rtlCol="0">
+            <a:spAutoFit/>
+          </a:bodyPr>
+          <a:lstStyle/>
+          <a:p>
+            <a:r>
+              <a:rPr lang="ko-KR" altLang="en-US" dirty="0" smtClean="0"/>
+              <a:t>기본</a:t>
+            </a:r>
+            <a:endParaRPr lang="en-US" altLang="ko-KR" dirty="0" smtClean="0"/>
+          </a:p>
+          <a:p>
+            <a:pPr marL="342900" indent="-342900">
+              <a:buAutoNum type="arabicPeriod"/>
+            </a:pPr>
+            <a:r>
+              <a:rPr lang="ko-KR" altLang="en-US" dirty="0" smtClean="0"/>
+              <a:t>소리</a:t>
+            </a:r>
+            <a:r>
+              <a:rPr lang="en-US" altLang="ko-KR" dirty="0" smtClean="0"/>
+              <a:t>, </a:t>
+            </a:r>
+            <a:r>
+              <a:rPr lang="ko-KR" altLang="en-US" dirty="0" smtClean="0"/>
+              <a:t>카메라 </a:t>
+            </a:r>
+            <a:r>
+              <a:rPr lang="en-US" altLang="ko-KR" dirty="0" smtClean="0"/>
+              <a:t>on/off</a:t>
+            </a:r>
+            <a:r>
+              <a:rPr lang="ko-KR" altLang="en-US" dirty="0" smtClean="0"/>
+              <a:t>가능</a:t>
+            </a:r>
+            <a:endParaRPr lang="en-US" altLang="ko-KR" dirty="0" smtClean="0"/>
+          </a:p>
+          <a:p>
+            <a:pPr marL="342900" indent="-342900">
+              <a:buAutoNum type="arabicPeriod"/>
+            </a:pPr>
+            <a:r>
+              <a:rPr lang="ko-KR" altLang="en-US" dirty="0" smtClean="0"/>
+              <a:t>참가자 명단을 통해 카메라와 마이크 </a:t>
+            </a:r>
+            <a:r>
+              <a:rPr lang="en-US" altLang="ko-KR" dirty="0" smtClean="0"/>
+              <a:t>on/off</a:t>
+            </a:r>
+            <a:r>
+              <a:rPr lang="ko-KR" altLang="en-US" dirty="0" smtClean="0"/>
+              <a:t>확인가능</a:t>
+            </a:r>
+            <a:endParaRPr lang="en-US" altLang="ko-KR" dirty="0" smtClean="0"/>
+          </a:p>
+          <a:p>
+            <a:pPr marL="342900" indent="-342900">
+              <a:buAutoNum type="arabicPeriod"/>
+            </a:pPr>
+            <a:r>
+              <a:rPr lang="ko-KR" altLang="en-US" dirty="0" smtClean="0"/>
+              <a:t>옆에 </a:t>
+            </a:r>
+            <a:r>
+              <a:rPr lang="ko-KR" altLang="en-US" dirty="0" err="1" smtClean="0"/>
+              <a:t>채팅창을</a:t>
+            </a:r>
+            <a:r>
+              <a:rPr lang="ko-KR" altLang="en-US" dirty="0" smtClean="0"/>
+              <a:t> 통해 대화 가능</a:t>
+            </a:r>
+            <a:endParaRPr lang="en-US" altLang="ko-KR" dirty="0" smtClean="0"/>
+          </a:p>
+          <a:p>
+            <a:pPr marL="342900" indent="-342900">
+              <a:buAutoNum type="arabicPeriod"/>
+            </a:pPr>
+            <a:r>
+              <a:rPr lang="ko-KR" altLang="en-US" dirty="0" smtClean="0"/>
+              <a:t>퇴장 버튼 </a:t>
+            </a:r>
+            <a:r>
+              <a:rPr lang="ko-KR" altLang="en-US" dirty="0" err="1" smtClean="0"/>
+              <a:t>클릭시</a:t>
+            </a:r>
+            <a:r>
+              <a:rPr lang="ko-KR" altLang="en-US" dirty="0" smtClean="0"/>
+              <a:t> </a:t>
+            </a:r>
+            <a:r>
+              <a:rPr lang="ko-KR" altLang="en-US" dirty="0" err="1" smtClean="0"/>
+              <a:t>미팅방</a:t>
+            </a:r>
+            <a:r>
+              <a:rPr lang="ko-KR" altLang="en-US" dirty="0" smtClean="0"/>
+              <a:t> 퇴장</a:t>
+            </a:r>
+            <a:endParaRPr lang="en-US" altLang="ko-KR" dirty="0" smtClean="0"/>
+          </a:p>
+          <a:p>
+            <a:pPr marL="342900" indent="-342900">
+              <a:buAutoNum type="arabicPeriod"/>
+            </a:pPr>
+            <a:r>
+              <a:rPr lang="ko-KR" altLang="en-US" dirty="0" smtClean="0"/>
+              <a:t>인원수가 많을 경우 </a:t>
+            </a:r>
+            <a:r>
+              <a:rPr lang="ko-KR" altLang="en-US" dirty="0" err="1" smtClean="0"/>
+              <a:t>캐러셀</a:t>
+            </a:r>
+            <a:r>
+              <a:rPr lang="ko-KR" altLang="en-US" dirty="0" smtClean="0"/>
+              <a:t> 기능을 통해 </a:t>
+            </a:r>
+            <a:r>
+              <a:rPr lang="ko-KR" altLang="en-US" dirty="0" err="1" smtClean="0"/>
+              <a:t>다른사람</a:t>
+            </a:r>
+            <a:r>
+              <a:rPr lang="ko-KR" altLang="en-US" dirty="0" smtClean="0"/>
+              <a:t> 화면도 체크 가능 </a:t>
+            </a:r>
+            <a:r>
+              <a:rPr lang="en-US" altLang="ko-KR" dirty="0" smtClean="0"/>
+              <a:t>(4*4)</a:t>
+            </a:r>
+          </a:p>
+          <a:p>
+            <a:pPr marL="342900" indent="-342900">
+              <a:buAutoNum type="arabicPeriod"/>
+            </a:pPr>
+            <a:r>
+              <a:rPr lang="ko-KR" altLang="en-US" dirty="0" smtClean="0"/>
+              <a:t>비디오 </a:t>
+            </a:r>
+            <a:r>
+              <a:rPr lang="ko-KR" altLang="en-US" dirty="0" err="1" smtClean="0"/>
+              <a:t>종료시</a:t>
+            </a:r>
+            <a:r>
+              <a:rPr lang="ko-KR" altLang="en-US" dirty="0" smtClean="0"/>
+              <a:t> 저장된 프로필 </a:t>
+            </a:r>
+            <a:r>
+              <a:rPr lang="ko-KR" altLang="en-US" dirty="0" err="1" smtClean="0"/>
+              <a:t>사진표시</a:t>
+            </a:r>
+            <a:r>
+              <a:rPr lang="en-US" altLang="ko-KR" dirty="0" smtClean="0"/>
+              <a:t>(</a:t>
+            </a:r>
+            <a:r>
+              <a:rPr lang="ko-KR" altLang="en-US" dirty="0" smtClean="0"/>
+              <a:t>저장된 사진이 </a:t>
+            </a:r>
+            <a:r>
+              <a:rPr lang="ko-KR" altLang="en-US" dirty="0" err="1" smtClean="0"/>
+              <a:t>없을경우</a:t>
+            </a:r>
+            <a:r>
+              <a:rPr lang="ko-KR" altLang="en-US" dirty="0" smtClean="0"/>
+              <a:t> 기본 프로필 사진 출력</a:t>
+            </a:r>
+            <a:r>
+              <a:rPr lang="en-US" altLang="ko-KR" dirty="0" smtClean="0"/>
+              <a:t>)</a:t>
+            </a:r>
+          </a:p>
+        </p:txBody>
+      </p:sp>
+      <p:pic>
+        <p:nvPicPr>
+          <p:cNvPr id="5" name="그림 4"/>
+          <p:cNvPicPr>
+            <a:picLocks noChangeAspect="1"/>
+          </p:cNvPicPr>
+          <p:nvPr/>
+        </p:nvPicPr>
+        <p:blipFill>
+          <a:blip r:embed="rId2"/>
+          <a:stretch>
+            <a:fillRect/>
+          </a:stretch>
+        </p:blipFill>
+        <p:spPr>
+          <a:xfrm>
+            <a:off x="61546" y="1147363"/>
+            <a:ext cx="8001000" cy="5710637"/>
+          </a:xfrm>
+          <a:prstGeom prst="rect">
+            <a:avLst/>
+          </a:prstGeom>
+        </p:spPr>
+      </p:pic>
+    </p:spTree>
+    <p:extLst>
+      <p:ext uri="{BB962C8B-B14F-4D97-AF65-F5344CB8AC3E}">
+        <p14:creationId xmlns:p14="http://schemas.microsoft.com/office/powerpoint/2010/main" val="2056820878"/>
+      </p:ext>
+    </p:extLst>
+  </p:cSld>
+  <p:clrMapOvr>
+    <a:masterClrMapping/>
+  </p:clrMapOvr>
+</p:sld>
+</file>
+
+<file path=ppt/slides/slide18.xml><?xml version="1.0" encoding="utf-8"?>
+<p:sld xmlns:a="http://schemas.openxmlformats.org/drawingml/2006/main" xmlns:r="http://schemas.openxmlformats.org/officeDocument/2006/relationships" xmlns:p="http://schemas.openxmlformats.org/presentationml/2006/main">
+  <p:cSld>
+    <p:spTree>
+      <p:nvGrpSpPr>
+        <p:cNvPr id="1" name=""/>
+        <p:cNvGrpSpPr/>
+        <p:nvPr/>
+      </p:nvGrpSpPr>
+      <p:grpSpPr>
+        <a:xfrm>
+          <a:off x="0" y="0"/>
+          <a:ext cx="0" cy="0"/>
+          <a:chOff x="0" y="0"/>
+          <a:chExt cx="0" cy="0"/>
+        </a:xfrm>
+      </p:grpSpPr>
+      <p:pic>
+        <p:nvPicPr>
+          <p:cNvPr id="2" name="그림 1"/>
+          <p:cNvPicPr>
+            <a:picLocks noChangeAspect="1"/>
+          </p:cNvPicPr>
+          <p:nvPr/>
+        </p:nvPicPr>
+        <p:blipFill>
+          <a:blip r:embed="rId2"/>
+          <a:stretch>
+            <a:fillRect/>
+          </a:stretch>
+        </p:blipFill>
+        <p:spPr>
+          <a:xfrm>
+            <a:off x="0" y="1082811"/>
+            <a:ext cx="8126290" cy="5775189"/>
+          </a:xfrm>
+          <a:prstGeom prst="rect">
+            <a:avLst/>
+          </a:prstGeom>
+        </p:spPr>
+      </p:pic>
+      <p:sp>
+        <p:nvSpPr>
+          <p:cNvPr id="3" name="직사각형 2">
+            <a:extLst>
+              <a:ext uri="{FF2B5EF4-FFF2-40B4-BE49-F238E27FC236}">
+                <a16:creationId xmlns:a16="http://schemas.microsoft.com/office/drawing/2014/main" id="{79957536-6ADC-4293-5A6A-120A0477FA4D}"/>
+              </a:ext>
+            </a:extLst>
+          </p:cNvPr>
+          <p:cNvSpPr/>
+          <p:nvPr/>
+        </p:nvSpPr>
+        <p:spPr>
+          <a:xfrm>
+            <a:off x="159978" y="205993"/>
+            <a:ext cx="1315677" cy="697678"/>
+          </a:xfrm>
+          <a:prstGeom prst="rect">
+            <a:avLst/>
+          </a:prstGeom>
+        </p:spPr>
+        <p:style>
+          <a:lnRef idx="2">
+            <a:schemeClr val="accent1">
+              <a:shade val="50000"/>
+            </a:schemeClr>
+          </a:lnRef>
+          <a:fillRef idx="1">
+            <a:schemeClr val="accent1"/>
+          </a:fillRef>
+          <a:effectRef idx="0">
+            <a:schemeClr val="accent1"/>
+          </a:effectRef>
+          <a:fontRef idx="minor">
+            <a:schemeClr val="lt1"/>
+          </a:fontRef>
+        </p:style>
+        <p:txBody>
+          <a:bodyPr rtlCol="0" anchor="ctr"/>
+          <a:lstStyle/>
+          <a:p>
+            <a:pPr algn="ctr"/>
+            <a:r>
+              <a:rPr lang="en-US" altLang="ko-KR" sz="1100" dirty="0"/>
+              <a:t>Conference -2</a:t>
+            </a:r>
+          </a:p>
+          <a:p>
+            <a:pPr algn="ctr"/>
+            <a:r>
+              <a:rPr lang="en-US" altLang="ko-KR" sz="1100" dirty="0"/>
+              <a:t>(</a:t>
+            </a:r>
+            <a:r>
+              <a:rPr lang="ko-KR" altLang="en-US" sz="1100" dirty="0" err="1"/>
+              <a:t>화면공유및</a:t>
+            </a:r>
+            <a:endParaRPr lang="en-US" altLang="ko-KR" sz="1100" dirty="0"/>
+          </a:p>
+          <a:p>
+            <a:pPr algn="ctr"/>
+            <a:r>
+              <a:rPr lang="ko-KR" altLang="en-US" sz="1100" dirty="0" err="1"/>
+              <a:t>드로일기능사용시</a:t>
+            </a:r>
+            <a:r>
+              <a:rPr lang="en-US" altLang="ko-KR" sz="1100" dirty="0"/>
+              <a:t>)</a:t>
+            </a:r>
+            <a:endParaRPr lang="ko-KR" altLang="en-US" sz="1100" dirty="0"/>
+          </a:p>
+        </p:txBody>
+      </p:sp>
+      <p:sp>
+        <p:nvSpPr>
+          <p:cNvPr id="4" name="TextBox 3">
+            <a:extLst>
+              <a:ext uri="{FF2B5EF4-FFF2-40B4-BE49-F238E27FC236}">
+                <a16:creationId xmlns:a16="http://schemas.microsoft.com/office/drawing/2014/main" id="{A09F4A1E-B378-4E6C-FC72-EE50D9C6AF4B}"/>
+              </a:ext>
+            </a:extLst>
+          </p:cNvPr>
+          <p:cNvSpPr txBox="1"/>
+          <p:nvPr/>
+        </p:nvSpPr>
+        <p:spPr>
+          <a:xfrm>
+            <a:off x="8353833" y="624254"/>
+            <a:ext cx="3486476" cy="1477328"/>
+          </a:xfrm>
+          <a:prstGeom prst="rect">
+            <a:avLst/>
+          </a:prstGeom>
+          <a:noFill/>
+        </p:spPr>
+        <p:txBody>
+          <a:bodyPr wrap="square" rtlCol="0">
+            <a:spAutoFit/>
+          </a:bodyPr>
+          <a:lstStyle/>
+          <a:p>
+            <a:r>
+              <a:rPr lang="ko-KR" altLang="en-US" dirty="0" smtClean="0"/>
+              <a:t>기본</a:t>
+            </a:r>
+            <a:endParaRPr lang="en-US" altLang="ko-KR" dirty="0" smtClean="0"/>
+          </a:p>
+          <a:p>
+            <a:pPr marL="342900" indent="-342900">
+              <a:buAutoNum type="arabicPeriod"/>
+            </a:pPr>
+            <a:r>
+              <a:rPr lang="ko-KR" altLang="en-US" dirty="0" err="1" smtClean="0"/>
+              <a:t>화면공유</a:t>
+            </a:r>
+            <a:r>
+              <a:rPr lang="ko-KR" altLang="en-US" dirty="0" smtClean="0"/>
+              <a:t> 및 드로잉 기능 사용시 </a:t>
+            </a:r>
+            <a:r>
+              <a:rPr lang="en-US" altLang="ko-KR" dirty="0" smtClean="0"/>
+              <a:t>4*4</a:t>
+            </a:r>
+            <a:r>
+              <a:rPr lang="ko-KR" altLang="en-US" dirty="0" smtClean="0"/>
+              <a:t>에서 </a:t>
+            </a:r>
+            <a:r>
+              <a:rPr lang="en-US" altLang="ko-KR" dirty="0" smtClean="0"/>
+              <a:t>4*1</a:t>
+            </a:r>
+            <a:r>
+              <a:rPr lang="ko-KR" altLang="en-US" dirty="0" smtClean="0"/>
+              <a:t>로 변경</a:t>
+            </a:r>
+            <a:endParaRPr lang="en-US" altLang="ko-KR" dirty="0" smtClean="0"/>
+          </a:p>
+          <a:p>
+            <a:pPr marL="342900" indent="-342900">
+              <a:buAutoNum type="arabicPeriod"/>
+            </a:pPr>
+            <a:r>
+              <a:rPr lang="ko-KR" altLang="en-US" dirty="0" smtClean="0"/>
+              <a:t>드로잉 </a:t>
+            </a:r>
+            <a:r>
+              <a:rPr lang="ko-KR" altLang="en-US" dirty="0" err="1" smtClean="0"/>
+              <a:t>종료시</a:t>
+            </a:r>
+            <a:r>
+              <a:rPr lang="ko-KR" altLang="en-US" dirty="0" smtClean="0"/>
+              <a:t> 데이터 저장 여부를 묻는 </a:t>
+            </a:r>
+            <a:r>
+              <a:rPr lang="ko-KR" altLang="en-US" dirty="0" err="1" smtClean="0"/>
+              <a:t>모달창</a:t>
+            </a:r>
+            <a:r>
+              <a:rPr lang="ko-KR" altLang="en-US" dirty="0" smtClean="0"/>
+              <a:t> 생성</a:t>
+            </a:r>
+            <a:endParaRPr lang="en-US" altLang="ko-KR" dirty="0" smtClean="0"/>
+          </a:p>
+        </p:txBody>
+      </p:sp>
+    </p:spTree>
+    <p:extLst>
+      <p:ext uri="{BB962C8B-B14F-4D97-AF65-F5344CB8AC3E}">
+        <p14:creationId xmlns:p14="http://schemas.microsoft.com/office/powerpoint/2010/main" val="3166757898"/>
+      </p:ext>
+    </p:extLst>
+  </p:cSld>
+  <p:clrMapOvr>
+    <a:masterClrMapping/>
+  </p:clrMapOvr>
+</p:sld>
+</file>
+
+<file path=ppt/slides/slide19.xml><?xml version="1.0" encoding="utf-8"?>
+<p:sld xmlns:a="http://schemas.openxmlformats.org/drawingml/2006/main" xmlns:r="http://schemas.openxmlformats.org/officeDocument/2006/relationships" xmlns:p="http://schemas.openxmlformats.org/presentationml/2006/main">
+  <p:cSld>
+    <p:spTree>
+      <p:nvGrpSpPr>
+        <p:cNvPr id="1" name=""/>
+        <p:cNvGrpSpPr/>
+        <p:nvPr/>
+      </p:nvGrpSpPr>
+      <p:grpSpPr>
+        <a:xfrm>
+          <a:off x="0" y="0"/>
+          <a:ext cx="0" cy="0"/>
+          <a:chOff x="0" y="0"/>
+          <a:chExt cx="0" cy="0"/>
+        </a:xfrm>
+      </p:grpSpPr>
+      <p:pic>
+        <p:nvPicPr>
+          <p:cNvPr id="4" name="그림 3"/>
+          <p:cNvPicPr>
+            <a:picLocks noChangeAspect="1"/>
+          </p:cNvPicPr>
+          <p:nvPr/>
+        </p:nvPicPr>
+        <p:blipFill>
+          <a:blip r:embed="rId2"/>
+          <a:stretch>
+            <a:fillRect/>
+          </a:stretch>
+        </p:blipFill>
+        <p:spPr>
+          <a:xfrm>
+            <a:off x="131884" y="1105798"/>
+            <a:ext cx="7798777" cy="5602732"/>
+          </a:xfrm>
+          <a:prstGeom prst="rect">
+            <a:avLst/>
+          </a:prstGeom>
+        </p:spPr>
+      </p:pic>
+      <p:sp>
+        <p:nvSpPr>
+          <p:cNvPr id="5" name="직사각형 4">
+            <a:extLst>
+              <a:ext uri="{FF2B5EF4-FFF2-40B4-BE49-F238E27FC236}">
+                <a16:creationId xmlns:a16="http://schemas.microsoft.com/office/drawing/2014/main" id="{718206E4-1CF2-C83C-3E8F-FE28F94D3D39}"/>
+              </a:ext>
+            </a:extLst>
+          </p:cNvPr>
+          <p:cNvSpPr/>
+          <p:nvPr/>
+        </p:nvSpPr>
+        <p:spPr>
+          <a:xfrm>
+            <a:off x="266727" y="311093"/>
+            <a:ext cx="1536583" cy="638960"/>
+          </a:xfrm>
+          <a:prstGeom prst="rect">
+            <a:avLst/>
+          </a:prstGeom>
+        </p:spPr>
+        <p:style>
+          <a:lnRef idx="2">
+            <a:schemeClr val="accent1">
+              <a:shade val="50000"/>
+            </a:schemeClr>
+          </a:lnRef>
+          <a:fillRef idx="1">
+            <a:schemeClr val="accent1"/>
+          </a:fillRef>
+          <a:effectRef idx="0">
+            <a:schemeClr val="accent1"/>
+          </a:effectRef>
+          <a:fontRef idx="minor">
+            <a:schemeClr val="lt1"/>
+          </a:fontRef>
+        </p:style>
+        <p:txBody>
+          <a:bodyPr rtlCol="0" anchor="ctr"/>
+          <a:lstStyle/>
+          <a:p>
+            <a:pPr algn="ctr"/>
+            <a:r>
+              <a:rPr lang="en-US" altLang="ko-KR" sz="1100" dirty="0"/>
+              <a:t>Profile</a:t>
+            </a:r>
+          </a:p>
+          <a:p>
+            <a:pPr algn="ctr"/>
+            <a:r>
+              <a:rPr lang="en-US" altLang="ko-KR" sz="1100" dirty="0"/>
+              <a:t>(</a:t>
+            </a:r>
+            <a:r>
+              <a:rPr lang="ko-KR" altLang="en-US" sz="1100" dirty="0"/>
+              <a:t>지난회의이력조회</a:t>
+            </a:r>
+            <a:r>
+              <a:rPr lang="en-US" altLang="ko-KR" sz="1100" dirty="0"/>
+              <a:t>)</a:t>
+            </a:r>
+            <a:endParaRPr lang="ko-KR" altLang="en-US" sz="1100" dirty="0"/>
+          </a:p>
+        </p:txBody>
+      </p:sp>
+      <p:sp>
+        <p:nvSpPr>
+          <p:cNvPr id="6" name="TextBox 5">
+            <a:extLst>
+              <a:ext uri="{FF2B5EF4-FFF2-40B4-BE49-F238E27FC236}">
+                <a16:creationId xmlns:a16="http://schemas.microsoft.com/office/drawing/2014/main" id="{A09F4A1E-B378-4E6C-FC72-EE50D9C6AF4B}"/>
+              </a:ext>
+            </a:extLst>
+          </p:cNvPr>
+          <p:cNvSpPr txBox="1"/>
+          <p:nvPr/>
+        </p:nvSpPr>
+        <p:spPr>
+          <a:xfrm>
+            <a:off x="8239533" y="1105798"/>
+            <a:ext cx="3486476" cy="1477328"/>
+          </a:xfrm>
+          <a:prstGeom prst="rect">
+            <a:avLst/>
+          </a:prstGeom>
+          <a:noFill/>
+        </p:spPr>
+        <p:txBody>
+          <a:bodyPr wrap="square" rtlCol="0">
+            <a:spAutoFit/>
+          </a:bodyPr>
+          <a:lstStyle/>
+          <a:p>
+            <a:r>
+              <a:rPr lang="ko-KR" altLang="en-US" dirty="0" smtClean="0"/>
+              <a:t>기본</a:t>
+            </a:r>
+            <a:endParaRPr lang="en-US" altLang="ko-KR" dirty="0" smtClean="0"/>
+          </a:p>
+          <a:p>
+            <a:r>
+              <a:rPr lang="en-US" altLang="ko-KR" dirty="0" smtClean="0"/>
+              <a:t>1. Edit profile</a:t>
+            </a:r>
+            <a:r>
+              <a:rPr lang="ko-KR" altLang="en-US" dirty="0" smtClean="0"/>
+              <a:t>을 통해 개인정보 수정 가능</a:t>
+            </a:r>
+            <a:endParaRPr lang="en-US" altLang="ko-KR" dirty="0" smtClean="0"/>
+          </a:p>
+          <a:p>
+            <a:r>
+              <a:rPr lang="en-US" altLang="ko-KR" dirty="0" smtClean="0"/>
+              <a:t>2. </a:t>
+            </a:r>
+            <a:r>
+              <a:rPr lang="ko-KR" altLang="en-US" dirty="0" smtClean="0"/>
+              <a:t>완료한 프로젝트들을 확인 가능</a:t>
+            </a:r>
+            <a:r>
+              <a:rPr lang="en-US" altLang="ko-KR" dirty="0" smtClean="0"/>
+              <a:t>(</a:t>
+            </a:r>
+            <a:r>
+              <a:rPr lang="ko-KR" altLang="en-US" dirty="0" smtClean="0"/>
+              <a:t>데이터 </a:t>
+            </a:r>
+            <a:r>
+              <a:rPr lang="en-US" altLang="ko-KR" dirty="0" smtClean="0"/>
+              <a:t>30</a:t>
+            </a:r>
+            <a:r>
+              <a:rPr lang="ko-KR" altLang="en-US" dirty="0" smtClean="0"/>
+              <a:t>일 유지</a:t>
+            </a:r>
+            <a:r>
+              <a:rPr lang="en-US" altLang="ko-KR" dirty="0" smtClean="0"/>
+              <a:t>)</a:t>
+            </a:r>
+          </a:p>
+        </p:txBody>
+      </p:sp>
+    </p:spTree>
+    <p:extLst>
+      <p:ext uri="{BB962C8B-B14F-4D97-AF65-F5344CB8AC3E}">
+        <p14:creationId xmlns:p14="http://schemas.microsoft.com/office/powerpoint/2010/main" val="777536333"/>
+      </p:ext>
+    </p:extLst>
+  </p:cSld>
+  <p:clrMapOvr>
+    <a:masterClrMapping/>
+  </p:clrMapOvr>
+</p:sld>
+</file>
+
 <file path=ppt/slides/slide2.xml><?xml version="1.0" encoding="utf-8"?>
 <p:sld xmlns:a="http://schemas.openxmlformats.org/drawingml/2006/main" xmlns:r="http://schemas.openxmlformats.org/officeDocument/2006/relationships" xmlns:p="http://schemas.openxmlformats.org/presentationml/2006/main">
   <p:cSld>
@@ -7560,6 +8875,737 @@
     <p:extLst>
       <p:ext uri="{BB962C8B-B14F-4D97-AF65-F5344CB8AC3E}">
         <p14:creationId xmlns:p14="http://schemas.microsoft.com/office/powerpoint/2010/main" val="698669913"/>
+      </p:ext>
+    </p:extLst>
+  </p:cSld>
+  <p:clrMapOvr>
+    <a:masterClrMapping/>
+  </p:clrMapOvr>
+</p:sld>
+</file>
+
+<file path=ppt/slides/slide20.xml><?xml version="1.0" encoding="utf-8"?>
+<p:sld xmlns:a="http://schemas.openxmlformats.org/drawingml/2006/main" xmlns:r="http://schemas.openxmlformats.org/officeDocument/2006/relationships" xmlns:p="http://schemas.openxmlformats.org/presentationml/2006/main">
+  <p:cSld>
+    <p:spTree>
+      <p:nvGrpSpPr>
+        <p:cNvPr id="1" name=""/>
+        <p:cNvGrpSpPr/>
+        <p:nvPr/>
+      </p:nvGrpSpPr>
+      <p:grpSpPr>
+        <a:xfrm>
+          <a:off x="0" y="0"/>
+          <a:ext cx="0" cy="0"/>
+          <a:chOff x="0" y="0"/>
+          <a:chExt cx="0" cy="0"/>
+        </a:xfrm>
+      </p:grpSpPr>
+      <p:sp>
+        <p:nvSpPr>
+          <p:cNvPr id="2" name="직사각형 1">
+            <a:extLst>
+              <a:ext uri="{FF2B5EF4-FFF2-40B4-BE49-F238E27FC236}">
+                <a16:creationId xmlns:a16="http://schemas.microsoft.com/office/drawing/2014/main" id="{21CF0B59-5DA8-C04E-C016-D7A62B5FD3C9}"/>
+              </a:ext>
+            </a:extLst>
+          </p:cNvPr>
+          <p:cNvSpPr/>
+          <p:nvPr/>
+        </p:nvSpPr>
+        <p:spPr>
+          <a:xfrm>
+            <a:off x="124437" y="88371"/>
+            <a:ext cx="1174459" cy="402672"/>
+          </a:xfrm>
+          <a:prstGeom prst="rect">
+            <a:avLst/>
+          </a:prstGeom>
+        </p:spPr>
+        <p:style>
+          <a:lnRef idx="2">
+            <a:schemeClr val="accent1">
+              <a:shade val="50000"/>
+            </a:schemeClr>
+          </a:lnRef>
+          <a:fillRef idx="1">
+            <a:schemeClr val="accent1"/>
+          </a:fillRef>
+          <a:effectRef idx="0">
+            <a:schemeClr val="accent1"/>
+          </a:effectRef>
+          <a:fontRef idx="minor">
+            <a:schemeClr val="lt1"/>
+          </a:fontRef>
+        </p:style>
+        <p:txBody>
+          <a:bodyPr rtlCol="0" anchor="ctr"/>
+          <a:lstStyle/>
+          <a:p>
+            <a:pPr algn="ctr"/>
+            <a:r>
+              <a:rPr lang="en-US" altLang="ko-KR" sz="1100" dirty="0"/>
+              <a:t>main</a:t>
+            </a:r>
+          </a:p>
+        </p:txBody>
+      </p:sp>
+      <p:pic>
+        <p:nvPicPr>
+          <p:cNvPr id="3" name="그림 2"/>
+          <p:cNvPicPr>
+            <a:picLocks noChangeAspect="1"/>
+          </p:cNvPicPr>
+          <p:nvPr/>
+        </p:nvPicPr>
+        <p:blipFill>
+          <a:blip r:embed="rId2"/>
+          <a:stretch>
+            <a:fillRect/>
+          </a:stretch>
+        </p:blipFill>
+        <p:spPr>
+          <a:xfrm>
+            <a:off x="124438" y="931985"/>
+            <a:ext cx="8121730" cy="5784606"/>
+          </a:xfrm>
+          <a:prstGeom prst="rect">
+            <a:avLst/>
+          </a:prstGeom>
+        </p:spPr>
+      </p:pic>
+      <p:sp>
+        <p:nvSpPr>
+          <p:cNvPr id="4" name="TextBox 3">
+            <a:extLst>
+              <a:ext uri="{FF2B5EF4-FFF2-40B4-BE49-F238E27FC236}">
+                <a16:creationId xmlns:a16="http://schemas.microsoft.com/office/drawing/2014/main" id="{A09F4A1E-B378-4E6C-FC72-EE50D9C6AF4B}"/>
+              </a:ext>
+            </a:extLst>
+          </p:cNvPr>
+          <p:cNvSpPr txBox="1"/>
+          <p:nvPr/>
+        </p:nvSpPr>
+        <p:spPr>
+          <a:xfrm>
+            <a:off x="8406586" y="931985"/>
+            <a:ext cx="3486476" cy="2585323"/>
+          </a:xfrm>
+          <a:prstGeom prst="rect">
+            <a:avLst/>
+          </a:prstGeom>
+          <a:noFill/>
+        </p:spPr>
+        <p:txBody>
+          <a:bodyPr wrap="square" rtlCol="0">
+            <a:spAutoFit/>
+          </a:bodyPr>
+          <a:lstStyle/>
+          <a:p>
+            <a:r>
+              <a:rPr lang="ko-KR" altLang="en-US" dirty="0" smtClean="0"/>
+              <a:t>기본</a:t>
+            </a:r>
+            <a:endParaRPr lang="en-US" altLang="ko-KR" dirty="0" smtClean="0"/>
+          </a:p>
+          <a:p>
+            <a:r>
+              <a:rPr lang="en-US" altLang="ko-KR" dirty="0" smtClean="0"/>
+              <a:t>1. + </a:t>
+            </a:r>
+            <a:r>
+              <a:rPr lang="ko-KR" altLang="en-US" dirty="0" smtClean="0"/>
+              <a:t>버튼 </a:t>
+            </a:r>
+            <a:r>
+              <a:rPr lang="ko-KR" altLang="en-US" dirty="0" err="1" smtClean="0"/>
+              <a:t>클릭시</a:t>
+            </a:r>
+            <a:r>
+              <a:rPr lang="ko-KR" altLang="en-US" dirty="0" smtClean="0"/>
+              <a:t> 프로젝트 방 생성</a:t>
+            </a:r>
+            <a:endParaRPr lang="en-US" altLang="ko-KR" dirty="0" smtClean="0"/>
+          </a:p>
+          <a:p>
+            <a:r>
+              <a:rPr lang="en-US" altLang="ko-KR" dirty="0" smtClean="0"/>
+              <a:t>2. </a:t>
+            </a:r>
+            <a:r>
+              <a:rPr lang="ko-KR" altLang="en-US" dirty="0" err="1" smtClean="0"/>
+              <a:t>검색창을</a:t>
+            </a:r>
+            <a:r>
+              <a:rPr lang="ko-KR" altLang="en-US" dirty="0" smtClean="0"/>
+              <a:t> 통해 진행중인 프로젝트 검색 가능 </a:t>
+            </a:r>
+            <a:endParaRPr lang="en-US" altLang="ko-KR" dirty="0" smtClean="0"/>
+          </a:p>
+          <a:p>
+            <a:r>
+              <a:rPr lang="en-US" altLang="ko-KR" dirty="0" smtClean="0"/>
+              <a:t>3. </a:t>
+            </a:r>
+            <a:r>
+              <a:rPr lang="ko-KR" altLang="en-US" dirty="0" smtClean="0"/>
+              <a:t>진행중인 프로젝트의 </a:t>
+            </a:r>
+            <a:r>
+              <a:rPr lang="ko-KR" altLang="en-US" dirty="0" err="1" smtClean="0"/>
+              <a:t>호스트랑</a:t>
+            </a:r>
+            <a:r>
+              <a:rPr lang="ko-KR" altLang="en-US" dirty="0" smtClean="0"/>
+              <a:t> </a:t>
+            </a:r>
+            <a:r>
+              <a:rPr lang="ko-KR" altLang="en-US" dirty="0" err="1" smtClean="0"/>
+              <a:t>맴버수</a:t>
+            </a:r>
+            <a:r>
+              <a:rPr lang="ko-KR" altLang="en-US" dirty="0" smtClean="0"/>
+              <a:t> 현재 미팅 진행중인지를 표시 </a:t>
+            </a:r>
+            <a:endParaRPr lang="en-US" altLang="ko-KR" dirty="0" smtClean="0"/>
+          </a:p>
+          <a:p>
+            <a:r>
+              <a:rPr lang="en-US" altLang="ko-KR" smtClean="0"/>
+              <a:t>4. </a:t>
+            </a:r>
+            <a:endParaRPr lang="en-US" altLang="ko-KR" dirty="0" smtClean="0"/>
+          </a:p>
+        </p:txBody>
+      </p:sp>
+    </p:spTree>
+    <p:extLst>
+      <p:ext uri="{BB962C8B-B14F-4D97-AF65-F5344CB8AC3E}">
+        <p14:creationId xmlns:p14="http://schemas.microsoft.com/office/powerpoint/2010/main" val="816280791"/>
+      </p:ext>
+    </p:extLst>
+  </p:cSld>
+  <p:clrMapOvr>
+    <a:masterClrMapping/>
+  </p:clrMapOvr>
+</p:sld>
+</file>
+
+<file path=ppt/slides/slide21.xml><?xml version="1.0" encoding="utf-8"?>
+<p:sld xmlns:a="http://schemas.openxmlformats.org/drawingml/2006/main" xmlns:r="http://schemas.openxmlformats.org/officeDocument/2006/relationships" xmlns:p="http://schemas.openxmlformats.org/presentationml/2006/main">
+  <p:cSld>
+    <p:spTree>
+      <p:nvGrpSpPr>
+        <p:cNvPr id="1" name=""/>
+        <p:cNvGrpSpPr/>
+        <p:nvPr/>
+      </p:nvGrpSpPr>
+      <p:grpSpPr>
+        <a:xfrm>
+          <a:off x="0" y="0"/>
+          <a:ext cx="0" cy="0"/>
+          <a:chOff x="0" y="0"/>
+          <a:chExt cx="0" cy="0"/>
+        </a:xfrm>
+      </p:grpSpPr>
+      <p:sp>
+        <p:nvSpPr>
+          <p:cNvPr id="2" name="직사각형 1">
+            <a:extLst>
+              <a:ext uri="{FF2B5EF4-FFF2-40B4-BE49-F238E27FC236}">
+                <a16:creationId xmlns:a16="http://schemas.microsoft.com/office/drawing/2014/main" id="{21CF0B59-5DA8-C04E-C016-D7A62B5FD3C9}"/>
+              </a:ext>
+            </a:extLst>
+          </p:cNvPr>
+          <p:cNvSpPr/>
+          <p:nvPr/>
+        </p:nvSpPr>
+        <p:spPr>
+          <a:xfrm>
+            <a:off x="124437" y="88371"/>
+            <a:ext cx="1174459" cy="402672"/>
+          </a:xfrm>
+          <a:prstGeom prst="rect">
+            <a:avLst/>
+          </a:prstGeom>
+        </p:spPr>
+        <p:style>
+          <a:lnRef idx="2">
+            <a:schemeClr val="accent1">
+              <a:shade val="50000"/>
+            </a:schemeClr>
+          </a:lnRef>
+          <a:fillRef idx="1">
+            <a:schemeClr val="accent1"/>
+          </a:fillRef>
+          <a:effectRef idx="0">
+            <a:schemeClr val="accent1"/>
+          </a:effectRef>
+          <a:fontRef idx="minor">
+            <a:schemeClr val="lt1"/>
+          </a:fontRef>
+        </p:style>
+        <p:txBody>
+          <a:bodyPr rtlCol="0" anchor="ctr"/>
+          <a:lstStyle/>
+          <a:p>
+            <a:pPr algn="ctr"/>
+            <a:r>
+              <a:rPr lang="en-US" altLang="ko-KR" sz="1100" dirty="0" smtClean="0"/>
+              <a:t>Edit-profile</a:t>
+            </a:r>
+            <a:endParaRPr lang="en-US" altLang="ko-KR" sz="1100" dirty="0"/>
+          </a:p>
+        </p:txBody>
+      </p:sp>
+      <p:pic>
+        <p:nvPicPr>
+          <p:cNvPr id="3" name="그림 2"/>
+          <p:cNvPicPr>
+            <a:picLocks noChangeAspect="1"/>
+          </p:cNvPicPr>
+          <p:nvPr/>
+        </p:nvPicPr>
+        <p:blipFill>
+          <a:blip r:embed="rId2"/>
+          <a:stretch>
+            <a:fillRect/>
+          </a:stretch>
+        </p:blipFill>
+        <p:spPr>
+          <a:xfrm>
+            <a:off x="234827" y="1719628"/>
+            <a:ext cx="6642530" cy="4795471"/>
+          </a:xfrm>
+          <a:prstGeom prst="rect">
+            <a:avLst/>
+          </a:prstGeom>
+        </p:spPr>
+      </p:pic>
+    </p:spTree>
+    <p:extLst>
+      <p:ext uri="{BB962C8B-B14F-4D97-AF65-F5344CB8AC3E}">
+        <p14:creationId xmlns:p14="http://schemas.microsoft.com/office/powerpoint/2010/main" val="1376683633"/>
+      </p:ext>
+    </p:extLst>
+  </p:cSld>
+  <p:clrMapOvr>
+    <a:masterClrMapping/>
+  </p:clrMapOvr>
+</p:sld>
+</file>
+
+<file path=ppt/slides/slide22.xml><?xml version="1.0" encoding="utf-8"?>
+<p:sld xmlns:a="http://schemas.openxmlformats.org/drawingml/2006/main" xmlns:r="http://schemas.openxmlformats.org/officeDocument/2006/relationships" xmlns:p="http://schemas.openxmlformats.org/presentationml/2006/main">
+  <p:cSld>
+    <p:spTree>
+      <p:nvGrpSpPr>
+        <p:cNvPr id="1" name=""/>
+        <p:cNvGrpSpPr/>
+        <p:nvPr/>
+      </p:nvGrpSpPr>
+      <p:grpSpPr>
+        <a:xfrm>
+          <a:off x="0" y="0"/>
+          <a:ext cx="0" cy="0"/>
+          <a:chOff x="0" y="0"/>
+          <a:chExt cx="0" cy="0"/>
+        </a:xfrm>
+      </p:grpSpPr>
+      <p:sp>
+        <p:nvSpPr>
+          <p:cNvPr id="2" name="직사각형 1">
+            <a:extLst>
+              <a:ext uri="{FF2B5EF4-FFF2-40B4-BE49-F238E27FC236}">
+                <a16:creationId xmlns:a16="http://schemas.microsoft.com/office/drawing/2014/main" id="{21CF0B59-5DA8-C04E-C016-D7A62B5FD3C9}"/>
+              </a:ext>
+            </a:extLst>
+          </p:cNvPr>
+          <p:cNvSpPr/>
+          <p:nvPr/>
+        </p:nvSpPr>
+        <p:spPr>
+          <a:xfrm>
+            <a:off x="124437" y="88371"/>
+            <a:ext cx="1174459" cy="402672"/>
+          </a:xfrm>
+          <a:prstGeom prst="rect">
+            <a:avLst/>
+          </a:prstGeom>
+        </p:spPr>
+        <p:style>
+          <a:lnRef idx="2">
+            <a:schemeClr val="accent1">
+              <a:shade val="50000"/>
+            </a:schemeClr>
+          </a:lnRef>
+          <a:fillRef idx="1">
+            <a:schemeClr val="accent1"/>
+          </a:fillRef>
+          <a:effectRef idx="0">
+            <a:schemeClr val="accent1"/>
+          </a:effectRef>
+          <a:fontRef idx="minor">
+            <a:schemeClr val="lt1"/>
+          </a:fontRef>
+        </p:style>
+        <p:txBody>
+          <a:bodyPr rtlCol="0" anchor="ctr"/>
+          <a:lstStyle/>
+          <a:p>
+            <a:pPr algn="ctr"/>
+            <a:r>
+              <a:rPr lang="en-US" altLang="ko-KR" sz="1100" dirty="0" smtClean="0"/>
+              <a:t>Detail-Host</a:t>
+            </a:r>
+            <a:endParaRPr lang="en-US" altLang="ko-KR" sz="1100" dirty="0"/>
+          </a:p>
+        </p:txBody>
+      </p:sp>
+      <p:pic>
+        <p:nvPicPr>
+          <p:cNvPr id="4" name="그림 3"/>
+          <p:cNvPicPr>
+            <a:picLocks noChangeAspect="1"/>
+          </p:cNvPicPr>
+          <p:nvPr/>
+        </p:nvPicPr>
+        <p:blipFill>
+          <a:blip r:embed="rId2"/>
+          <a:stretch>
+            <a:fillRect/>
+          </a:stretch>
+        </p:blipFill>
+        <p:spPr>
+          <a:xfrm>
+            <a:off x="380268" y="1784838"/>
+            <a:ext cx="6970629" cy="4957762"/>
+          </a:xfrm>
+          <a:prstGeom prst="rect">
+            <a:avLst/>
+          </a:prstGeom>
+        </p:spPr>
+      </p:pic>
+    </p:spTree>
+    <p:extLst>
+      <p:ext uri="{BB962C8B-B14F-4D97-AF65-F5344CB8AC3E}">
+        <p14:creationId xmlns:p14="http://schemas.microsoft.com/office/powerpoint/2010/main" val="3152606385"/>
+      </p:ext>
+    </p:extLst>
+  </p:cSld>
+  <p:clrMapOvr>
+    <a:masterClrMapping/>
+  </p:clrMapOvr>
+</p:sld>
+</file>
+
+<file path=ppt/slides/slide23.xml><?xml version="1.0" encoding="utf-8"?>
+<p:sld xmlns:a="http://schemas.openxmlformats.org/drawingml/2006/main" xmlns:r="http://schemas.openxmlformats.org/officeDocument/2006/relationships" xmlns:p="http://schemas.openxmlformats.org/presentationml/2006/main">
+  <p:cSld>
+    <p:spTree>
+      <p:nvGrpSpPr>
+        <p:cNvPr id="1" name=""/>
+        <p:cNvGrpSpPr/>
+        <p:nvPr/>
+      </p:nvGrpSpPr>
+      <p:grpSpPr>
+        <a:xfrm>
+          <a:off x="0" y="0"/>
+          <a:ext cx="0" cy="0"/>
+          <a:chOff x="0" y="0"/>
+          <a:chExt cx="0" cy="0"/>
+        </a:xfrm>
+      </p:grpSpPr>
+      <p:sp>
+        <p:nvSpPr>
+          <p:cNvPr id="2" name="직사각형 1">
+            <a:extLst>
+              <a:ext uri="{FF2B5EF4-FFF2-40B4-BE49-F238E27FC236}">
+                <a16:creationId xmlns:a16="http://schemas.microsoft.com/office/drawing/2014/main" id="{21CF0B59-5DA8-C04E-C016-D7A62B5FD3C9}"/>
+              </a:ext>
+            </a:extLst>
+          </p:cNvPr>
+          <p:cNvSpPr/>
+          <p:nvPr/>
+        </p:nvSpPr>
+        <p:spPr>
+          <a:xfrm>
+            <a:off x="124437" y="88371"/>
+            <a:ext cx="1174459" cy="402672"/>
+          </a:xfrm>
+          <a:prstGeom prst="rect">
+            <a:avLst/>
+          </a:prstGeom>
+        </p:spPr>
+        <p:style>
+          <a:lnRef idx="2">
+            <a:schemeClr val="accent1">
+              <a:shade val="50000"/>
+            </a:schemeClr>
+          </a:lnRef>
+          <a:fillRef idx="1">
+            <a:schemeClr val="accent1"/>
+          </a:fillRef>
+          <a:effectRef idx="0">
+            <a:schemeClr val="accent1"/>
+          </a:effectRef>
+          <a:fontRef idx="minor">
+            <a:schemeClr val="lt1"/>
+          </a:fontRef>
+        </p:style>
+        <p:txBody>
+          <a:bodyPr rtlCol="0" anchor="ctr"/>
+          <a:lstStyle/>
+          <a:p>
+            <a:pPr algn="ctr"/>
+            <a:r>
+              <a:rPr lang="en-US" altLang="ko-KR" sz="1100" dirty="0" smtClean="0"/>
+              <a:t>Detail-User</a:t>
+            </a:r>
+            <a:endParaRPr lang="en-US" altLang="ko-KR" sz="1100" dirty="0"/>
+          </a:p>
+        </p:txBody>
+      </p:sp>
+      <p:pic>
+        <p:nvPicPr>
+          <p:cNvPr id="4" name="그림 3"/>
+          <p:cNvPicPr>
+            <a:picLocks noChangeAspect="1"/>
+          </p:cNvPicPr>
+          <p:nvPr/>
+        </p:nvPicPr>
+        <p:blipFill>
+          <a:blip r:embed="rId2"/>
+          <a:stretch>
+            <a:fillRect/>
+          </a:stretch>
+        </p:blipFill>
+        <p:spPr>
+          <a:xfrm>
+            <a:off x="223471" y="1804131"/>
+            <a:ext cx="6616944" cy="4727455"/>
+          </a:xfrm>
+          <a:prstGeom prst="rect">
+            <a:avLst/>
+          </a:prstGeom>
+        </p:spPr>
+      </p:pic>
+    </p:spTree>
+    <p:extLst>
+      <p:ext uri="{BB962C8B-B14F-4D97-AF65-F5344CB8AC3E}">
+        <p14:creationId xmlns:p14="http://schemas.microsoft.com/office/powerpoint/2010/main" val="943581933"/>
+      </p:ext>
+    </p:extLst>
+  </p:cSld>
+  <p:clrMapOvr>
+    <a:masterClrMapping/>
+  </p:clrMapOvr>
+</p:sld>
+</file>
+
+<file path=ppt/slides/slide24.xml><?xml version="1.0" encoding="utf-8"?>
+<p:sld xmlns:a="http://schemas.openxmlformats.org/drawingml/2006/main" xmlns:r="http://schemas.openxmlformats.org/officeDocument/2006/relationships" xmlns:p="http://schemas.openxmlformats.org/presentationml/2006/main">
+  <p:cSld>
+    <p:spTree>
+      <p:nvGrpSpPr>
+        <p:cNvPr id="1" name=""/>
+        <p:cNvGrpSpPr/>
+        <p:nvPr/>
+      </p:nvGrpSpPr>
+      <p:grpSpPr>
+        <a:xfrm>
+          <a:off x="0" y="0"/>
+          <a:ext cx="0" cy="0"/>
+          <a:chOff x="0" y="0"/>
+          <a:chExt cx="0" cy="0"/>
+        </a:xfrm>
+      </p:grpSpPr>
+      <p:sp>
+        <p:nvSpPr>
+          <p:cNvPr id="2" name="직사각형 1">
+            <a:extLst>
+              <a:ext uri="{FF2B5EF4-FFF2-40B4-BE49-F238E27FC236}">
+                <a16:creationId xmlns:a16="http://schemas.microsoft.com/office/drawing/2014/main" id="{21CF0B59-5DA8-C04E-C016-D7A62B5FD3C9}"/>
+              </a:ext>
+            </a:extLst>
+          </p:cNvPr>
+          <p:cNvSpPr/>
+          <p:nvPr/>
+        </p:nvSpPr>
+        <p:spPr>
+          <a:xfrm>
+            <a:off x="124437" y="88371"/>
+            <a:ext cx="1174459" cy="402672"/>
+          </a:xfrm>
+          <a:prstGeom prst="rect">
+            <a:avLst/>
+          </a:prstGeom>
+        </p:spPr>
+        <p:style>
+          <a:lnRef idx="2">
+            <a:schemeClr val="accent1">
+              <a:shade val="50000"/>
+            </a:schemeClr>
+          </a:lnRef>
+          <a:fillRef idx="1">
+            <a:schemeClr val="accent1"/>
+          </a:fillRef>
+          <a:effectRef idx="0">
+            <a:schemeClr val="accent1"/>
+          </a:effectRef>
+          <a:fontRef idx="minor">
+            <a:schemeClr val="lt1"/>
+          </a:fontRef>
+        </p:style>
+        <p:txBody>
+          <a:bodyPr rtlCol="0" anchor="ctr"/>
+          <a:lstStyle/>
+          <a:p>
+            <a:pPr algn="ctr"/>
+            <a:r>
+              <a:rPr lang="en-US" altLang="ko-KR" sz="1100" dirty="0" smtClean="0"/>
+              <a:t>Detail-</a:t>
+            </a:r>
+            <a:r>
+              <a:rPr lang="en-US" altLang="ko-KR" sz="1100" dirty="0" err="1" smtClean="0"/>
+              <a:t>endproject</a:t>
+            </a:r>
+            <a:endParaRPr lang="en-US" altLang="ko-KR" sz="1100" dirty="0"/>
+          </a:p>
+        </p:txBody>
+      </p:sp>
+      <p:pic>
+        <p:nvPicPr>
+          <p:cNvPr id="4" name="그림 3"/>
+          <p:cNvPicPr>
+            <a:picLocks noChangeAspect="1"/>
+          </p:cNvPicPr>
+          <p:nvPr/>
+        </p:nvPicPr>
+        <p:blipFill>
+          <a:blip r:embed="rId2"/>
+          <a:stretch>
+            <a:fillRect/>
+          </a:stretch>
+        </p:blipFill>
+        <p:spPr>
+          <a:xfrm>
+            <a:off x="382099" y="1872762"/>
+            <a:ext cx="6176877" cy="4740885"/>
+          </a:xfrm>
+          <a:prstGeom prst="rect">
+            <a:avLst/>
+          </a:prstGeom>
+        </p:spPr>
+      </p:pic>
+    </p:spTree>
+    <p:extLst>
+      <p:ext uri="{BB962C8B-B14F-4D97-AF65-F5344CB8AC3E}">
+        <p14:creationId xmlns:p14="http://schemas.microsoft.com/office/powerpoint/2010/main" val="2811070023"/>
+      </p:ext>
+    </p:extLst>
+  </p:cSld>
+  <p:clrMapOvr>
+    <a:masterClrMapping/>
+  </p:clrMapOvr>
+</p:sld>
+</file>
+
+<file path=ppt/slides/slide25.xml><?xml version="1.0" encoding="utf-8"?>
+<p:sld xmlns:a="http://schemas.openxmlformats.org/drawingml/2006/main" xmlns:r="http://schemas.openxmlformats.org/officeDocument/2006/relationships" xmlns:p="http://schemas.openxmlformats.org/presentationml/2006/main">
+  <p:cSld>
+    <p:spTree>
+      <p:nvGrpSpPr>
+        <p:cNvPr id="1" name=""/>
+        <p:cNvGrpSpPr/>
+        <p:nvPr/>
+      </p:nvGrpSpPr>
+      <p:grpSpPr>
+        <a:xfrm>
+          <a:off x="0" y="0"/>
+          <a:ext cx="0" cy="0"/>
+          <a:chOff x="0" y="0"/>
+          <a:chExt cx="0" cy="0"/>
+        </a:xfrm>
+      </p:grpSpPr>
+      <p:sp>
+        <p:nvSpPr>
+          <p:cNvPr id="2" name="직사각형 1">
+            <a:extLst>
+              <a:ext uri="{FF2B5EF4-FFF2-40B4-BE49-F238E27FC236}">
+                <a16:creationId xmlns:a16="http://schemas.microsoft.com/office/drawing/2014/main" id="{21CF0B59-5DA8-C04E-C016-D7A62B5FD3C9}"/>
+              </a:ext>
+            </a:extLst>
+          </p:cNvPr>
+          <p:cNvSpPr/>
+          <p:nvPr/>
+        </p:nvSpPr>
+        <p:spPr>
+          <a:xfrm>
+            <a:off x="124437" y="88371"/>
+            <a:ext cx="1174459" cy="402672"/>
+          </a:xfrm>
+          <a:prstGeom prst="rect">
+            <a:avLst/>
+          </a:prstGeom>
+        </p:spPr>
+        <p:style>
+          <a:lnRef idx="2">
+            <a:schemeClr val="accent1">
+              <a:shade val="50000"/>
+            </a:schemeClr>
+          </a:lnRef>
+          <a:fillRef idx="1">
+            <a:schemeClr val="accent1"/>
+          </a:fillRef>
+          <a:effectRef idx="0">
+            <a:schemeClr val="accent1"/>
+          </a:effectRef>
+          <a:fontRef idx="minor">
+            <a:schemeClr val="lt1"/>
+          </a:fontRef>
+        </p:style>
+        <p:txBody>
+          <a:bodyPr rtlCol="0" anchor="ctr"/>
+          <a:lstStyle/>
+          <a:p>
+            <a:pPr algn="ctr"/>
+            <a:r>
+              <a:rPr lang="ko-KR" altLang="en-US" sz="1100" dirty="0" err="1" smtClean="0"/>
+              <a:t>초대창</a:t>
+            </a:r>
+            <a:endParaRPr lang="en-US" altLang="ko-KR" sz="1100" dirty="0"/>
+          </a:p>
+        </p:txBody>
+      </p:sp>
+      <p:pic>
+        <p:nvPicPr>
+          <p:cNvPr id="4" name="그림 3"/>
+          <p:cNvPicPr>
+            <a:picLocks noChangeAspect="1"/>
+          </p:cNvPicPr>
+          <p:nvPr/>
+        </p:nvPicPr>
+        <p:blipFill>
+          <a:blip r:embed="rId2"/>
+          <a:stretch>
+            <a:fillRect/>
+          </a:stretch>
+        </p:blipFill>
+        <p:spPr>
+          <a:xfrm>
+            <a:off x="203322" y="1876791"/>
+            <a:ext cx="6791325" cy="4810125"/>
+          </a:xfrm>
+          <a:prstGeom prst="rect">
+            <a:avLst/>
+          </a:prstGeom>
+        </p:spPr>
+      </p:pic>
+    </p:spTree>
+    <p:extLst>
+      <p:ext uri="{BB962C8B-B14F-4D97-AF65-F5344CB8AC3E}">
+        <p14:creationId xmlns:p14="http://schemas.microsoft.com/office/powerpoint/2010/main" val="3550540996"/>
       </p:ext>
     </p:extLst>
   </p:cSld>
@@ -9785,10 +11831,10 @@
       </p:sp>
       <p:sp>
         <p:nvSpPr>
-          <p:cNvPr id="24" name="직사각형 23">
-            <a:extLst>
-              <a:ext uri="{FF2B5EF4-FFF2-40B4-BE49-F238E27FC236}">
-                <a16:creationId xmlns:a16="http://schemas.microsoft.com/office/drawing/2014/main" id="{9BB426BB-6D45-6028-8223-2748A589A96F}"/>
+          <p:cNvPr id="26" name="직사각형 25">
+            <a:extLst>
+              <a:ext uri="{FF2B5EF4-FFF2-40B4-BE49-F238E27FC236}">
+                <a16:creationId xmlns:a16="http://schemas.microsoft.com/office/drawing/2014/main" id="{6808A639-61F5-3058-EB21-7D1D2996CF8C}"/>
               </a:ext>
             </a:extLst>
           </p:cNvPr>
@@ -9797,8 +11843,8 @@
         </p:nvSpPr>
         <p:spPr>
           <a:xfrm>
-            <a:off x="471884" y="1087312"/>
-            <a:ext cx="1174459" cy="5073752"/>
+            <a:off x="1982163" y="1673042"/>
+            <a:ext cx="2288800" cy="1511411"/>
           </a:xfrm>
           <a:prstGeom prst="rect">
             <a:avLst/>
@@ -9826,54 +11872,26 @@
           <a:p>
             <a:pPr algn="ctr"/>
             <a:r>
-              <a:rPr lang="en-US" altLang="ko-KR" sz="1100" dirty="0"/>
-              <a:t>Sidebar</a:t>
-            </a:r>
-          </a:p>
-          <a:p>
-            <a:pPr algn="ctr"/>
-            <a:endParaRPr lang="en-US" altLang="ko-KR" sz="1100" dirty="0"/>
-          </a:p>
-          <a:p>
-            <a:pPr algn="ctr"/>
-            <a:endParaRPr lang="en-US" altLang="ko-KR" sz="1100" dirty="0"/>
-          </a:p>
-          <a:p>
-            <a:pPr algn="ctr"/>
-            <a:r>
-              <a:rPr lang="ko-KR" altLang="en-US" sz="1100" dirty="0"/>
-              <a:t>홈</a:t>
-            </a:r>
-            <a:endParaRPr lang="en-US" altLang="ko-KR" sz="1100" dirty="0"/>
-          </a:p>
-          <a:p>
-            <a:pPr algn="ctr"/>
-            <a:r>
-              <a:rPr lang="ko-KR" altLang="en-US" sz="1100" dirty="0"/>
-              <a:t>지난회의 이력</a:t>
-            </a:r>
-            <a:endParaRPr lang="en-US" altLang="ko-KR" sz="1100" dirty="0"/>
-          </a:p>
-          <a:p>
-            <a:pPr algn="ctr"/>
-            <a:endParaRPr lang="en-US" altLang="ko-KR" sz="1100" dirty="0"/>
-          </a:p>
-          <a:p>
-            <a:pPr algn="ctr"/>
-            <a:endParaRPr lang="en-US" altLang="ko-KR" sz="1100" dirty="0"/>
-          </a:p>
-          <a:p>
-            <a:pPr algn="ctr"/>
-            <a:endParaRPr lang="ko-KR" altLang="en-US" sz="1100" dirty="0"/>
-          </a:p>
-        </p:txBody>
-      </p:sp>
-      <p:sp>
-        <p:nvSpPr>
-          <p:cNvPr id="25" name="직사각형 24">
-            <a:extLst>
-              <a:ext uri="{FF2B5EF4-FFF2-40B4-BE49-F238E27FC236}">
-                <a16:creationId xmlns:a16="http://schemas.microsoft.com/office/drawing/2014/main" id="{62DAB0CF-356B-4835-BB1F-7E4C27AD6A49}"/>
+              <a:rPr lang="en-US" altLang="ko-KR" sz="6600" dirty="0"/>
+              <a:t>+</a:t>
+            </a:r>
+          </a:p>
+          <a:p>
+            <a:pPr algn="ctr"/>
+            <a:r>
+              <a:rPr lang="ko-KR" altLang="en-US" dirty="0" err="1"/>
+              <a:t>방생성</a:t>
+            </a:r>
+            <a:endParaRPr lang="ko-KR" altLang="en-US" dirty="0"/>
+          </a:p>
+        </p:txBody>
+      </p:sp>
+      <p:sp>
+        <p:nvSpPr>
+          <p:cNvPr id="27" name="직사각형 26">
+            <a:extLst>
+              <a:ext uri="{FF2B5EF4-FFF2-40B4-BE49-F238E27FC236}">
+                <a16:creationId xmlns:a16="http://schemas.microsoft.com/office/drawing/2014/main" id="{DA25C2C3-B06C-C12E-B85F-487AAB18838B}"/>
               </a:ext>
             </a:extLst>
           </p:cNvPr>
@@ -9882,8 +11900,8 @@
         </p:nvSpPr>
         <p:spPr>
           <a:xfrm>
-            <a:off x="1519802" y="6418785"/>
-            <a:ext cx="9771779" cy="402672"/>
+            <a:off x="4943477" y="1663254"/>
+            <a:ext cx="2288800" cy="1511411"/>
           </a:xfrm>
           <a:prstGeom prst="rect">
             <a:avLst/>
@@ -9911,19 +11929,27 @@
           <a:p>
             <a:pPr algn="ctr"/>
             <a:r>
-              <a:rPr lang="en-US" altLang="ko-KR" sz="1100" dirty="0"/>
-              <a:t>footer</a:t>
-            </a:r>
-            <a:endParaRPr lang="ko-KR" altLang="en-US" sz="1100" dirty="0"/>
-          </a:p>
-        </p:txBody>
-      </p:sp>
-      <p:sp>
-        <p:nvSpPr>
-          <p:cNvPr id="26" name="직사각형 25">
-            <a:extLst>
-              <a:ext uri="{FF2B5EF4-FFF2-40B4-BE49-F238E27FC236}">
-                <a16:creationId xmlns:a16="http://schemas.microsoft.com/office/drawing/2014/main" id="{6808A639-61F5-3058-EB21-7D1D2996CF8C}"/>
+              <a:rPr lang="en-US" altLang="ko-KR" dirty="0"/>
+              <a:t>Project</a:t>
+            </a:r>
+            <a:r>
+              <a:rPr lang="ko-KR" altLang="en-US" dirty="0"/>
+              <a:t> </a:t>
+            </a:r>
+            <a:r>
+              <a:rPr lang="en-US" altLang="ko-KR" dirty="0"/>
+              <a:t>room</a:t>
+            </a:r>
+            <a:endParaRPr lang="ko-KR" altLang="en-US" dirty="0"/>
+          </a:p>
+        </p:txBody>
+      </p:sp>
+      <p:sp>
+        <p:nvSpPr>
+          <p:cNvPr id="28" name="직사각형 27">
+            <a:extLst>
+              <a:ext uri="{FF2B5EF4-FFF2-40B4-BE49-F238E27FC236}">
+                <a16:creationId xmlns:a16="http://schemas.microsoft.com/office/drawing/2014/main" id="{7EFDFD3E-572E-4E6A-1EA4-7DD21EDD9AD8}"/>
               </a:ext>
             </a:extLst>
           </p:cNvPr>
@@ -9932,7 +11958,7 @@
         </p:nvSpPr>
         <p:spPr>
           <a:xfrm>
-            <a:off x="2281101" y="1593911"/>
+            <a:off x="7885913" y="1663255"/>
             <a:ext cx="2288800" cy="1511411"/>
           </a:xfrm>
           <a:prstGeom prst="rect">
@@ -9961,26 +11987,30 @@
           <a:p>
             <a:pPr algn="ctr"/>
             <a:r>
-              <a:rPr lang="en-US" altLang="ko-KR" sz="6600" dirty="0"/>
-              <a:t>+</a:t>
-            </a:r>
-          </a:p>
-          <a:p>
-            <a:pPr algn="ctr"/>
-            <a:r>
-              <a:rPr lang="ko-KR" altLang="en-US" dirty="0" err="1"/>
-              <a:t>방생성</a:t>
-            </a:r>
-            <a:endParaRPr lang="ko-KR" altLang="en-US" dirty="0"/>
-          </a:p>
-        </p:txBody>
-      </p:sp>
-      <p:sp>
-        <p:nvSpPr>
-          <p:cNvPr id="27" name="직사각형 26">
-            <a:extLst>
-              <a:ext uri="{FF2B5EF4-FFF2-40B4-BE49-F238E27FC236}">
-                <a16:creationId xmlns:a16="http://schemas.microsoft.com/office/drawing/2014/main" id="{DA25C2C3-B06C-C12E-B85F-487AAB18838B}"/>
+              <a:rPr lang="en-US" altLang="ko-KR" dirty="0"/>
+              <a:t>Project</a:t>
+            </a:r>
+            <a:r>
+              <a:rPr lang="ko-KR" altLang="en-US" dirty="0"/>
+              <a:t> </a:t>
+            </a:r>
+            <a:r>
+              <a:rPr lang="en-US" altLang="ko-KR" dirty="0"/>
+              <a:t>room</a:t>
+            </a:r>
+            <a:r>
+              <a:rPr lang="ko-KR" altLang="en-US" dirty="0"/>
+              <a:t> </a:t>
+            </a:r>
+          </a:p>
+        </p:txBody>
+      </p:sp>
+      <p:sp>
+        <p:nvSpPr>
+          <p:cNvPr id="29" name="직사각형 28">
+            <a:extLst>
+              <a:ext uri="{FF2B5EF4-FFF2-40B4-BE49-F238E27FC236}">
+                <a16:creationId xmlns:a16="http://schemas.microsoft.com/office/drawing/2014/main" id="{D0BAC761-11FB-109D-6B78-21210E40535E}"/>
               </a:ext>
             </a:extLst>
           </p:cNvPr>
@@ -9989,7 +12019,7 @@
         </p:nvSpPr>
         <p:spPr>
           <a:xfrm>
-            <a:off x="5242415" y="1584123"/>
+            <a:off x="7885913" y="3915698"/>
             <a:ext cx="2288800" cy="1511411"/>
           </a:xfrm>
           <a:prstGeom prst="rect">
@@ -10029,16 +12059,19 @@
               <a:rPr lang="en-US" altLang="ko-KR" dirty="0"/>
               <a:t>room</a:t>
             </a:r>
-            <a:endParaRPr lang="ko-KR" altLang="en-US" dirty="0"/>
-          </a:p>
-        </p:txBody>
-      </p:sp>
-      <p:sp>
-        <p:nvSpPr>
-          <p:cNvPr id="28" name="직사각형 27">
-            <a:extLst>
-              <a:ext uri="{FF2B5EF4-FFF2-40B4-BE49-F238E27FC236}">
-                <a16:creationId xmlns:a16="http://schemas.microsoft.com/office/drawing/2014/main" id="{7EFDFD3E-572E-4E6A-1EA4-7DD21EDD9AD8}"/>
+            <a:r>
+              <a:rPr lang="ko-KR" altLang="en-US" dirty="0"/>
+              <a:t> </a:t>
+            </a:r>
+          </a:p>
+        </p:txBody>
+      </p:sp>
+      <p:sp>
+        <p:nvSpPr>
+          <p:cNvPr id="30" name="직사각형 29">
+            <a:extLst>
+              <a:ext uri="{FF2B5EF4-FFF2-40B4-BE49-F238E27FC236}">
+                <a16:creationId xmlns:a16="http://schemas.microsoft.com/office/drawing/2014/main" id="{4B1B77C2-5506-FCB8-A913-EA879EE18694}"/>
               </a:ext>
             </a:extLst>
           </p:cNvPr>
@@ -10047,7 +12080,7 @@
         </p:nvSpPr>
         <p:spPr>
           <a:xfrm>
-            <a:off x="8184851" y="1584124"/>
+            <a:off x="4943477" y="3915699"/>
             <a:ext cx="2288800" cy="1511411"/>
           </a:xfrm>
           <a:prstGeom prst="rect">
@@ -10096,10 +12129,10 @@
       </p:sp>
       <p:sp>
         <p:nvSpPr>
-          <p:cNvPr id="29" name="직사각형 28">
-            <a:extLst>
-              <a:ext uri="{FF2B5EF4-FFF2-40B4-BE49-F238E27FC236}">
-                <a16:creationId xmlns:a16="http://schemas.microsoft.com/office/drawing/2014/main" id="{D0BAC761-11FB-109D-6B78-21210E40535E}"/>
+          <p:cNvPr id="31" name="직사각형 30">
+            <a:extLst>
+              <a:ext uri="{FF2B5EF4-FFF2-40B4-BE49-F238E27FC236}">
+                <a16:creationId xmlns:a16="http://schemas.microsoft.com/office/drawing/2014/main" id="{09B78462-FA6B-4F42-94C3-9AD3597C4336}"/>
               </a:ext>
             </a:extLst>
           </p:cNvPr>
@@ -10108,129 +12141,7 @@
         </p:nvSpPr>
         <p:spPr>
           <a:xfrm>
-            <a:off x="8184851" y="3836567"/>
-            <a:ext cx="2288800" cy="1511411"/>
-          </a:xfrm>
-          <a:prstGeom prst="rect">
-            <a:avLst/>
-          </a:prstGeom>
-        </p:spPr>
-        <p:style>
-          <a:lnRef idx="2">
-            <a:schemeClr val="accent1">
-              <a:shade val="50000"/>
-            </a:schemeClr>
-          </a:lnRef>
-          <a:fillRef idx="1">
-            <a:schemeClr val="accent1"/>
-          </a:fillRef>
-          <a:effectRef idx="0">
-            <a:schemeClr val="accent1"/>
-          </a:effectRef>
-          <a:fontRef idx="minor">
-            <a:schemeClr val="lt1"/>
-          </a:fontRef>
-        </p:style>
-        <p:txBody>
-          <a:bodyPr rtlCol="0" anchor="ctr"/>
-          <a:lstStyle/>
-          <a:p>
-            <a:pPr algn="ctr"/>
-            <a:r>
-              <a:rPr lang="en-US" altLang="ko-KR" dirty="0"/>
-              <a:t>Project</a:t>
-            </a:r>
-            <a:r>
-              <a:rPr lang="ko-KR" altLang="en-US" dirty="0"/>
-              <a:t> </a:t>
-            </a:r>
-            <a:r>
-              <a:rPr lang="en-US" altLang="ko-KR" dirty="0"/>
-              <a:t>room</a:t>
-            </a:r>
-            <a:r>
-              <a:rPr lang="ko-KR" altLang="en-US" dirty="0"/>
-              <a:t> </a:t>
-            </a:r>
-          </a:p>
-        </p:txBody>
-      </p:sp>
-      <p:sp>
-        <p:nvSpPr>
-          <p:cNvPr id="30" name="직사각형 29">
-            <a:extLst>
-              <a:ext uri="{FF2B5EF4-FFF2-40B4-BE49-F238E27FC236}">
-                <a16:creationId xmlns:a16="http://schemas.microsoft.com/office/drawing/2014/main" id="{4B1B77C2-5506-FCB8-A913-EA879EE18694}"/>
-              </a:ext>
-            </a:extLst>
-          </p:cNvPr>
-          <p:cNvSpPr/>
-          <p:nvPr/>
-        </p:nvSpPr>
-        <p:spPr>
-          <a:xfrm>
-            <a:off x="5242415" y="3836568"/>
-            <a:ext cx="2288800" cy="1511411"/>
-          </a:xfrm>
-          <a:prstGeom prst="rect">
-            <a:avLst/>
-          </a:prstGeom>
-        </p:spPr>
-        <p:style>
-          <a:lnRef idx="2">
-            <a:schemeClr val="accent1">
-              <a:shade val="50000"/>
-            </a:schemeClr>
-          </a:lnRef>
-          <a:fillRef idx="1">
-            <a:schemeClr val="accent1"/>
-          </a:fillRef>
-          <a:effectRef idx="0">
-            <a:schemeClr val="accent1"/>
-          </a:effectRef>
-          <a:fontRef idx="minor">
-            <a:schemeClr val="lt1"/>
-          </a:fontRef>
-        </p:style>
-        <p:txBody>
-          <a:bodyPr rtlCol="0" anchor="ctr"/>
-          <a:lstStyle/>
-          <a:p>
-            <a:pPr algn="ctr"/>
-            <a:r>
-              <a:rPr lang="en-US" altLang="ko-KR" dirty="0"/>
-              <a:t>Project</a:t>
-            </a:r>
-            <a:r>
-              <a:rPr lang="ko-KR" altLang="en-US" dirty="0"/>
-              <a:t> </a:t>
-            </a:r>
-            <a:r>
-              <a:rPr lang="en-US" altLang="ko-KR" dirty="0"/>
-              <a:t>room</a:t>
-            </a:r>
-            <a:r>
-              <a:rPr lang="ko-KR" altLang="en-US" dirty="0"/>
-              <a:t> </a:t>
-            </a:r>
-          </a:p>
-        </p:txBody>
-      </p:sp>
-      <p:sp>
-        <p:nvSpPr>
-          <p:cNvPr id="31" name="직사각형 30">
-            <a:extLst>
-              <a:ext uri="{FF2B5EF4-FFF2-40B4-BE49-F238E27FC236}">
-                <a16:creationId xmlns:a16="http://schemas.microsoft.com/office/drawing/2014/main" id="{09B78462-FA6B-4F42-94C3-9AD3597C4336}"/>
-              </a:ext>
-            </a:extLst>
-          </p:cNvPr>
-          <p:cNvSpPr/>
-          <p:nvPr/>
-        </p:nvSpPr>
-        <p:spPr>
-          <a:xfrm>
-            <a:off x="2299979" y="3836568"/>
+            <a:off x="2001041" y="3915699"/>
             <a:ext cx="2288800" cy="1511411"/>
           </a:xfrm>
           <a:prstGeom prst="rect">
@@ -10467,7 +12378,7 @@
         </p:nvSpPr>
         <p:spPr>
           <a:xfrm>
-            <a:off x="3079457" y="3707235"/>
+            <a:off x="124437" y="3962212"/>
             <a:ext cx="5227742" cy="402672"/>
           </a:xfrm>
           <a:prstGeom prst="rect">
@@ -10516,7 +12427,7 @@
         </p:nvSpPr>
         <p:spPr>
           <a:xfrm>
-            <a:off x="3079457" y="4388142"/>
+            <a:off x="124437" y="4643119"/>
             <a:ext cx="5227742" cy="402672"/>
           </a:xfrm>
           <a:prstGeom prst="rect">
@@ -10565,7 +12476,7 @@
         </p:nvSpPr>
         <p:spPr>
           <a:xfrm>
-            <a:off x="3079457" y="5069049"/>
+            <a:off x="124437" y="5324026"/>
             <a:ext cx="5227742" cy="402672"/>
           </a:xfrm>
           <a:prstGeom prst="rect">
@@ -10614,7 +12525,7 @@
         </p:nvSpPr>
         <p:spPr>
           <a:xfrm>
-            <a:off x="3079457" y="3026328"/>
+            <a:off x="124437" y="3281305"/>
             <a:ext cx="5227742" cy="402672"/>
           </a:xfrm>
           <a:prstGeom prst="rect">
@@ -10663,8 +12574,8 @@
         </p:nvSpPr>
         <p:spPr>
           <a:xfrm>
-            <a:off x="3079457" y="6412686"/>
-            <a:ext cx="5227742" cy="402672"/>
+            <a:off x="5438865" y="855947"/>
+            <a:ext cx="6017512" cy="3408322"/>
           </a:xfrm>
           <a:prstGeom prst="rect">
             <a:avLst/>
@@ -10712,7 +12623,7 @@
         </p:nvSpPr>
         <p:spPr>
           <a:xfrm>
-            <a:off x="3079457" y="5752755"/>
+            <a:off x="124437" y="6007732"/>
             <a:ext cx="5227742" cy="402672"/>
           </a:xfrm>
           <a:prstGeom prst="rect">
@@ -10777,7 +12688,7 @@
         </p:nvSpPr>
         <p:spPr>
           <a:xfrm>
-            <a:off x="8481269" y="5270385"/>
+            <a:off x="5502692" y="4630798"/>
             <a:ext cx="1587617" cy="594920"/>
           </a:xfrm>
           <a:prstGeom prst="rect">
@@ -10847,7 +12758,7 @@
         </p:nvSpPr>
         <p:spPr>
           <a:xfrm>
-            <a:off x="8481269" y="6155427"/>
+            <a:off x="5502692" y="5324026"/>
             <a:ext cx="1723239" cy="402672"/>
           </a:xfrm>
           <a:prstGeom prst="rect">
@@ -10913,7 +12824,7 @@
         </p:nvSpPr>
         <p:spPr>
           <a:xfrm>
-            <a:off x="8883941" y="289707"/>
+            <a:off x="8883940" y="228160"/>
             <a:ext cx="3003259" cy="3139321"/>
           </a:xfrm>
           <a:prstGeom prst="rect">
@@ -11002,7 +12913,7 @@
         </p:nvSpPr>
         <p:spPr>
           <a:xfrm>
-            <a:off x="3079457" y="1418962"/>
+            <a:off x="124437" y="1673939"/>
             <a:ext cx="5227742" cy="402672"/>
           </a:xfrm>
           <a:prstGeom prst="rect">
@@ -11064,7 +12975,7 @@
         </p:nvSpPr>
         <p:spPr>
           <a:xfrm>
-            <a:off x="3079457" y="299901"/>
+            <a:off x="124437" y="554878"/>
             <a:ext cx="5227742" cy="402672"/>
           </a:xfrm>
           <a:prstGeom prst="rect">
@@ -11126,7 +13037,7 @@
         </p:nvSpPr>
         <p:spPr>
           <a:xfrm>
-            <a:off x="6954473" y="902521"/>
+            <a:off x="3999453" y="1157498"/>
             <a:ext cx="1352726" cy="402672"/>
           </a:xfrm>
           <a:prstGeom prst="rect">
@@ -11176,7 +13087,7 @@
         </p:nvSpPr>
         <p:spPr>
           <a:xfrm>
-            <a:off x="3079457" y="1935404"/>
+            <a:off x="124437" y="2190381"/>
             <a:ext cx="5227742" cy="854599"/>
           </a:xfrm>
           <a:prstGeom prst="rect">
@@ -11225,7 +13136,7 @@
         </p:nvSpPr>
         <p:spPr>
           <a:xfrm>
-            <a:off x="3079457" y="902521"/>
+            <a:off x="124437" y="1157498"/>
             <a:ext cx="1174459" cy="402672"/>
           </a:xfrm>
           <a:prstGeom prst="rect">
@@ -11264,6 +13175,72 @@
             <a:r>
               <a:rPr lang="en-US" altLang="ko-KR" sz="1100" dirty="0"/>
               <a:t>(1/6)</a:t>
+            </a:r>
+            <a:endParaRPr lang="ko-KR" altLang="en-US" sz="1100" dirty="0"/>
+          </a:p>
+        </p:txBody>
+      </p:sp>
+      <p:sp>
+        <p:nvSpPr>
+          <p:cNvPr id="19" name="직사각형 18">
+            <a:extLst>
+              <a:ext uri="{FF2B5EF4-FFF2-40B4-BE49-F238E27FC236}">
+                <a16:creationId xmlns:a16="http://schemas.microsoft.com/office/drawing/2014/main" id="{6035CE9C-62B4-EB6C-508C-97DFA7BC73BD}"/>
+              </a:ext>
+            </a:extLst>
+          </p:cNvPr>
+          <p:cNvSpPr/>
+          <p:nvPr/>
+        </p:nvSpPr>
+        <p:spPr>
+          <a:xfrm>
+            <a:off x="5502691" y="5781151"/>
+            <a:ext cx="1587617" cy="594920"/>
+          </a:xfrm>
+          <a:prstGeom prst="rect">
+            <a:avLst/>
+          </a:prstGeom>
+        </p:spPr>
+        <p:style>
+          <a:lnRef idx="2">
+            <a:schemeClr val="accent1">
+              <a:shade val="50000"/>
+            </a:schemeClr>
+          </a:lnRef>
+          <a:fillRef idx="1">
+            <a:schemeClr val="accent1"/>
+          </a:fillRef>
+          <a:effectRef idx="0">
+            <a:schemeClr val="accent1"/>
+          </a:effectRef>
+          <a:fontRef idx="minor">
+            <a:schemeClr val="lt1"/>
+          </a:fontRef>
+        </p:style>
+        <p:txBody>
+          <a:bodyPr rtlCol="0" anchor="ctr"/>
+          <a:lstStyle/>
+          <a:p>
+            <a:pPr algn="ctr"/>
+            <a:r>
+              <a:rPr lang="ko-KR" altLang="en-US" sz="1100" dirty="0" smtClean="0"/>
+              <a:t>프로젝트 끝내기</a:t>
+            </a:r>
+            <a:endParaRPr lang="en-US" altLang="ko-KR" sz="1100" dirty="0" smtClean="0"/>
+          </a:p>
+          <a:p>
+            <a:pPr algn="ctr"/>
+            <a:r>
+              <a:rPr lang="en-US" altLang="ko-KR" sz="1100" dirty="0" smtClean="0"/>
+              <a:t>(</a:t>
+            </a:r>
+            <a:r>
+              <a:rPr lang="ko-KR" altLang="en-US" sz="1100" dirty="0" smtClean="0"/>
+              <a:t>호스트에게만 보임</a:t>
+            </a:r>
+            <a:r>
+              <a:rPr lang="en-US" altLang="ko-KR" sz="1100" dirty="0" smtClean="0"/>
+              <a:t>)</a:t>
             </a:r>
             <a:endParaRPr lang="ko-KR" altLang="en-US" sz="1100" dirty="0"/>
           </a:p>
@@ -11304,7 +13281,7 @@
           <p:cNvPr id="4" name="직사각형 3">
             <a:extLst>
               <a:ext uri="{FF2B5EF4-FFF2-40B4-BE49-F238E27FC236}">
-                <a16:creationId xmlns:a16="http://schemas.microsoft.com/office/drawing/2014/main" id="{DA68E424-8355-0F7D-37FD-B74B6A4273D4}"/>
+                <a16:creationId xmlns:a16="http://schemas.microsoft.com/office/drawing/2014/main" id="{718206E4-1CF2-C83C-3E8F-FE28F94D3D39}"/>
               </a:ext>
             </a:extLst>
           </p:cNvPr>
@@ -11313,8 +13290,8 @@
         </p:nvSpPr>
         <p:spPr>
           <a:xfrm>
-            <a:off x="682301" y="171994"/>
-            <a:ext cx="1174459" cy="402672"/>
+            <a:off x="90881" y="82493"/>
+            <a:ext cx="1536583" cy="638960"/>
           </a:xfrm>
           <a:prstGeom prst="rect">
             <a:avLst/>
@@ -11343,15 +13320,22 @@
             <a:pPr algn="ctr"/>
             <a:r>
               <a:rPr lang="en-US" altLang="ko-KR" sz="1100" dirty="0"/>
-              <a:t>Create</a:t>
+              <a:t>Profile</a:t>
+            </a:r>
+          </a:p>
+          <a:p>
+            <a:pPr algn="ctr"/>
+            <a:r>
+              <a:rPr lang="en-US" altLang="ko-KR" sz="1100" dirty="0"/>
+              <a:t>(</a:t>
             </a:r>
             <a:r>
               <a:rPr lang="ko-KR" altLang="en-US" sz="1100" dirty="0"/>
-              <a:t> </a:t>
+              <a:t>지난회의이력조회</a:t>
             </a:r>
             <a:r>
               <a:rPr lang="en-US" altLang="ko-KR" sz="1100" dirty="0"/>
-              <a:t>from</a:t>
+              <a:t>)</a:t>
             </a:r>
             <a:endParaRPr lang="ko-KR" altLang="en-US" sz="1100" dirty="0"/>
           </a:p>
@@ -11359,10 +13343,10 @@
       </p:sp>
       <p:sp>
         <p:nvSpPr>
-          <p:cNvPr id="6" name="직사각형 5">
-            <a:extLst>
-              <a:ext uri="{FF2B5EF4-FFF2-40B4-BE49-F238E27FC236}">
-                <a16:creationId xmlns:a16="http://schemas.microsoft.com/office/drawing/2014/main" id="{27C4D141-9C58-8F4B-8829-06E17FDCE989}"/>
+          <p:cNvPr id="5" name="직사각형 4">
+            <a:extLst>
+              <a:ext uri="{FF2B5EF4-FFF2-40B4-BE49-F238E27FC236}">
+                <a16:creationId xmlns:a16="http://schemas.microsoft.com/office/drawing/2014/main" id="{8FFF39B0-E2C3-564B-8697-6F32A64DD193}"/>
               </a:ext>
             </a:extLst>
           </p:cNvPr>
@@ -11371,8 +13355,8 @@
         </p:nvSpPr>
         <p:spPr>
           <a:xfrm>
-            <a:off x="3182225" y="2531151"/>
-            <a:ext cx="5227742" cy="402672"/>
+            <a:off x="2634143" y="3263319"/>
+            <a:ext cx="6644081" cy="638960"/>
           </a:xfrm>
           <a:prstGeom prst="rect">
             <a:avLst/>
@@ -11400,16 +13384,44 @@
           <a:p>
             <a:pPr algn="ctr"/>
             <a:r>
-              <a:rPr lang="ko-KR" altLang="en-US" sz="1100" dirty="0" err="1"/>
-              <a:t>검색창</a:t>
-            </a:r>
+              <a:rPr lang="ko-KR" altLang="en-US" sz="1100" dirty="0"/>
+              <a:t>지난회의</a:t>
+            </a:r>
+            <a:endParaRPr lang="en-US" altLang="ko-KR" sz="1100" dirty="0"/>
+          </a:p>
+          <a:p>
+            <a:pPr algn="ctr"/>
             <a:r>
               <a:rPr lang="en-US" altLang="ko-KR" sz="1100" dirty="0"/>
               <a:t>(</a:t>
             </a:r>
             <a:r>
               <a:rPr lang="ko-KR" altLang="en-US" sz="1100" dirty="0"/>
-              <a:t>유저검색</a:t>
+              <a:t>회의 날짜</a:t>
+            </a:r>
+            <a:r>
+              <a:rPr lang="en-US" altLang="ko-KR" sz="1100" dirty="0"/>
+              <a:t>, </a:t>
+            </a:r>
+            <a:r>
+              <a:rPr lang="ko-KR" altLang="en-US" sz="1100" dirty="0"/>
+              <a:t>호스트</a:t>
+            </a:r>
+            <a:r>
+              <a:rPr lang="en-US" altLang="ko-KR" sz="1100" dirty="0"/>
+              <a:t>, </a:t>
+            </a:r>
+            <a:r>
+              <a:rPr lang="ko-KR" altLang="en-US" sz="1100" dirty="0"/>
+              <a:t>참가자</a:t>
+            </a:r>
+            <a:r>
+              <a:rPr lang="en-US" altLang="ko-KR" sz="1100" dirty="0"/>
+              <a:t>, </a:t>
+            </a:r>
+            <a:r>
+              <a:rPr lang="ko-KR" altLang="en-US" sz="1100" dirty="0"/>
+              <a:t>드로잉데이터</a:t>
             </a:r>
             <a:r>
               <a:rPr lang="en-US" altLang="ko-KR" sz="1100" dirty="0"/>
@@ -11421,10 +13433,10 @@
       </p:sp>
       <p:sp>
         <p:nvSpPr>
-          <p:cNvPr id="7" name="직사각형 6">
-            <a:extLst>
-              <a:ext uri="{FF2B5EF4-FFF2-40B4-BE49-F238E27FC236}">
-                <a16:creationId xmlns:a16="http://schemas.microsoft.com/office/drawing/2014/main" id="{37707214-BE12-32B6-6A2A-1C730B789B64}"/>
+          <p:cNvPr id="6" name="직사각형 5">
+            <a:extLst>
+              <a:ext uri="{FF2B5EF4-FFF2-40B4-BE49-F238E27FC236}">
+                <a16:creationId xmlns:a16="http://schemas.microsoft.com/office/drawing/2014/main" id="{6062A880-E976-CA5E-AA72-7F74AE5016BA}"/>
               </a:ext>
             </a:extLst>
           </p:cNvPr>
@@ -11433,8 +13445,8 @@
         </p:nvSpPr>
         <p:spPr>
           <a:xfrm>
-            <a:off x="3182225" y="1412090"/>
-            <a:ext cx="5227742" cy="402672"/>
+            <a:off x="2634142" y="4078449"/>
+            <a:ext cx="6644081" cy="638960"/>
           </a:xfrm>
           <a:prstGeom prst="rect">
             <a:avLst/>
@@ -11463,15 +13475,43 @@
             <a:pPr algn="ctr"/>
             <a:r>
               <a:rPr lang="ko-KR" altLang="en-US" sz="1100" dirty="0"/>
-              <a:t>초대코드</a:t>
-            </a:r>
+              <a:t>지난회의</a:t>
+            </a:r>
+            <a:endParaRPr lang="en-US" altLang="ko-KR" sz="1100" dirty="0"/>
+          </a:p>
+          <a:p>
+            <a:pPr algn="ctr"/>
             <a:r>
               <a:rPr lang="en-US" altLang="ko-KR" sz="1100" dirty="0"/>
               <a:t>(</a:t>
             </a:r>
             <a:r>
               <a:rPr lang="ko-KR" altLang="en-US" sz="1100" dirty="0"/>
-              <a:t>복사아이콘</a:t>
+              <a:t>회의 날짜</a:t>
+            </a:r>
+            <a:r>
+              <a:rPr lang="en-US" altLang="ko-KR" sz="1100" dirty="0"/>
+              <a:t>, </a:t>
+            </a:r>
+            <a:r>
+              <a:rPr lang="ko-KR" altLang="en-US" sz="1100" dirty="0"/>
+              <a:t>호스트</a:t>
+            </a:r>
+            <a:r>
+              <a:rPr lang="en-US" altLang="ko-KR" sz="1100" dirty="0"/>
+              <a:t>, </a:t>
+            </a:r>
+            <a:r>
+              <a:rPr lang="ko-KR" altLang="en-US" sz="1100" dirty="0"/>
+              <a:t>참가자</a:t>
+            </a:r>
+            <a:r>
+              <a:rPr lang="en-US" altLang="ko-KR" sz="1100" dirty="0"/>
+              <a:t>, </a:t>
+            </a:r>
+            <a:r>
+              <a:rPr lang="ko-KR" altLang="en-US" sz="1100" dirty="0"/>
+              <a:t>드로잉데이터</a:t>
             </a:r>
             <a:r>
               <a:rPr lang="en-US" altLang="ko-KR" sz="1100" dirty="0"/>
@@ -11483,10 +13523,10 @@
       </p:sp>
       <p:sp>
         <p:nvSpPr>
-          <p:cNvPr id="8" name="직사각형 7">
-            <a:extLst>
-              <a:ext uri="{FF2B5EF4-FFF2-40B4-BE49-F238E27FC236}">
-                <a16:creationId xmlns:a16="http://schemas.microsoft.com/office/drawing/2014/main" id="{4B5359A8-EF6E-0526-934B-68CA043FD0E2}"/>
+          <p:cNvPr id="7" name="직사각형 6">
+            <a:extLst>
+              <a:ext uri="{FF2B5EF4-FFF2-40B4-BE49-F238E27FC236}">
+                <a16:creationId xmlns:a16="http://schemas.microsoft.com/office/drawing/2014/main" id="{43B7613C-1EDF-03AC-1C8F-DDB8011809AC}"/>
               </a:ext>
             </a:extLst>
           </p:cNvPr>
@@ -11495,8 +13535,8 @@
         </p:nvSpPr>
         <p:spPr>
           <a:xfrm>
-            <a:off x="7057241" y="2014710"/>
-            <a:ext cx="1352726" cy="402672"/>
+            <a:off x="2634140" y="4893579"/>
+            <a:ext cx="6644081" cy="638960"/>
           </a:xfrm>
           <a:prstGeom prst="rect">
             <a:avLst/>
@@ -11524,8 +13564,48 @@
           <a:p>
             <a:pPr algn="ctr"/>
             <a:r>
-              <a:rPr lang="ko-KR" altLang="en-US" sz="1100"/>
-              <a:t>초대코드 보내기</a:t>
+              <a:rPr lang="ko-KR" altLang="en-US" sz="1100" dirty="0"/>
+              <a:t>지난회의</a:t>
+            </a:r>
+            <a:endParaRPr lang="en-US" altLang="ko-KR" sz="1100" dirty="0"/>
+          </a:p>
+          <a:p>
+            <a:pPr algn="ctr"/>
+            <a:r>
+              <a:rPr lang="en-US" altLang="ko-KR" sz="1100" dirty="0"/>
+              <a:t>(</a:t>
+            </a:r>
+            <a:r>
+              <a:rPr lang="ko-KR" altLang="en-US" sz="1100" dirty="0"/>
+              <a:t>회의 날짜</a:t>
+            </a:r>
+            <a:r>
+              <a:rPr lang="en-US" altLang="ko-KR" sz="1100" dirty="0"/>
+              <a:t>, </a:t>
+            </a:r>
+            <a:r>
+              <a:rPr lang="ko-KR" altLang="en-US" sz="1100" dirty="0"/>
+              <a:t>호스트</a:t>
+            </a:r>
+            <a:r>
+              <a:rPr lang="en-US" altLang="ko-KR" sz="1100" dirty="0"/>
+              <a:t>, </a:t>
+            </a:r>
+            <a:r>
+              <a:rPr lang="ko-KR" altLang="en-US" sz="1100" dirty="0"/>
+              <a:t>참가자</a:t>
+            </a:r>
+            <a:r>
+              <a:rPr lang="en-US" altLang="ko-KR" sz="1100" dirty="0"/>
+              <a:t>, </a:t>
+            </a:r>
+            <a:r>
+              <a:rPr lang="ko-KR" altLang="en-US" sz="1100" dirty="0"/>
+              <a:t>드로잉데이터</a:t>
+            </a:r>
+            <a:r>
+              <a:rPr lang="en-US" altLang="ko-KR" sz="1100" dirty="0"/>
+              <a:t>)</a:t>
             </a:r>
             <a:endParaRPr lang="ko-KR" altLang="en-US" sz="1100" dirty="0"/>
           </a:p>
@@ -11533,10 +13613,10 @@
       </p:sp>
       <p:sp>
         <p:nvSpPr>
-          <p:cNvPr id="9" name="직사각형 8">
-            <a:extLst>
-              <a:ext uri="{FF2B5EF4-FFF2-40B4-BE49-F238E27FC236}">
-                <a16:creationId xmlns:a16="http://schemas.microsoft.com/office/drawing/2014/main" id="{7372D4B3-8137-A9DE-FA0B-DA50D5D5F2C1}"/>
+          <p:cNvPr id="8" name="직사각형 7">
+            <a:extLst>
+              <a:ext uri="{FF2B5EF4-FFF2-40B4-BE49-F238E27FC236}">
+                <a16:creationId xmlns:a16="http://schemas.microsoft.com/office/drawing/2014/main" id="{F3E8AB8D-B674-203A-E883-47E28953FAD3}"/>
               </a:ext>
             </a:extLst>
           </p:cNvPr>
@@ -11545,8 +13625,8 @@
         </p:nvSpPr>
         <p:spPr>
           <a:xfrm>
-            <a:off x="3182225" y="3047593"/>
-            <a:ext cx="5227742" cy="854599"/>
+            <a:off x="2634140" y="5766034"/>
+            <a:ext cx="6644081" cy="638960"/>
           </a:xfrm>
           <a:prstGeom prst="rect">
             <a:avLst/>
@@ -11575,17 +13655,58 @@
             <a:pPr algn="ctr"/>
             <a:r>
               <a:rPr lang="ko-KR" altLang="en-US" sz="1100" dirty="0"/>
-              <a:t>유저리스트</a:t>
-            </a:r>
-          </a:p>
-        </p:txBody>
-      </p:sp>
-      <p:sp>
-        <p:nvSpPr>
-          <p:cNvPr id="11" name="직사각형 10">
-            <a:extLst>
-              <a:ext uri="{FF2B5EF4-FFF2-40B4-BE49-F238E27FC236}">
-                <a16:creationId xmlns:a16="http://schemas.microsoft.com/office/drawing/2014/main" id="{57331D8C-F963-F3F7-6E22-915777E2BA4B}"/>
+              <a:t>지난회의</a:t>
+            </a:r>
+            <a:endParaRPr lang="en-US" altLang="ko-KR" sz="1100" dirty="0"/>
+          </a:p>
+          <a:p>
+            <a:pPr algn="ctr"/>
+            <a:r>
+              <a:rPr lang="en-US" altLang="ko-KR" sz="1100" dirty="0"/>
+              <a:t>(</a:t>
+            </a:r>
+            <a:r>
+              <a:rPr lang="ko-KR" altLang="en-US" sz="1100" dirty="0"/>
+              <a:t>회의 날짜</a:t>
+            </a:r>
+            <a:r>
+              <a:rPr lang="en-US" altLang="ko-KR" sz="1100" dirty="0"/>
+              <a:t>, </a:t>
+            </a:r>
+            <a:r>
+              <a:rPr lang="ko-KR" altLang="en-US" sz="1100" dirty="0"/>
+              <a:t>호스트</a:t>
+            </a:r>
+            <a:r>
+              <a:rPr lang="en-US" altLang="ko-KR" sz="1100" dirty="0"/>
+              <a:t>, </a:t>
+            </a:r>
+            <a:r>
+              <a:rPr lang="ko-KR" altLang="en-US" sz="1100" dirty="0"/>
+              <a:t>참가자</a:t>
+            </a:r>
+            <a:r>
+              <a:rPr lang="en-US" altLang="ko-KR" sz="1100" dirty="0"/>
+              <a:t>, </a:t>
+            </a:r>
+            <a:r>
+              <a:rPr lang="ko-KR" altLang="en-US" sz="1100" dirty="0"/>
+              <a:t>드로잉데이터</a:t>
+            </a:r>
+            <a:r>
+              <a:rPr lang="en-US" altLang="ko-KR" sz="1100" dirty="0"/>
+              <a:t>)</a:t>
+            </a:r>
+            <a:endParaRPr lang="ko-KR" altLang="en-US" sz="1100" dirty="0"/>
+          </a:p>
+        </p:txBody>
+      </p:sp>
+      <p:sp>
+        <p:nvSpPr>
+          <p:cNvPr id="9" name="직사각형 8">
+            <a:extLst>
+              <a:ext uri="{FF2B5EF4-FFF2-40B4-BE49-F238E27FC236}">
+                <a16:creationId xmlns:a16="http://schemas.microsoft.com/office/drawing/2014/main" id="{3C7D6351-7F39-4823-3A8D-702467D282E0}"/>
               </a:ext>
             </a:extLst>
           </p:cNvPr>
@@ -11594,8 +13715,8 @@
         </p:nvSpPr>
         <p:spPr>
           <a:xfrm>
-            <a:off x="7235508" y="4302088"/>
-            <a:ext cx="1174459" cy="402672"/>
+            <a:off x="7617203" y="2801924"/>
+            <a:ext cx="1659617" cy="227900"/>
           </a:xfrm>
           <a:prstGeom prst="rect">
             <a:avLst/>
@@ -11624,17 +13745,57 @@
             <a:pPr algn="ctr"/>
             <a:r>
               <a:rPr lang="ko-KR" altLang="en-US" sz="1100" dirty="0"/>
-              <a:t>생성</a:t>
-            </a:r>
-          </a:p>
-        </p:txBody>
-      </p:sp>
-      <p:sp>
-        <p:nvSpPr>
-          <p:cNvPr id="12" name="직사각형 11">
-            <a:extLst>
-              <a:ext uri="{FF2B5EF4-FFF2-40B4-BE49-F238E27FC236}">
-                <a16:creationId xmlns:a16="http://schemas.microsoft.com/office/drawing/2014/main" id="{144A6A6D-6BE6-E9DA-D9FB-ECFB34A5429E}"/>
+              <a:t>버튼 </a:t>
+            </a:r>
+            <a:r>
+              <a:rPr lang="en-US" altLang="ko-KR" sz="1100" dirty="0"/>
+              <a:t>1</a:t>
+            </a:r>
+            <a:r>
+              <a:rPr lang="ko-KR" altLang="en-US" sz="1100" dirty="0"/>
+              <a:t>일</a:t>
+            </a:r>
+            <a:r>
+              <a:rPr lang="en-US" altLang="ko-KR" sz="1100" dirty="0"/>
+              <a:t>,</a:t>
+            </a:r>
+            <a:r>
+              <a:rPr lang="ko-KR" altLang="en-US" sz="1100" dirty="0"/>
+              <a:t> </a:t>
+            </a:r>
+            <a:r>
+              <a:rPr lang="en-US" altLang="ko-KR" sz="1100" dirty="0"/>
+              <a:t>7</a:t>
+            </a:r>
+            <a:r>
+              <a:rPr lang="ko-KR" altLang="en-US" sz="1100" dirty="0"/>
+              <a:t>일</a:t>
+            </a:r>
+            <a:r>
+              <a:rPr lang="en-US" altLang="ko-KR" sz="1100" dirty="0"/>
+              <a:t>,</a:t>
+            </a:r>
+            <a:r>
+              <a:rPr lang="ko-KR" altLang="en-US" sz="1100" dirty="0"/>
+              <a:t> </a:t>
+            </a:r>
+            <a:r>
+              <a:rPr lang="en-US" altLang="ko-KR" sz="1100" dirty="0"/>
+              <a:t>30</a:t>
+            </a:r>
+            <a:r>
+              <a:rPr lang="ko-KR" altLang="en-US" sz="1100" dirty="0"/>
+              <a:t>일</a:t>
+            </a:r>
+          </a:p>
+        </p:txBody>
+      </p:sp>
+      <p:sp>
+        <p:nvSpPr>
+          <p:cNvPr id="10" name="직사각형 9">
+            <a:extLst>
+              <a:ext uri="{FF2B5EF4-FFF2-40B4-BE49-F238E27FC236}">
+                <a16:creationId xmlns:a16="http://schemas.microsoft.com/office/drawing/2014/main" id="{DFE0C12C-2586-95DF-B998-4C66B4C49332}"/>
               </a:ext>
             </a:extLst>
           </p:cNvPr>
@@ -11643,8 +13804,8 @@
         </p:nvSpPr>
         <p:spPr>
           <a:xfrm>
-            <a:off x="3182225" y="2014710"/>
-            <a:ext cx="1174459" cy="402672"/>
+            <a:off x="10997967" y="6041472"/>
+            <a:ext cx="805338" cy="638960"/>
           </a:xfrm>
           <a:prstGeom prst="rect">
             <a:avLst/>
@@ -11672,27 +13833,189 @@
           <a:p>
             <a:pPr algn="ctr"/>
             <a:r>
+              <a:rPr lang="ko-KR" altLang="en-US" sz="1100" dirty="0" err="1"/>
+              <a:t>맨위로</a:t>
+            </a:r>
+            <a:endParaRPr lang="ko-KR" altLang="en-US" sz="1100" dirty="0"/>
+          </a:p>
+        </p:txBody>
+      </p:sp>
+      <p:sp>
+        <p:nvSpPr>
+          <p:cNvPr id="12" name="직사각형 11">
+            <a:extLst>
+              <a:ext uri="{FF2B5EF4-FFF2-40B4-BE49-F238E27FC236}">
+                <a16:creationId xmlns:a16="http://schemas.microsoft.com/office/drawing/2014/main" id="{DC600725-5EEE-AF23-D6B3-F7FBF8DCA238}"/>
+              </a:ext>
+            </a:extLst>
+          </p:cNvPr>
+          <p:cNvSpPr/>
+          <p:nvPr/>
+        </p:nvSpPr>
+        <p:spPr>
+          <a:xfrm>
+            <a:off x="7488558" y="914399"/>
+            <a:ext cx="1837192" cy="387290"/>
+          </a:xfrm>
+          <a:prstGeom prst="rect">
+            <a:avLst/>
+          </a:prstGeom>
+        </p:spPr>
+        <p:style>
+          <a:lnRef idx="2">
+            <a:schemeClr val="accent1">
+              <a:shade val="50000"/>
+            </a:schemeClr>
+          </a:lnRef>
+          <a:fillRef idx="1">
+            <a:schemeClr val="accent1"/>
+          </a:fillRef>
+          <a:effectRef idx="0">
+            <a:schemeClr val="accent1"/>
+          </a:effectRef>
+          <a:fontRef idx="minor">
+            <a:schemeClr val="lt1"/>
+          </a:fontRef>
+        </p:style>
+        <p:txBody>
+          <a:bodyPr rtlCol="0" anchor="ctr"/>
+          <a:lstStyle/>
+          <a:p>
+            <a:pPr algn="ctr"/>
+            <a:r>
+              <a:rPr lang="ko-KR" altLang="en-US" dirty="0"/>
+              <a:t>비밀번호 변경</a:t>
+            </a:r>
+          </a:p>
+        </p:txBody>
+      </p:sp>
+      <p:sp>
+        <p:nvSpPr>
+          <p:cNvPr id="13" name="직사각형 12">
+            <a:extLst>
+              <a:ext uri="{FF2B5EF4-FFF2-40B4-BE49-F238E27FC236}">
+                <a16:creationId xmlns:a16="http://schemas.microsoft.com/office/drawing/2014/main" id="{98C0CAAD-078A-EB7C-FD25-3384F0F780DE}"/>
+              </a:ext>
+            </a:extLst>
+          </p:cNvPr>
+          <p:cNvSpPr/>
+          <p:nvPr/>
+        </p:nvSpPr>
+        <p:spPr>
+          <a:xfrm>
+            <a:off x="191549" y="6109282"/>
+            <a:ext cx="805339" cy="638960"/>
+          </a:xfrm>
+          <a:prstGeom prst="rect">
+            <a:avLst/>
+          </a:prstGeom>
+          <a:solidFill>
+            <a:srgbClr val="FF0000"/>
+          </a:solidFill>
+        </p:spPr>
+        <p:style>
+          <a:lnRef idx="2">
+            <a:schemeClr val="accent1">
+              <a:shade val="50000"/>
+            </a:schemeClr>
+          </a:lnRef>
+          <a:fillRef idx="1">
+            <a:schemeClr val="accent1"/>
+          </a:fillRef>
+          <a:effectRef idx="0">
+            <a:schemeClr val="accent1"/>
+          </a:effectRef>
+          <a:fontRef idx="minor">
+            <a:schemeClr val="lt1"/>
+          </a:fontRef>
+        </p:style>
+        <p:txBody>
+          <a:bodyPr rtlCol="0" anchor="ctr"/>
+          <a:lstStyle/>
+          <a:p>
+            <a:pPr algn="ctr"/>
+            <a:r>
+              <a:rPr lang="ko-KR" altLang="en-US" dirty="0"/>
+              <a:t>회원탈퇴</a:t>
+            </a:r>
+          </a:p>
+        </p:txBody>
+      </p:sp>
+      <p:sp>
+        <p:nvSpPr>
+          <p:cNvPr id="14" name="직사각형 13">
+            <a:extLst>
+              <a:ext uri="{FF2B5EF4-FFF2-40B4-BE49-F238E27FC236}">
+                <a16:creationId xmlns:a16="http://schemas.microsoft.com/office/drawing/2014/main" id="{F0989849-3B86-FBE8-E75C-D7D4B1536A7C}"/>
+              </a:ext>
+            </a:extLst>
+          </p:cNvPr>
+          <p:cNvSpPr/>
+          <p:nvPr/>
+        </p:nvSpPr>
+        <p:spPr>
+          <a:xfrm>
+            <a:off x="2634140" y="914399"/>
+            <a:ext cx="4748172" cy="1283515"/>
+          </a:xfrm>
+          <a:prstGeom prst="rect">
+            <a:avLst/>
+          </a:prstGeom>
+        </p:spPr>
+        <p:style>
+          <a:lnRef idx="2">
+            <a:schemeClr val="accent1">
+              <a:shade val="50000"/>
+            </a:schemeClr>
+          </a:lnRef>
+          <a:fillRef idx="1">
+            <a:schemeClr val="accent1"/>
+          </a:fillRef>
+          <a:effectRef idx="0">
+            <a:schemeClr val="accent1"/>
+          </a:effectRef>
+          <a:fontRef idx="minor">
+            <a:schemeClr val="lt1"/>
+          </a:fontRef>
+        </p:style>
+        <p:txBody>
+          <a:bodyPr rtlCol="0" anchor="ctr"/>
+          <a:lstStyle/>
+          <a:p>
+            <a:r>
               <a:rPr lang="ko-KR" altLang="en-US" sz="1100" dirty="0"/>
-              <a:t>최대인구수제한</a:t>
+              <a:t>개인 정보</a:t>
+            </a:r>
+          </a:p>
+          <a:p>
+            <a:r>
+              <a:rPr lang="ko-KR" altLang="en-US" sz="1100" dirty="0"/>
+              <a:t>이메일</a:t>
             </a:r>
             <a:endParaRPr lang="en-US" altLang="ko-KR" sz="1100" dirty="0"/>
           </a:p>
           <a:p>
-            <a:pPr algn="ctr"/>
+            <a:r>
+              <a:rPr lang="ko-KR" altLang="en-US" sz="1100" dirty="0"/>
+              <a:t>참가중인 프로젝트 수 </a:t>
+            </a:r>
             <a:r>
               <a:rPr lang="en-US" altLang="ko-KR" sz="1100" dirty="0"/>
-              <a:t>(1/6)</a:t>
-            </a:r>
+              <a:t>:</a:t>
+            </a:r>
+          </a:p>
+          <a:p>
+            <a:pPr algn="ctr"/>
             <a:endParaRPr lang="ko-KR" altLang="en-US" sz="1100" dirty="0"/>
           </a:p>
         </p:txBody>
       </p:sp>
       <p:sp>
         <p:nvSpPr>
-          <p:cNvPr id="13" name="TextBox 12">
-            <a:extLst>
-              <a:ext uri="{FF2B5EF4-FFF2-40B4-BE49-F238E27FC236}">
-                <a16:creationId xmlns:a16="http://schemas.microsoft.com/office/drawing/2014/main" id="{47AB57F5-BFFB-DCEB-6F9D-F0C139FD8F72}"/>
+          <p:cNvPr id="15" name="TextBox 14">
+            <a:extLst>
+              <a:ext uri="{FF2B5EF4-FFF2-40B4-BE49-F238E27FC236}">
+                <a16:creationId xmlns:a16="http://schemas.microsoft.com/office/drawing/2014/main" id="{E444198A-78A4-8AA2-CE12-19023A8DBFDF}"/>
               </a:ext>
             </a:extLst>
           </p:cNvPr>
@@ -11701,8 +14024,8 @@
         </p:nvSpPr>
         <p:spPr>
           <a:xfrm>
-            <a:off x="9009776" y="268448"/>
-            <a:ext cx="3085053" cy="3139321"/>
+            <a:off x="9812313" y="398287"/>
+            <a:ext cx="2038524" cy="2308324"/>
           </a:xfrm>
           <a:prstGeom prst="rect">
             <a:avLst/>
@@ -11719,18 +14042,49 @@
               <a:buAutoNum type="arabicPeriod"/>
             </a:pPr>
             <a:r>
-              <a:rPr lang="ko-KR" altLang="en-US" dirty="0"/>
-              <a:t>초대코드 복사</a:t>
-            </a:r>
-            <a:endParaRPr lang="en-US" altLang="ko-KR" dirty="0"/>
+              <a:rPr lang="ko-KR" altLang="en-US" dirty="0" err="1"/>
+              <a:t>페이지내이션기능</a:t>
+            </a:r>
+            <a:r>
+              <a:rPr lang="en-US" altLang="ko-KR" dirty="0"/>
+              <a:t>(</a:t>
+            </a:r>
+            <a:r>
+              <a:rPr lang="ko-KR" altLang="en-US" dirty="0" err="1"/>
+              <a:t>미확정</a:t>
+            </a:r>
+            <a:r>
+              <a:rPr lang="en-US" altLang="ko-KR" dirty="0"/>
+              <a:t>)</a:t>
+            </a:r>
           </a:p>
           <a:p>
             <a:pPr marL="342900" indent="-342900">
               <a:buAutoNum type="arabicPeriod"/>
             </a:pPr>
             <a:r>
+              <a:rPr lang="ko-KR" altLang="en-US" dirty="0" err="1"/>
+              <a:t>페이지내이션을</a:t>
+            </a:r>
+            <a:r>
               <a:rPr lang="ko-KR" altLang="en-US" dirty="0"/>
-              <a:t>친구 검색기능</a:t>
+              <a:t> </a:t>
+            </a:r>
+            <a:r>
+              <a:rPr lang="ko-KR" altLang="en-US" dirty="0" err="1"/>
+              <a:t>할경우</a:t>
+            </a:r>
+            <a:r>
+              <a:rPr lang="ko-KR" altLang="en-US" dirty="0"/>
+              <a:t> </a:t>
+            </a:r>
+            <a:r>
+              <a:rPr lang="ko-KR" altLang="en-US" dirty="0" err="1"/>
+              <a:t>맨위로</a:t>
+            </a:r>
+            <a:r>
+              <a:rPr lang="ko-KR" altLang="en-US" dirty="0"/>
+              <a:t> 버튼 생성</a:t>
             </a:r>
             <a:endParaRPr lang="en-US" altLang="ko-KR" dirty="0"/>
           </a:p>
@@ -11740,66 +14094,15 @@
             </a:pPr>
             <a:r>
               <a:rPr lang="ko-KR" altLang="en-US" dirty="0"/>
-              <a:t>초대를 보낼 친구 리스트창</a:t>
-            </a:r>
-            <a:endParaRPr lang="en-US" altLang="ko-KR" dirty="0"/>
-          </a:p>
-          <a:p>
-            <a:pPr marL="342900" indent="-342900">
-              <a:buAutoNum type="arabicPeriod"/>
-            </a:pPr>
-            <a:r>
-              <a:rPr lang="ko-KR" altLang="en-US" dirty="0"/>
-              <a:t>초대코드 보내기 버튼 누르면 추가된 친구들의 이메일로 초대코드 전송</a:t>
-            </a:r>
-            <a:endParaRPr lang="en-US" altLang="ko-KR" dirty="0"/>
-          </a:p>
-          <a:p>
-            <a:pPr marL="342900" indent="-342900">
-              <a:buAutoNum type="arabicPeriod"/>
-            </a:pPr>
-            <a:r>
-              <a:rPr lang="ko-KR" altLang="en-US" dirty="0"/>
-              <a:t>방 생성 버튼 </a:t>
-            </a:r>
-            <a:endParaRPr lang="en-US" altLang="ko-KR" dirty="0"/>
-          </a:p>
-          <a:p>
-            <a:pPr marL="342900" indent="-342900">
-              <a:buAutoNum type="arabicPeriod"/>
-            </a:pPr>
-            <a:r>
-              <a:rPr lang="ko-KR" altLang="en-US" dirty="0"/>
-              <a:t>회의시간 설정 체크박스를 </a:t>
-            </a:r>
-            <a:r>
-              <a:rPr lang="ko-KR" altLang="en-US" dirty="0" err="1"/>
-              <a:t>클릭시</a:t>
-            </a:r>
-            <a:r>
-              <a:rPr lang="ko-KR" altLang="en-US" dirty="0"/>
-              <a:t> 회의시간 설정 </a:t>
-            </a:r>
-            <a:r>
-              <a:rPr lang="en-US" altLang="ko-KR" dirty="0"/>
-              <a:t>from </a:t>
-            </a:r>
-            <a:r>
-              <a:rPr lang="ko-KR" altLang="en-US" dirty="0"/>
-              <a:t>이 </a:t>
-            </a:r>
-            <a:r>
-              <a:rPr lang="ko-KR" altLang="en-US" dirty="0" err="1"/>
-              <a:t>보여짐</a:t>
-            </a:r>
-            <a:endParaRPr lang="ko-KR" altLang="en-US" dirty="0"/>
+              <a:t>지난회의 삭제 기능</a:t>
+            </a:r>
           </a:p>
         </p:txBody>
       </p:sp>
     </p:spTree>
     <p:extLst>
       <p:ext uri="{BB962C8B-B14F-4D97-AF65-F5344CB8AC3E}">
-        <p14:creationId xmlns:p14="http://schemas.microsoft.com/office/powerpoint/2010/main" val="1677553217"/>
+        <p14:creationId xmlns:p14="http://schemas.microsoft.com/office/powerpoint/2010/main" val="3597793535"/>
       </p:ext>
     </p:extLst>
   </p:cSld>
@@ -11828,10 +14131,10 @@
       </p:grpSpPr>
       <p:sp>
         <p:nvSpPr>
-          <p:cNvPr id="4" name="직사각형 3">
-            <a:extLst>
-              <a:ext uri="{FF2B5EF4-FFF2-40B4-BE49-F238E27FC236}">
-                <a16:creationId xmlns:a16="http://schemas.microsoft.com/office/drawing/2014/main" id="{718206E4-1CF2-C83C-3E8F-FE28F94D3D39}"/>
+          <p:cNvPr id="5" name="직사각형 4">
+            <a:extLst>
+              <a:ext uri="{FF2B5EF4-FFF2-40B4-BE49-F238E27FC236}">
+                <a16:creationId xmlns:a16="http://schemas.microsoft.com/office/drawing/2014/main" id="{4057526F-B745-4EA2-9097-A81CAE4B219F}"/>
               </a:ext>
             </a:extLst>
           </p:cNvPr>
@@ -11840,8 +14143,8 @@
         </p:nvSpPr>
         <p:spPr>
           <a:xfrm>
-            <a:off x="90881" y="82493"/>
-            <a:ext cx="1536583" cy="638960"/>
+            <a:off x="370510" y="267056"/>
+            <a:ext cx="1174459" cy="402672"/>
           </a:xfrm>
           <a:prstGeom prst="rect">
             <a:avLst/>
@@ -11870,22 +14173,7 @@
             <a:pPr algn="ctr"/>
             <a:r>
               <a:rPr lang="en-US" altLang="ko-KR" sz="1100" dirty="0"/>
-              <a:t>Profile</a:t>
-            </a:r>
-          </a:p>
-          <a:p>
-            <a:pPr algn="ctr"/>
-            <a:r>
-              <a:rPr lang="en-US" altLang="ko-KR" sz="1100" dirty="0"/>
-              <a:t>(</a:t>
-            </a:r>
-            <a:r>
-              <a:rPr lang="ko-KR" altLang="en-US" sz="1100" dirty="0"/>
-              <a:t>지난회의이력조회</a:t>
-            </a:r>
-            <a:r>
-              <a:rPr lang="en-US" altLang="ko-KR" sz="1100" dirty="0"/>
-              <a:t>)</a:t>
+              <a:t>Conference -1</a:t>
             </a:r>
             <a:endParaRPr lang="ko-KR" altLang="en-US" sz="1100" dirty="0"/>
           </a:p>
@@ -11893,10 +14181,10 @@
       </p:sp>
       <p:sp>
         <p:nvSpPr>
-          <p:cNvPr id="5" name="직사각형 4">
-            <a:extLst>
-              <a:ext uri="{FF2B5EF4-FFF2-40B4-BE49-F238E27FC236}">
-                <a16:creationId xmlns:a16="http://schemas.microsoft.com/office/drawing/2014/main" id="{8FFF39B0-E2C3-564B-8697-6F32A64DD193}"/>
+          <p:cNvPr id="6" name="직사각형 5">
+            <a:extLst>
+              <a:ext uri="{FF2B5EF4-FFF2-40B4-BE49-F238E27FC236}">
+                <a16:creationId xmlns:a16="http://schemas.microsoft.com/office/drawing/2014/main" id="{D94992E7-CD9B-B699-3FEA-BFAEE66D476B}"/>
               </a:ext>
             </a:extLst>
           </p:cNvPr>
@@ -11905,8 +14193,8 @@
         </p:nvSpPr>
         <p:spPr>
           <a:xfrm>
-            <a:off x="2634143" y="3263319"/>
-            <a:ext cx="6644081" cy="638960"/>
+            <a:off x="1828365" y="1231091"/>
+            <a:ext cx="2488738" cy="1314269"/>
           </a:xfrm>
           <a:prstGeom prst="rect">
             <a:avLst/>
@@ -11934,48 +14222,8 @@
           <a:p>
             <a:pPr algn="ctr"/>
             <a:r>
-              <a:rPr lang="ko-KR" altLang="en-US" sz="1100" dirty="0"/>
-              <a:t>지난회의</a:t>
-            </a:r>
-            <a:endParaRPr lang="en-US" altLang="ko-KR" sz="1100" dirty="0"/>
-          </a:p>
-          <a:p>
-            <a:pPr algn="ctr"/>
-            <a:r>
-              <a:rPr lang="en-US" altLang="ko-KR" sz="1100" dirty="0"/>
-              <a:t>(</a:t>
-            </a:r>
-            <a:r>
-              <a:rPr lang="ko-KR" altLang="en-US" sz="1100" dirty="0"/>
-              <a:t>회의 날짜</a:t>
-            </a:r>
-            <a:r>
-              <a:rPr lang="en-US" altLang="ko-KR" sz="1100" dirty="0"/>
-              <a:t>, </a:t>
-            </a:r>
-            <a:r>
-              <a:rPr lang="ko-KR" altLang="en-US" sz="1100" dirty="0"/>
-              <a:t>호스트</a:t>
-            </a:r>
-            <a:r>
-              <a:rPr lang="en-US" altLang="ko-KR" sz="1100" dirty="0"/>
-              <a:t>, </a:t>
-            </a:r>
-            <a:r>
-              <a:rPr lang="ko-KR" altLang="en-US" sz="1100" dirty="0"/>
-              <a:t>참가자</a:t>
-            </a:r>
-            <a:r>
-              <a:rPr lang="en-US" altLang="ko-KR" sz="1100" dirty="0"/>
-              <a:t>, </a:t>
-            </a:r>
-            <a:r>
-              <a:rPr lang="ko-KR" altLang="en-US" sz="1100" dirty="0"/>
-              <a:t>드로잉데이터</a:t>
-            </a:r>
-            <a:r>
-              <a:rPr lang="en-US" altLang="ko-KR" sz="1100" dirty="0"/>
-              <a:t>)</a:t>
+              <a:rPr lang="ko-KR" altLang="en-US" sz="1100"/>
+              <a:t>카메라</a:t>
             </a:r>
             <a:endParaRPr lang="ko-KR" altLang="en-US" sz="1100" dirty="0"/>
           </a:p>
@@ -11983,10 +14231,10 @@
       </p:sp>
       <p:sp>
         <p:nvSpPr>
-          <p:cNvPr id="6" name="직사각형 5">
-            <a:extLst>
-              <a:ext uri="{FF2B5EF4-FFF2-40B4-BE49-F238E27FC236}">
-                <a16:creationId xmlns:a16="http://schemas.microsoft.com/office/drawing/2014/main" id="{6062A880-E976-CA5E-AA72-7F74AE5016BA}"/>
+          <p:cNvPr id="7" name="직사각형 6">
+            <a:extLst>
+              <a:ext uri="{FF2B5EF4-FFF2-40B4-BE49-F238E27FC236}">
+                <a16:creationId xmlns:a16="http://schemas.microsoft.com/office/drawing/2014/main" id="{1C363D53-3178-6B73-1393-3B201D47475F}"/>
               </a:ext>
             </a:extLst>
           </p:cNvPr>
@@ -11995,8 +14243,8 @@
         </p:nvSpPr>
         <p:spPr>
           <a:xfrm>
-            <a:off x="2634142" y="4078449"/>
-            <a:ext cx="6644081" cy="638960"/>
+            <a:off x="4781292" y="1231091"/>
+            <a:ext cx="2488738" cy="1314269"/>
           </a:xfrm>
           <a:prstGeom prst="rect">
             <a:avLst/>
@@ -12024,48 +14272,8 @@
           <a:p>
             <a:pPr algn="ctr"/>
             <a:r>
-              <a:rPr lang="ko-KR" altLang="en-US" sz="1100" dirty="0"/>
-              <a:t>지난회의</a:t>
-            </a:r>
-            <a:endParaRPr lang="en-US" altLang="ko-KR" sz="1100" dirty="0"/>
-          </a:p>
-          <a:p>
-            <a:pPr algn="ctr"/>
-            <a:r>
-              <a:rPr lang="en-US" altLang="ko-KR" sz="1100" dirty="0"/>
-              <a:t>(</a:t>
-            </a:r>
-            <a:r>
-              <a:rPr lang="ko-KR" altLang="en-US" sz="1100" dirty="0"/>
-              <a:t>회의 날짜</a:t>
-            </a:r>
-            <a:r>
-              <a:rPr lang="en-US" altLang="ko-KR" sz="1100" dirty="0"/>
-              <a:t>, </a:t>
-            </a:r>
-            <a:r>
-              <a:rPr lang="ko-KR" altLang="en-US" sz="1100" dirty="0"/>
-              <a:t>호스트</a:t>
-            </a:r>
-            <a:r>
-              <a:rPr lang="en-US" altLang="ko-KR" sz="1100" dirty="0"/>
-              <a:t>, </a:t>
-            </a:r>
-            <a:r>
-              <a:rPr lang="ko-KR" altLang="en-US" sz="1100" dirty="0"/>
-              <a:t>참가자</a:t>
-            </a:r>
-            <a:r>
-              <a:rPr lang="en-US" altLang="ko-KR" sz="1100" dirty="0"/>
-              <a:t>, </a:t>
-            </a:r>
-            <a:r>
-              <a:rPr lang="ko-KR" altLang="en-US" sz="1100" dirty="0"/>
-              <a:t>드로잉데이터</a:t>
-            </a:r>
-            <a:r>
-              <a:rPr lang="en-US" altLang="ko-KR" sz="1100" dirty="0"/>
-              <a:t>)</a:t>
+              <a:rPr lang="ko-KR" altLang="en-US" sz="1100"/>
+              <a:t>카메라</a:t>
             </a:r>
             <a:endParaRPr lang="ko-KR" altLang="en-US" sz="1100" dirty="0"/>
           </a:p>
@@ -12073,10 +14281,10 @@
       </p:sp>
       <p:sp>
         <p:nvSpPr>
-          <p:cNvPr id="7" name="직사각형 6">
-            <a:extLst>
-              <a:ext uri="{FF2B5EF4-FFF2-40B4-BE49-F238E27FC236}">
-                <a16:creationId xmlns:a16="http://schemas.microsoft.com/office/drawing/2014/main" id="{43B7613C-1EDF-03AC-1C8F-DDB8011809AC}"/>
+          <p:cNvPr id="8" name="직사각형 7">
+            <a:extLst>
+              <a:ext uri="{FF2B5EF4-FFF2-40B4-BE49-F238E27FC236}">
+                <a16:creationId xmlns:a16="http://schemas.microsoft.com/office/drawing/2014/main" id="{A0E856F0-37E7-CF3E-C967-34F6987462D7}"/>
               </a:ext>
             </a:extLst>
           </p:cNvPr>
@@ -12085,8 +14293,8 @@
         </p:nvSpPr>
         <p:spPr>
           <a:xfrm>
-            <a:off x="2634140" y="4893579"/>
-            <a:ext cx="6644081" cy="638960"/>
+            <a:off x="1828365" y="2844016"/>
+            <a:ext cx="2488738" cy="1314269"/>
           </a:xfrm>
           <a:prstGeom prst="rect">
             <a:avLst/>
@@ -12114,48 +14322,8 @@
           <a:p>
             <a:pPr algn="ctr"/>
             <a:r>
-              <a:rPr lang="ko-KR" altLang="en-US" sz="1100" dirty="0"/>
-              <a:t>지난회의</a:t>
-            </a:r>
-            <a:endParaRPr lang="en-US" altLang="ko-KR" sz="1100" dirty="0"/>
-          </a:p>
-          <a:p>
-            <a:pPr algn="ctr"/>
-            <a:r>
-              <a:rPr lang="en-US" altLang="ko-KR" sz="1100" dirty="0"/>
-              <a:t>(</a:t>
-            </a:r>
-            <a:r>
-              <a:rPr lang="ko-KR" altLang="en-US" sz="1100" dirty="0"/>
-              <a:t>회의 날짜</a:t>
-            </a:r>
-            <a:r>
-              <a:rPr lang="en-US" altLang="ko-KR" sz="1100" dirty="0"/>
-              <a:t>, </a:t>
-            </a:r>
-            <a:r>
-              <a:rPr lang="ko-KR" altLang="en-US" sz="1100" dirty="0"/>
-              <a:t>호스트</a:t>
-            </a:r>
-            <a:r>
-              <a:rPr lang="en-US" altLang="ko-KR" sz="1100" dirty="0"/>
-              <a:t>, </a:t>
-            </a:r>
-            <a:r>
-              <a:rPr lang="ko-KR" altLang="en-US" sz="1100" dirty="0"/>
-              <a:t>참가자</a:t>
-            </a:r>
-            <a:r>
-              <a:rPr lang="en-US" altLang="ko-KR" sz="1100" dirty="0"/>
-              <a:t>, </a:t>
-            </a:r>
-            <a:r>
-              <a:rPr lang="ko-KR" altLang="en-US" sz="1100" dirty="0"/>
-              <a:t>드로잉데이터</a:t>
-            </a:r>
-            <a:r>
-              <a:rPr lang="en-US" altLang="ko-KR" sz="1100" dirty="0"/>
-              <a:t>)</a:t>
+              <a:rPr lang="ko-KR" altLang="en-US" sz="1100"/>
+              <a:t>카메라</a:t>
             </a:r>
             <a:endParaRPr lang="ko-KR" altLang="en-US" sz="1100" dirty="0"/>
           </a:p>
@@ -12163,10 +14331,10 @@
       </p:sp>
       <p:sp>
         <p:nvSpPr>
-          <p:cNvPr id="8" name="직사각형 7">
-            <a:extLst>
-              <a:ext uri="{FF2B5EF4-FFF2-40B4-BE49-F238E27FC236}">
-                <a16:creationId xmlns:a16="http://schemas.microsoft.com/office/drawing/2014/main" id="{F3E8AB8D-B674-203A-E883-47E28953FAD3}"/>
+          <p:cNvPr id="9" name="직사각형 8">
+            <a:extLst>
+              <a:ext uri="{FF2B5EF4-FFF2-40B4-BE49-F238E27FC236}">
+                <a16:creationId xmlns:a16="http://schemas.microsoft.com/office/drawing/2014/main" id="{002E3D11-C1B7-3345-F90D-7203DEC8DE94}"/>
               </a:ext>
             </a:extLst>
           </p:cNvPr>
@@ -12175,8 +14343,8 @@
         </p:nvSpPr>
         <p:spPr>
           <a:xfrm>
-            <a:off x="2634140" y="5766034"/>
-            <a:ext cx="6644081" cy="638960"/>
+            <a:off x="4781292" y="2844016"/>
+            <a:ext cx="2488738" cy="1314269"/>
           </a:xfrm>
           <a:prstGeom prst="rect">
             <a:avLst/>
@@ -12205,58 +14373,17 @@
             <a:pPr algn="ctr"/>
             <a:r>
               <a:rPr lang="ko-KR" altLang="en-US" sz="1100" dirty="0"/>
-              <a:t>지난회의</a:t>
-            </a:r>
-            <a:endParaRPr lang="en-US" altLang="ko-KR" sz="1100" dirty="0"/>
-          </a:p>
-          <a:p>
-            <a:pPr algn="ctr"/>
-            <a:r>
-              <a:rPr lang="en-US" altLang="ko-KR" sz="1100" dirty="0"/>
-              <a:t>(</a:t>
-            </a:r>
-            <a:r>
-              <a:rPr lang="ko-KR" altLang="en-US" sz="1100" dirty="0"/>
-              <a:t>회의 날짜</a:t>
-            </a:r>
-            <a:r>
-              <a:rPr lang="en-US" altLang="ko-KR" sz="1100" dirty="0"/>
-              <a:t>, </a:t>
-            </a:r>
-            <a:r>
-              <a:rPr lang="ko-KR" altLang="en-US" sz="1100" dirty="0"/>
-              <a:t>호스트</a:t>
-            </a:r>
-            <a:r>
-              <a:rPr lang="en-US" altLang="ko-KR" sz="1100" dirty="0"/>
-              <a:t>, </a:t>
-            </a:r>
-            <a:r>
-              <a:rPr lang="ko-KR" altLang="en-US" sz="1100" dirty="0"/>
-              <a:t>참가자</a:t>
-            </a:r>
-            <a:r>
-              <a:rPr lang="en-US" altLang="ko-KR" sz="1100" dirty="0"/>
-              <a:t>, </a:t>
-            </a:r>
-            <a:r>
-              <a:rPr lang="ko-KR" altLang="en-US" sz="1100" dirty="0"/>
-              <a:t>드로잉데이터</a:t>
-            </a:r>
-            <a:r>
-              <a:rPr lang="en-US" altLang="ko-KR" sz="1100" dirty="0"/>
-              <a:t>)</a:t>
-            </a:r>
-            <a:endParaRPr lang="ko-KR" altLang="en-US" sz="1100" dirty="0"/>
-          </a:p>
-        </p:txBody>
-      </p:sp>
-      <p:sp>
-        <p:nvSpPr>
-          <p:cNvPr id="9" name="직사각형 8">
-            <a:extLst>
-              <a:ext uri="{FF2B5EF4-FFF2-40B4-BE49-F238E27FC236}">
-                <a16:creationId xmlns:a16="http://schemas.microsoft.com/office/drawing/2014/main" id="{3C7D6351-7F39-4823-3A8D-702467D282E0}"/>
+              <a:t>카메라</a:t>
+            </a:r>
+          </a:p>
+        </p:txBody>
+      </p:sp>
+      <p:sp>
+        <p:nvSpPr>
+          <p:cNvPr id="10" name="직사각형 9">
+            <a:extLst>
+              <a:ext uri="{FF2B5EF4-FFF2-40B4-BE49-F238E27FC236}">
+                <a16:creationId xmlns:a16="http://schemas.microsoft.com/office/drawing/2014/main" id="{EF7662B6-DF16-E97F-8D89-EDE88D743D53}"/>
               </a:ext>
             </a:extLst>
           </p:cNvPr>
@@ -12265,8 +14392,8 @@
         </p:nvSpPr>
         <p:spPr>
           <a:xfrm>
-            <a:off x="7617203" y="2801924"/>
-            <a:ext cx="1659617" cy="227900"/>
+            <a:off x="1828365" y="4456941"/>
+            <a:ext cx="2488738" cy="1314269"/>
           </a:xfrm>
           <a:prstGeom prst="rect">
             <a:avLst/>
@@ -12294,58 +14421,19 @@
           <a:p>
             <a:pPr algn="ctr"/>
             <a:r>
-              <a:rPr lang="ko-KR" altLang="en-US" sz="1100" dirty="0"/>
-              <a:t>버튼 </a:t>
-            </a:r>
-            <a:r>
-              <a:rPr lang="en-US" altLang="ko-KR" sz="1100" dirty="0"/>
-              <a:t>1</a:t>
-            </a:r>
-            <a:r>
-              <a:rPr lang="ko-KR" altLang="en-US" sz="1100" dirty="0"/>
-              <a:t>일</a:t>
-            </a:r>
-            <a:r>
-              <a:rPr lang="en-US" altLang="ko-KR" sz="1100" dirty="0"/>
-              <a:t>,</a:t>
-            </a:r>
-            <a:r>
-              <a:rPr lang="ko-KR" altLang="en-US" sz="1100" dirty="0"/>
-              <a:t> </a:t>
-            </a:r>
-            <a:r>
-              <a:rPr lang="en-US" altLang="ko-KR" sz="1100" dirty="0"/>
-              <a:t>7</a:t>
-            </a:r>
-            <a:r>
-              <a:rPr lang="ko-KR" altLang="en-US" sz="1100" dirty="0"/>
-              <a:t>일</a:t>
-            </a:r>
-            <a:r>
-              <a:rPr lang="en-US" altLang="ko-KR" sz="1100" dirty="0"/>
-              <a:t>,</a:t>
-            </a:r>
-            <a:r>
-              <a:rPr lang="ko-KR" altLang="en-US" sz="1100" dirty="0"/>
-              <a:t> </a:t>
-            </a:r>
-            <a:r>
-              <a:rPr lang="en-US" altLang="ko-KR" sz="1100" dirty="0"/>
-              <a:t>30</a:t>
-            </a:r>
-            <a:r>
-              <a:rPr lang="ko-KR" altLang="en-US" sz="1100" dirty="0"/>
-              <a:t>일</a:t>
-            </a:r>
-          </a:p>
-        </p:txBody>
-      </p:sp>
-      <p:sp>
-        <p:nvSpPr>
-          <p:cNvPr id="10" name="직사각형 9">
-            <a:extLst>
-              <a:ext uri="{FF2B5EF4-FFF2-40B4-BE49-F238E27FC236}">
-                <a16:creationId xmlns:a16="http://schemas.microsoft.com/office/drawing/2014/main" id="{DFE0C12C-2586-95DF-B998-4C66B4C49332}"/>
+              <a:rPr lang="ko-KR" altLang="en-US" sz="1100"/>
+              <a:t>카메라</a:t>
+            </a:r>
+            <a:endParaRPr lang="ko-KR" altLang="en-US" sz="1100" dirty="0"/>
+          </a:p>
+        </p:txBody>
+      </p:sp>
+      <p:sp>
+        <p:nvSpPr>
+          <p:cNvPr id="11" name="직사각형 10">
+            <a:extLst>
+              <a:ext uri="{FF2B5EF4-FFF2-40B4-BE49-F238E27FC236}">
+                <a16:creationId xmlns:a16="http://schemas.microsoft.com/office/drawing/2014/main" id="{5F3CD4EF-C4B2-4CFE-5719-D8858E23B18D}"/>
               </a:ext>
             </a:extLst>
           </p:cNvPr>
@@ -12354,8 +14442,8 @@
         </p:nvSpPr>
         <p:spPr>
           <a:xfrm>
-            <a:off x="10997967" y="6041472"/>
-            <a:ext cx="805338" cy="638960"/>
+            <a:off x="4781292" y="4456941"/>
+            <a:ext cx="2488738" cy="1314269"/>
           </a:xfrm>
           <a:prstGeom prst="rect">
             <a:avLst/>
@@ -12383,10 +14471,9 @@
           <a:p>
             <a:pPr algn="ctr"/>
             <a:r>
-              <a:rPr lang="ko-KR" altLang="en-US" sz="1100" dirty="0" err="1"/>
-              <a:t>맨위로</a:t>
-            </a:r>
-            <a:endParaRPr lang="ko-KR" altLang="en-US" sz="1100" dirty="0"/>
+              <a:rPr lang="ko-KR" altLang="en-US" sz="1100" dirty="0"/>
+              <a:t>카메라</a:t>
+            </a:r>
           </a:p>
         </p:txBody>
       </p:sp>
@@ -12395,7 +14482,7 @@
           <p:cNvPr id="12" name="직사각형 11">
             <a:extLst>
               <a:ext uri="{FF2B5EF4-FFF2-40B4-BE49-F238E27FC236}">
-                <a16:creationId xmlns:a16="http://schemas.microsoft.com/office/drawing/2014/main" id="{DC600725-5EEE-AF23-D6B3-F7FBF8DCA238}"/>
+                <a16:creationId xmlns:a16="http://schemas.microsoft.com/office/drawing/2014/main" id="{A7337D00-D31D-ACA9-81A5-ACCEAECEAD1D}"/>
               </a:ext>
             </a:extLst>
           </p:cNvPr>
@@ -12404,8 +14491,8 @@
         </p:nvSpPr>
         <p:spPr>
           <a:xfrm>
-            <a:off x="7488558" y="914399"/>
-            <a:ext cx="1837192" cy="387290"/>
+            <a:off x="7876827" y="2844016"/>
+            <a:ext cx="2488738" cy="2927194"/>
           </a:xfrm>
           <a:prstGeom prst="rect">
             <a:avLst/>
@@ -12433,9 +14520,10 @@
           <a:p>
             <a:pPr algn="ctr"/>
             <a:r>
-              <a:rPr lang="ko-KR" altLang="en-US" dirty="0"/>
-              <a:t>비밀번호 변경</a:t>
-            </a:r>
+              <a:rPr lang="ko-KR" altLang="en-US" sz="1100"/>
+              <a:t>채팅창</a:t>
+            </a:r>
+            <a:endParaRPr lang="ko-KR" altLang="en-US" sz="1100" dirty="0"/>
           </a:p>
         </p:txBody>
       </p:sp>
@@ -12444,7 +14532,7 @@
           <p:cNvPr id="13" name="직사각형 12">
             <a:extLst>
               <a:ext uri="{FF2B5EF4-FFF2-40B4-BE49-F238E27FC236}">
-                <a16:creationId xmlns:a16="http://schemas.microsoft.com/office/drawing/2014/main" id="{98C0CAAD-078A-EB7C-FD25-3384F0F780DE}"/>
+                <a16:creationId xmlns:a16="http://schemas.microsoft.com/office/drawing/2014/main" id="{0F6F399C-FDD1-AC46-194A-92E5246EA0A8}"/>
               </a:ext>
             </a:extLst>
           </p:cNvPr>
@@ -12453,15 +14541,12 @@
         </p:nvSpPr>
         <p:spPr>
           <a:xfrm>
-            <a:off x="191549" y="6109282"/>
-            <a:ext cx="805339" cy="638960"/>
-          </a:xfrm>
-          <a:prstGeom prst="rect">
-            <a:avLst/>
-          </a:prstGeom>
-          <a:solidFill>
-            <a:srgbClr val="FF0000"/>
-          </a:solidFill>
+            <a:off x="7876827" y="1231089"/>
+            <a:ext cx="2488738" cy="1314269"/>
+          </a:xfrm>
+          <a:prstGeom prst="rect">
+            <a:avLst/>
+          </a:prstGeom>
         </p:spPr>
         <p:style>
           <a:lnRef idx="2">
@@ -12485,9 +14570,30 @@
           <a:p>
             <a:pPr algn="ctr"/>
             <a:r>
-              <a:rPr lang="ko-KR" altLang="en-US" dirty="0"/>
-              <a:t>회원탈퇴</a:t>
-            </a:r>
+              <a:rPr lang="ko-KR" altLang="en-US" sz="1100" dirty="0"/>
+              <a:t>참가자 명단</a:t>
+            </a:r>
+            <a:endParaRPr lang="en-US" altLang="ko-KR" sz="1100" dirty="0"/>
+          </a:p>
+          <a:p>
+            <a:pPr algn="ctr"/>
+            <a:r>
+              <a:rPr lang="en-US" altLang="ko-KR" sz="1100" dirty="0"/>
+              <a:t>(</a:t>
+            </a:r>
+            <a:r>
+              <a:rPr lang="ko-KR" altLang="en-US" sz="1100" dirty="0" err="1"/>
+              <a:t>웹엑스처럼</a:t>
+            </a:r>
+            <a:r>
+              <a:rPr lang="ko-KR" altLang="en-US" sz="1100" dirty="0"/>
+              <a:t> 구성</a:t>
+            </a:r>
+            <a:r>
+              <a:rPr lang="en-US" altLang="ko-KR" sz="1100" dirty="0"/>
+              <a:t>)</a:t>
+            </a:r>
+            <a:endParaRPr lang="ko-KR" altLang="en-US" sz="1100" dirty="0"/>
           </a:p>
         </p:txBody>
       </p:sp>
@@ -12496,7 +14602,7 @@
           <p:cNvPr id="14" name="직사각형 13">
             <a:extLst>
               <a:ext uri="{FF2B5EF4-FFF2-40B4-BE49-F238E27FC236}">
-                <a16:creationId xmlns:a16="http://schemas.microsoft.com/office/drawing/2014/main" id="{F0989849-3B86-FBE8-E75C-D7D4B1536A7C}"/>
+                <a16:creationId xmlns:a16="http://schemas.microsoft.com/office/drawing/2014/main" id="{56CF5369-EE09-EF89-3CE7-06C926D13F4D}"/>
               </a:ext>
             </a:extLst>
           </p:cNvPr>
@@ -12505,8 +14611,8 @@
         </p:nvSpPr>
         <p:spPr>
           <a:xfrm>
-            <a:off x="2634140" y="914399"/>
-            <a:ext cx="4748172" cy="1283515"/>
+            <a:off x="1828366" y="6306780"/>
+            <a:ext cx="8537200" cy="410361"/>
           </a:xfrm>
           <a:prstGeom prst="rect">
             <a:avLst/>
@@ -12532,127 +14638,121 @@
           <a:bodyPr rtlCol="0" anchor="ctr"/>
           <a:lstStyle/>
           <a:p>
+            <a:pPr algn="ctr"/>
+            <a:r>
+              <a:rPr lang="ko-KR" altLang="en-US" sz="1100" dirty="0" err="1"/>
+              <a:t>음소거</a:t>
+            </a:r>
+            <a:r>
+              <a:rPr lang="en-US" altLang="ko-KR" sz="1100" dirty="0"/>
+              <a:t>, </a:t>
+            </a:r>
             <a:r>
               <a:rPr lang="ko-KR" altLang="en-US" sz="1100" dirty="0"/>
-              <a:t>개인 정보</a:t>
-            </a:r>
-          </a:p>
-          <a:p>
+              <a:t>비디오중지</a:t>
+            </a:r>
+            <a:r>
+              <a:rPr lang="en-US" altLang="ko-KR" sz="1100" dirty="0"/>
+              <a:t>, </a:t>
+            </a:r>
+            <a:r>
+              <a:rPr lang="ko-KR" altLang="en-US" sz="1100" dirty="0" err="1"/>
+              <a:t>채팅창</a:t>
+            </a:r>
+            <a:r>
+              <a:rPr lang="en-US" altLang="ko-KR" sz="1100" dirty="0"/>
+              <a:t>, </a:t>
+            </a:r>
             <a:r>
               <a:rPr lang="ko-KR" altLang="en-US" sz="1100" dirty="0"/>
-              <a:t>이메일</a:t>
-            </a:r>
-            <a:endParaRPr lang="en-US" altLang="ko-KR" sz="1100" dirty="0"/>
-          </a:p>
-          <a:p>
+              <a:t>참가자명단</a:t>
+            </a:r>
+            <a:r>
+              <a:rPr lang="en-US" altLang="ko-KR" sz="1100" dirty="0"/>
+              <a:t>, </a:t>
+            </a:r>
+            <a:r>
+              <a:rPr lang="ko-KR" altLang="en-US" sz="1100" dirty="0" err="1" smtClean="0"/>
+              <a:t>화면공유</a:t>
+            </a:r>
+            <a:endParaRPr lang="ko-KR" altLang="en-US" sz="1100" dirty="0"/>
+          </a:p>
+        </p:txBody>
+      </p:sp>
+      <p:sp>
+        <p:nvSpPr>
+          <p:cNvPr id="15" name="직사각형 14">
+            <a:extLst>
+              <a:ext uri="{FF2B5EF4-FFF2-40B4-BE49-F238E27FC236}">
+                <a16:creationId xmlns:a16="http://schemas.microsoft.com/office/drawing/2014/main" id="{56CF5369-EE09-EF89-3CE7-06C926D13F4D}"/>
+              </a:ext>
+            </a:extLst>
+          </p:cNvPr>
+          <p:cNvSpPr/>
+          <p:nvPr/>
+        </p:nvSpPr>
+        <p:spPr>
+          <a:xfrm>
+            <a:off x="1828366" y="259367"/>
+            <a:ext cx="8537200" cy="410361"/>
+          </a:xfrm>
+          <a:prstGeom prst="rect">
+            <a:avLst/>
+          </a:prstGeom>
+        </p:spPr>
+        <p:style>
+          <a:lnRef idx="2">
+            <a:schemeClr val="accent1">
+              <a:shade val="50000"/>
+            </a:schemeClr>
+          </a:lnRef>
+          <a:fillRef idx="1">
+            <a:schemeClr val="accent1"/>
+          </a:fillRef>
+          <a:effectRef idx="0">
+            <a:schemeClr val="accent1"/>
+          </a:effectRef>
+          <a:fontRef idx="minor">
+            <a:schemeClr val="lt1"/>
+          </a:fontRef>
+        </p:style>
+        <p:txBody>
+          <a:bodyPr rtlCol="0" anchor="ctr"/>
+          <a:lstStyle/>
+          <a:p>
+            <a:pPr algn="ctr"/>
+            <a:r>
+              <a:rPr lang="ko-KR" altLang="en-US" sz="1100" dirty="0" smtClean="0"/>
+              <a:t>나가기 </a:t>
+            </a:r>
+            <a:r>
+              <a:rPr lang="en-US" altLang="ko-KR" sz="1100" dirty="0" smtClean="0"/>
+              <a:t>, </a:t>
+            </a:r>
+            <a:r>
+              <a:rPr lang="ko-KR" altLang="en-US" sz="1100" dirty="0" err="1" smtClean="0"/>
+              <a:t>드로잉시작</a:t>
+            </a:r>
+            <a:r>
+              <a:rPr lang="en-US" altLang="ko-KR" sz="1100" dirty="0" smtClean="0"/>
+              <a:t>,</a:t>
+            </a:r>
             <a:r>
               <a:rPr lang="ko-KR" altLang="en-US" sz="1100" dirty="0"/>
-              <a:t>참가중인 프로젝트 수 </a:t>
-            </a:r>
-            <a:r>
-              <a:rPr lang="en-US" altLang="ko-KR" sz="1100" dirty="0"/>
-              <a:t>:</a:t>
-            </a:r>
-          </a:p>
-          <a:p>
-            <a:pPr algn="ctr"/>
+              <a:t> </a:t>
+            </a:r>
+            <a:r>
+              <a:rPr lang="ko-KR" altLang="en-US" sz="1100" dirty="0" smtClean="0"/>
+              <a:t>드로잉 끝내기</a:t>
+            </a:r>
             <a:endParaRPr lang="ko-KR" altLang="en-US" sz="1100" dirty="0"/>
-          </a:p>
-        </p:txBody>
-      </p:sp>
-      <p:sp>
-        <p:nvSpPr>
-          <p:cNvPr id="15" name="TextBox 14">
-            <a:extLst>
-              <a:ext uri="{FF2B5EF4-FFF2-40B4-BE49-F238E27FC236}">
-                <a16:creationId xmlns:a16="http://schemas.microsoft.com/office/drawing/2014/main" id="{E444198A-78A4-8AA2-CE12-19023A8DBFDF}"/>
-              </a:ext>
-            </a:extLst>
-          </p:cNvPr>
-          <p:cNvSpPr txBox="1"/>
-          <p:nvPr/>
-        </p:nvSpPr>
-        <p:spPr>
-          <a:xfrm>
-            <a:off x="9812313" y="398287"/>
-            <a:ext cx="2038524" cy="2308324"/>
-          </a:xfrm>
-          <a:prstGeom prst="rect">
-            <a:avLst/>
-          </a:prstGeom>
-          <a:noFill/>
-        </p:spPr>
-        <p:txBody>
-          <a:bodyPr wrap="square" rtlCol="0">
-            <a:spAutoFit/>
-          </a:bodyPr>
-          <a:lstStyle/>
-          <a:p>
-            <a:pPr marL="342900" indent="-342900">
-              <a:buAutoNum type="arabicPeriod"/>
-            </a:pPr>
-            <a:r>
-              <a:rPr lang="ko-KR" altLang="en-US" dirty="0" err="1"/>
-              <a:t>페이지내이션기능</a:t>
-            </a:r>
-            <a:r>
-              <a:rPr lang="en-US" altLang="ko-KR" dirty="0"/>
-              <a:t>(</a:t>
-            </a:r>
-            <a:r>
-              <a:rPr lang="ko-KR" altLang="en-US" dirty="0" err="1"/>
-              <a:t>미확정</a:t>
-            </a:r>
-            <a:r>
-              <a:rPr lang="en-US" altLang="ko-KR" dirty="0"/>
-              <a:t>)</a:t>
-            </a:r>
-          </a:p>
-          <a:p>
-            <a:pPr marL="342900" indent="-342900">
-              <a:buAutoNum type="arabicPeriod"/>
-            </a:pPr>
-            <a:r>
-              <a:rPr lang="ko-KR" altLang="en-US" dirty="0" err="1"/>
-              <a:t>페이지내이션을</a:t>
-            </a:r>
-            <a:r>
-              <a:rPr lang="ko-KR" altLang="en-US" dirty="0"/>
-              <a:t> </a:t>
-            </a:r>
-            <a:r>
-              <a:rPr lang="ko-KR" altLang="en-US" dirty="0" err="1"/>
-              <a:t>할경우</a:t>
-            </a:r>
-            <a:r>
-              <a:rPr lang="ko-KR" altLang="en-US" dirty="0"/>
-              <a:t> </a:t>
-            </a:r>
-            <a:r>
-              <a:rPr lang="ko-KR" altLang="en-US" dirty="0" err="1"/>
-              <a:t>맨위로</a:t>
-            </a:r>
-            <a:r>
-              <a:rPr lang="ko-KR" altLang="en-US" dirty="0"/>
-              <a:t> 버튼 생성</a:t>
-            </a:r>
-            <a:endParaRPr lang="en-US" altLang="ko-KR" dirty="0"/>
-          </a:p>
-          <a:p>
-            <a:pPr marL="342900" indent="-342900">
-              <a:buAutoNum type="arabicPeriod"/>
-            </a:pPr>
-            <a:r>
-              <a:rPr lang="ko-KR" altLang="en-US" dirty="0"/>
-              <a:t>지난회의 삭제 기능</a:t>
-            </a:r>
           </a:p>
         </p:txBody>
       </p:sp>
     </p:spTree>
     <p:extLst>
       <p:ext uri="{BB962C8B-B14F-4D97-AF65-F5344CB8AC3E}">
-        <p14:creationId xmlns:p14="http://schemas.microsoft.com/office/powerpoint/2010/main" val="3597793535"/>
+        <p14:creationId xmlns:p14="http://schemas.microsoft.com/office/powerpoint/2010/main" val="4139823638"/>
       </p:ext>
     </p:extLst>
   </p:cSld>
